--- a/Slides/Slides for Video 3.pptx
+++ b/Slides/Slides for Video 3.pptx
@@ -5,30 +5,38 @@
     <p:sldMasterId id="2147483648" r:id="rId1"/>
   </p:sldMasterIdLst>
   <p:notesMasterIdLst>
-    <p:notesMasterId r:id="rId23"/>
+    <p:notesMasterId r:id="rId31"/>
   </p:notesMasterIdLst>
   <p:sldIdLst>
     <p:sldId id="557" r:id="rId2"/>
-    <p:sldId id="685" r:id="rId3"/>
-    <p:sldId id="683" r:id="rId4"/>
-    <p:sldId id="684" r:id="rId5"/>
-    <p:sldId id="687" r:id="rId6"/>
-    <p:sldId id="688" r:id="rId7"/>
-    <p:sldId id="689" r:id="rId8"/>
-    <p:sldId id="690" r:id="rId9"/>
-    <p:sldId id="679" r:id="rId10"/>
-    <p:sldId id="754" r:id="rId11"/>
-    <p:sldId id="711" r:id="rId12"/>
-    <p:sldId id="712" r:id="rId13"/>
-    <p:sldId id="713" r:id="rId14"/>
-    <p:sldId id="731" r:id="rId15"/>
-    <p:sldId id="732" r:id="rId16"/>
-    <p:sldId id="733" r:id="rId17"/>
-    <p:sldId id="734" r:id="rId18"/>
-    <p:sldId id="735" r:id="rId19"/>
-    <p:sldId id="755" r:id="rId20"/>
-    <p:sldId id="693" r:id="rId21"/>
-    <p:sldId id="756" r:id="rId22"/>
+    <p:sldId id="766" r:id="rId3"/>
+    <p:sldId id="685" r:id="rId4"/>
+    <p:sldId id="683" r:id="rId5"/>
+    <p:sldId id="684" r:id="rId6"/>
+    <p:sldId id="758" r:id="rId7"/>
+    <p:sldId id="759" r:id="rId8"/>
+    <p:sldId id="687" r:id="rId9"/>
+    <p:sldId id="688" r:id="rId10"/>
+    <p:sldId id="689" r:id="rId11"/>
+    <p:sldId id="690" r:id="rId12"/>
+    <p:sldId id="760" r:id="rId13"/>
+    <p:sldId id="761" r:id="rId14"/>
+    <p:sldId id="711" r:id="rId15"/>
+    <p:sldId id="762" r:id="rId16"/>
+    <p:sldId id="763" r:id="rId17"/>
+    <p:sldId id="764" r:id="rId18"/>
+    <p:sldId id="765" r:id="rId19"/>
+    <p:sldId id="712" r:id="rId20"/>
+    <p:sldId id="713" r:id="rId21"/>
+    <p:sldId id="731" r:id="rId22"/>
+    <p:sldId id="732" r:id="rId23"/>
+    <p:sldId id="733" r:id="rId24"/>
+    <p:sldId id="734" r:id="rId25"/>
+    <p:sldId id="735" r:id="rId26"/>
+    <p:sldId id="757" r:id="rId27"/>
+    <p:sldId id="755" r:id="rId28"/>
+    <p:sldId id="693" r:id="rId29"/>
+    <p:sldId id="756" r:id="rId30"/>
   </p:sldIdLst>
   <p:sldSz cx="12192000" cy="6858000"/>
   <p:notesSz cx="6858000" cy="9144000"/>
@@ -141,6 +149,10 @@
 </p:cmAuthorLst>
 </file>
 
+<file path=ppt/revisionInfo.xml><?xml version="1.0" encoding="utf-8"?>
+<p1510:revInfo xmlns:a="http://schemas.openxmlformats.org/drawingml/2006/main" xmlns:r="http://schemas.openxmlformats.org/officeDocument/2006/relationships" xmlns:p1510="http://schemas.microsoft.com/office/powerpoint/2015/10/main"/>
+</file>
+
 <file path=ppt/notesMasters/notesMaster1.xml><?xml version="1.0" encoding="utf-8"?>
 <p:notesMaster xmlns:a="http://schemas.openxmlformats.org/drawingml/2006/main" xmlns:r="http://schemas.openxmlformats.org/officeDocument/2006/relationships" xmlns:p="http://schemas.openxmlformats.org/presentationml/2006/main">
   <p:cSld>
@@ -223,7 +235,7 @@
           <a:p>
             <a:fld id="{B691E1BE-C8AD-4C3C-8D6E-54E179670970}" type="datetimeFigureOut">
               <a:rPr lang="en-US" smtClean="0"/>
-              <a:t>12/19/2021</a:t>
+              <a:t>12/20/2021</a:t>
             </a:fld>
             <a:endParaRPr lang="en-US"/>
           </a:p>
@@ -490,101 +502,6 @@
 </p:notesMaster>
 </file>
 
-<file path=ppt/notesSlides/notesSlide1.xml><?xml version="1.0" encoding="utf-8"?>
-<p:notes xmlns:a="http://schemas.openxmlformats.org/drawingml/2006/main" xmlns:r="http://schemas.openxmlformats.org/officeDocument/2006/relationships" xmlns:p="http://schemas.openxmlformats.org/presentationml/2006/main">
-  <p:cSld>
-    <p:spTree>
-      <p:nvGrpSpPr>
-        <p:cNvPr id="1" name=""/>
-        <p:cNvGrpSpPr/>
-        <p:nvPr/>
-      </p:nvGrpSpPr>
-      <p:grpSpPr>
-        <a:xfrm>
-          <a:off x="0" y="0"/>
-          <a:ext cx="0" cy="0"/>
-          <a:chOff x="0" y="0"/>
-          <a:chExt cx="0" cy="0"/>
-        </a:xfrm>
-      </p:grpSpPr>
-      <p:sp>
-        <p:nvSpPr>
-          <p:cNvPr id="2" name="Slide Image Placeholder 1"/>
-          <p:cNvSpPr>
-            <a:spLocks noGrp="1" noRot="1" noChangeAspect="1"/>
-          </p:cNvSpPr>
-          <p:nvPr>
-            <p:ph type="sldImg"/>
-          </p:nvPr>
-        </p:nvSpPr>
-        <p:spPr>
-          <a:xfrm>
-            <a:off x="406400" y="696913"/>
-            <a:ext cx="6197600" cy="3486150"/>
-          </a:xfrm>
-        </p:spPr>
-      </p:sp>
-      <p:sp>
-        <p:nvSpPr>
-          <p:cNvPr id="3" name="Notes Placeholder 2"/>
-          <p:cNvSpPr>
-            <a:spLocks noGrp="1"/>
-          </p:cNvSpPr>
-          <p:nvPr>
-            <p:ph type="body" idx="1"/>
-          </p:nvPr>
-        </p:nvSpPr>
-        <p:spPr/>
-        <p:txBody>
-          <a:bodyPr/>
-          <a:lstStyle/>
-          <a:p>
-            <a:endParaRPr lang="en-US" dirty="0"/>
-          </a:p>
-        </p:txBody>
-      </p:sp>
-      <p:sp>
-        <p:nvSpPr>
-          <p:cNvPr id="4" name="Slide Number Placeholder 3"/>
-          <p:cNvSpPr>
-            <a:spLocks noGrp="1"/>
-          </p:cNvSpPr>
-          <p:nvPr>
-            <p:ph type="sldNum" sz="quarter" idx="10"/>
-          </p:nvPr>
-        </p:nvSpPr>
-        <p:spPr/>
-        <p:txBody>
-          <a:bodyPr/>
-          <a:lstStyle/>
-          <a:p>
-            <a:pPr>
-              <a:defRPr/>
-            </a:pPr>
-            <a:fld id="{805FE32C-8B9D-4D80-9BFD-DF30B0A17504}" type="slidenum">
-              <a:rPr lang="en-US" smtClean="0"/>
-              <a:pPr>
-                <a:defRPr/>
-              </a:pPr>
-              <a:t>10</a:t>
-            </a:fld>
-            <a:endParaRPr lang="en-US"/>
-          </a:p>
-        </p:txBody>
-      </p:sp>
-    </p:spTree>
-    <p:extLst>
-      <p:ext uri="{BB962C8B-B14F-4D97-AF65-F5344CB8AC3E}">
-        <p14:creationId xmlns:p14="http://schemas.microsoft.com/office/powerpoint/2010/main" val="377214412"/>
-      </p:ext>
-    </p:extLst>
-  </p:cSld>
-  <p:clrMapOvr>
-    <a:masterClrMapping/>
-  </p:clrMapOvr>
-</p:notes>
-</file>
-
 <file path=ppt/slideLayouts/slideLayout1.xml><?xml version="1.0" encoding="utf-8"?>
 <p:sldLayout xmlns:a="http://schemas.openxmlformats.org/drawingml/2006/main" xmlns:r="http://schemas.openxmlformats.org/officeDocument/2006/relationships" xmlns:p="http://schemas.openxmlformats.org/presentationml/2006/main" type="title" preserve="1">
   <p:cSld name="Title Slide">
@@ -714,7 +631,7 @@
           <a:p>
             <a:fld id="{6B17B2C3-D005-452D-B422-053E0D6EE76F}" type="datetimeFigureOut">
               <a:rPr lang="en-US" smtClean="0"/>
-              <a:t>12/19/2021</a:t>
+              <a:t>12/20/2021</a:t>
             </a:fld>
             <a:endParaRPr lang="en-US"/>
           </a:p>
@@ -925,7 +842,7 @@
           <a:p>
             <a:fld id="{6B17B2C3-D005-452D-B422-053E0D6EE76F}" type="datetimeFigureOut">
               <a:rPr lang="en-US" smtClean="0"/>
-              <a:t>12/19/2021</a:t>
+              <a:t>12/20/2021</a:t>
             </a:fld>
             <a:endParaRPr lang="en-US"/>
           </a:p>
@@ -1103,7 +1020,7 @@
           <a:p>
             <a:fld id="{6B17B2C3-D005-452D-B422-053E0D6EE76F}" type="datetimeFigureOut">
               <a:rPr lang="en-US" smtClean="0"/>
-              <a:t>12/19/2021</a:t>
+              <a:t>12/20/2021</a:t>
             </a:fld>
             <a:endParaRPr lang="en-US"/>
           </a:p>
@@ -1271,7 +1188,7 @@
           <a:p>
             <a:fld id="{6B17B2C3-D005-452D-B422-053E0D6EE76F}" type="datetimeFigureOut">
               <a:rPr lang="en-US" smtClean="0"/>
-              <a:t>12/19/2021</a:t>
+              <a:t>12/20/2021</a:t>
             </a:fld>
             <a:endParaRPr lang="en-US"/>
           </a:p>
@@ -1601,7 +1518,7 @@
           <a:p>
             <a:fld id="{6B17B2C3-D005-452D-B422-053E0D6EE76F}" type="datetimeFigureOut">
               <a:rPr lang="en-US" smtClean="0"/>
-              <a:t>12/19/2021</a:t>
+              <a:t>12/20/2021</a:t>
             </a:fld>
             <a:endParaRPr lang="en-US"/>
           </a:p>
@@ -1873,7 +1790,7 @@
           <a:p>
             <a:fld id="{6B17B2C3-D005-452D-B422-053E0D6EE76F}" type="datetimeFigureOut">
               <a:rPr lang="en-US" smtClean="0"/>
-              <a:t>12/19/2021</a:t>
+              <a:t>12/20/2021</a:t>
             </a:fld>
             <a:endParaRPr lang="en-US"/>
           </a:p>
@@ -2280,7 +2197,7 @@
           <a:p>
             <a:fld id="{6B17B2C3-D005-452D-B422-053E0D6EE76F}" type="datetimeFigureOut">
               <a:rPr lang="en-US" smtClean="0"/>
-              <a:t>12/19/2021</a:t>
+              <a:t>12/20/2021</a:t>
             </a:fld>
             <a:endParaRPr lang="en-US"/>
           </a:p>
@@ -2440,7 +2357,7 @@
           <a:p>
             <a:fld id="{6B17B2C3-D005-452D-B422-053E0D6EE76F}" type="datetimeFigureOut">
               <a:rPr lang="en-US" smtClean="0"/>
-              <a:t>12/19/2021</a:t>
+              <a:t>12/20/2021</a:t>
             </a:fld>
             <a:endParaRPr lang="en-US"/>
           </a:p>
@@ -2578,7 +2495,7 @@
           <a:p>
             <a:fld id="{6B17B2C3-D005-452D-B422-053E0D6EE76F}" type="datetimeFigureOut">
               <a:rPr lang="en-US" smtClean="0"/>
-              <a:t>12/19/2021</a:t>
+              <a:t>12/20/2021</a:t>
             </a:fld>
             <a:endParaRPr lang="en-US"/>
           </a:p>
@@ -2896,7 +2813,7 @@
           <a:p>
             <a:fld id="{6B17B2C3-D005-452D-B422-053E0D6EE76F}" type="datetimeFigureOut">
               <a:rPr lang="en-US" smtClean="0"/>
-              <a:t>12/19/2021</a:t>
+              <a:t>12/20/2021</a:t>
             </a:fld>
             <a:endParaRPr lang="en-US"/>
           </a:p>
@@ -3191,7 +3108,7 @@
           <a:p>
             <a:fld id="{6B17B2C3-D005-452D-B422-053E0D6EE76F}" type="datetimeFigureOut">
               <a:rPr lang="en-US" smtClean="0"/>
-              <a:t>12/19/2021</a:t>
+              <a:t>12/20/2021</a:t>
             </a:fld>
             <a:endParaRPr lang="en-US"/>
           </a:p>
@@ -3445,7 +3362,7 @@
           <a:p>
             <a:fld id="{6B17B2C3-D005-452D-B422-053E0D6EE76F}" type="datetimeFigureOut">
               <a:rPr lang="en-US" smtClean="0"/>
-              <a:t>12/19/2021</a:t>
+              <a:t>12/20/2021</a:t>
             </a:fld>
             <a:endParaRPr lang="en-US"/>
           </a:p>
@@ -4116,8 +4033,8 @@
         </p:nvSpPr>
         <p:spPr>
           <a:xfrm>
-            <a:off x="1" y="543280"/>
-            <a:ext cx="12128680" cy="1143000"/>
+            <a:off x="345071" y="17138"/>
+            <a:ext cx="10515600" cy="1325563"/>
           </a:xfrm>
         </p:spPr>
         <p:txBody>
@@ -4125,506 +4042,142 @@
           <a:lstStyle/>
           <a:p>
             <a:r>
-              <a:rPr lang="en-US" sz="4000" dirty="0"/>
-              <a:t>Why should you be skeptical of these types of analyses?</a:t>
+              <a:rPr lang="en-US" b="1" dirty="0"/>
+              <a:t>Pre-post </a:t>
+            </a:r>
+            <a:r>
+              <a:rPr lang="en-US" b="1" dirty="0" err="1"/>
+              <a:t>analysis+seasonality</a:t>
+            </a:r>
+            <a:endParaRPr lang="en-US" b="1" dirty="0"/>
+          </a:p>
+        </p:txBody>
+      </p:sp>
+      <p:sp>
+        <p:nvSpPr>
+          <p:cNvPr id="3" name="Content Placeholder 2"/>
+          <p:cNvSpPr>
+            <a:spLocks noGrp="1"/>
+          </p:cNvSpPr>
+          <p:nvPr>
+            <p:ph idx="1"/>
+          </p:nvPr>
+        </p:nvSpPr>
+        <p:spPr>
+          <a:xfrm>
+            <a:off x="1465306" y="1003475"/>
+            <a:ext cx="9258373" cy="578097"/>
+          </a:xfrm>
+        </p:spPr>
+        <p:txBody>
+          <a:bodyPr>
+            <a:normAutofit/>
+          </a:bodyPr>
+          <a:lstStyle/>
+          <a:p>
+            <a:r>
+              <a:rPr lang="en-US" sz="1600" dirty="0"/>
+              <a:t>Test whether mean number of cases declines post-PCV</a:t>
+            </a:r>
+          </a:p>
+        </p:txBody>
+      </p:sp>
+      <p:sp>
+        <p:nvSpPr>
+          <p:cNvPr id="7" name="TextBox 6"/>
+          <p:cNvSpPr txBox="1"/>
+          <p:nvPr/>
+        </p:nvSpPr>
+        <p:spPr>
+          <a:xfrm>
+            <a:off x="6614556" y="780438"/>
+            <a:ext cx="4984698" cy="1200329"/>
+          </a:xfrm>
+          <a:prstGeom prst="rect">
+            <a:avLst/>
+          </a:prstGeom>
+          <a:noFill/>
+        </p:spPr>
+        <p:txBody>
+          <a:bodyPr wrap="none" rtlCol="0">
+            <a:spAutoFit/>
+          </a:bodyPr>
+          <a:lstStyle/>
+          <a:p>
+            <a:r>
+              <a:rPr lang="en-US" sz="2400" dirty="0">
+                <a:solidFill>
+                  <a:srgbClr val="FF0000"/>
+                </a:solidFill>
+              </a:rPr>
+              <a:t>Seasonal model: </a:t>
+            </a:r>
+          </a:p>
+          <a:p>
+            <a:r>
+              <a:rPr lang="en-US" sz="2400" dirty="0">
+                <a:solidFill>
+                  <a:srgbClr val="FF0000"/>
+                </a:solidFill>
+              </a:rPr>
+              <a:t>Cases ~ Poisson (lambda)</a:t>
+            </a:r>
+          </a:p>
+          <a:p>
+            <a:r>
+              <a:rPr lang="en-US" sz="2400" dirty="0">
+                <a:solidFill>
+                  <a:srgbClr val="FF0000"/>
+                </a:solidFill>
+              </a:rPr>
+              <a:t>Log(lambda)=b0 +b1*sin12 +b2*cos12</a:t>
             </a:r>
           </a:p>
         </p:txBody>
       </p:sp>
       <p:pic>
         <p:nvPicPr>
-          <p:cNvPr id="9" name="Picture 8"/>
+          <p:cNvPr id="8" name="Graphic 7">
+            <a:extLst>
+              <a:ext uri="{FF2B5EF4-FFF2-40B4-BE49-F238E27FC236}">
+                <a16:creationId xmlns:a16="http://schemas.microsoft.com/office/drawing/2014/main" id="{8437CBAD-57C7-4BE7-9EDF-96ADD17762CA}"/>
+              </a:ext>
+            </a:extLst>
+          </p:cNvPr>
           <p:cNvPicPr>
             <a:picLocks noChangeAspect="1"/>
           </p:cNvPicPr>
           <p:nvPr/>
         </p:nvPicPr>
-        <p:blipFill rotWithShape="1">
-          <a:blip r:embed="rId3"/>
-          <a:srcRect r="45802" b="80723"/>
-          <a:stretch/>
+        <p:blipFill>
+          <a:blip r:embed="rId2">
+            <a:extLst>
+              <a:ext uri="{28A0092B-C50C-407E-A947-70E740481C1C}">
+                <a14:useLocalDpi xmlns:a14="http://schemas.microsoft.com/office/drawing/2010/main" val="0"/>
+              </a:ext>
+              <a:ext uri="{96DAC541-7B7A-43D3-8B79-37D633B846F1}">
+                <asvg:svgBlip xmlns:asvg="http://schemas.microsoft.com/office/drawing/2016/SVG/main" r:embed="rId3"/>
+              </a:ext>
+            </a:extLst>
+          </a:blip>
+          <a:stretch>
+            <a:fillRect/>
+          </a:stretch>
         </p:blipFill>
         <p:spPr>
           <a:xfrm>
-            <a:off x="1003526" y="2361758"/>
-            <a:ext cx="3505200" cy="1524000"/>
+            <a:off x="2006073" y="1980767"/>
+            <a:ext cx="7848600" cy="4467225"/>
           </a:xfrm>
           <a:prstGeom prst="rect">
             <a:avLst/>
           </a:prstGeom>
         </p:spPr>
       </p:pic>
-      <p:sp>
-        <p:nvSpPr>
-          <p:cNvPr id="10" name="TextBox 9"/>
-          <p:cNvSpPr txBox="1"/>
-          <p:nvPr/>
-        </p:nvSpPr>
-        <p:spPr>
-          <a:xfrm>
-            <a:off x="298776" y="3808880"/>
-            <a:ext cx="1798890" cy="261610"/>
-          </a:xfrm>
-          <a:prstGeom prst="rect">
-            <a:avLst/>
-          </a:prstGeom>
-          <a:noFill/>
-        </p:spPr>
-        <p:txBody>
-          <a:bodyPr wrap="none" rtlCol="0">
-            <a:spAutoFit/>
-          </a:bodyPr>
-          <a:lstStyle/>
-          <a:p>
-            <a:r>
-              <a:rPr lang="en-US" sz="1100" dirty="0" err="1"/>
-              <a:t>Grijalva</a:t>
-            </a:r>
-            <a:r>
-              <a:rPr lang="en-US" sz="1100" dirty="0"/>
-              <a:t>, The Lancet 2007</a:t>
-            </a:r>
-          </a:p>
-        </p:txBody>
-      </p:sp>
-      <p:pic>
-        <p:nvPicPr>
-          <p:cNvPr id="11" name="Picture 10"/>
-          <p:cNvPicPr>
-            <a:picLocks noChangeAspect="1"/>
-          </p:cNvPicPr>
-          <p:nvPr/>
-        </p:nvPicPr>
-        <p:blipFill rotWithShape="1">
-          <a:blip r:embed="rId4"/>
-          <a:srcRect r="65867" b="48020"/>
-          <a:stretch/>
-        </p:blipFill>
-        <p:spPr>
-          <a:xfrm>
-            <a:off x="1018376" y="4135247"/>
-            <a:ext cx="3136565" cy="2361699"/>
-          </a:xfrm>
-          <a:prstGeom prst="rect">
-            <a:avLst/>
-          </a:prstGeom>
-        </p:spPr>
-      </p:pic>
-      <p:sp>
-        <p:nvSpPr>
-          <p:cNvPr id="12" name="TextBox 11"/>
-          <p:cNvSpPr txBox="1"/>
-          <p:nvPr/>
-        </p:nvSpPr>
-        <p:spPr>
-          <a:xfrm>
-            <a:off x="213667" y="6290945"/>
-            <a:ext cx="1289135" cy="261610"/>
-          </a:xfrm>
-          <a:prstGeom prst="rect">
-            <a:avLst/>
-          </a:prstGeom>
-          <a:noFill/>
-        </p:spPr>
-        <p:txBody>
-          <a:bodyPr wrap="none" rtlCol="0">
-            <a:spAutoFit/>
-          </a:bodyPr>
-          <a:lstStyle/>
-          <a:p>
-            <a:r>
-              <a:rPr lang="en-US" sz="1100" dirty="0" err="1"/>
-              <a:t>Afonso</a:t>
-            </a:r>
-            <a:r>
-              <a:rPr lang="en-US" sz="1100" dirty="0"/>
-              <a:t>, 2013 EID</a:t>
-            </a:r>
-          </a:p>
-        </p:txBody>
-      </p:sp>
-      <p:sp>
-        <p:nvSpPr>
-          <p:cNvPr id="13" name="TextBox 12"/>
-          <p:cNvSpPr txBox="1"/>
-          <p:nvPr/>
-        </p:nvSpPr>
-        <p:spPr>
-          <a:xfrm>
-            <a:off x="3189238" y="4521731"/>
-            <a:ext cx="670376" cy="276999"/>
-          </a:xfrm>
-          <a:prstGeom prst="rect">
-            <a:avLst/>
-          </a:prstGeom>
-          <a:noFill/>
-        </p:spPr>
-        <p:txBody>
-          <a:bodyPr wrap="none" rtlCol="0">
-            <a:spAutoFit/>
-          </a:bodyPr>
-          <a:lstStyle/>
-          <a:p>
-            <a:r>
-              <a:rPr lang="en-US" sz="1200" dirty="0">
-                <a:solidFill>
-                  <a:srgbClr val="FF0000"/>
-                </a:solidFill>
-              </a:rPr>
-              <a:t>-40.3%</a:t>
-            </a:r>
-          </a:p>
-        </p:txBody>
-      </p:sp>
-      <p:sp>
-        <p:nvSpPr>
-          <p:cNvPr id="14" name="TextBox 13"/>
-          <p:cNvSpPr txBox="1"/>
-          <p:nvPr/>
-        </p:nvSpPr>
-        <p:spPr>
-          <a:xfrm>
-            <a:off x="419287" y="1975976"/>
-            <a:ext cx="4801251" cy="369332"/>
-          </a:xfrm>
-          <a:prstGeom prst="rect">
-            <a:avLst/>
-          </a:prstGeom>
-          <a:noFill/>
-        </p:spPr>
-        <p:txBody>
-          <a:bodyPr wrap="none" rtlCol="0">
-            <a:spAutoFit/>
-          </a:bodyPr>
-          <a:lstStyle/>
-          <a:p>
-            <a:r>
-              <a:rPr lang="en-US" dirty="0"/>
-              <a:t>Trend studies: Variability; up to 40% declines</a:t>
-            </a:r>
-          </a:p>
-        </p:txBody>
-      </p:sp>
-      <p:cxnSp>
-        <p:nvCxnSpPr>
-          <p:cNvPr id="17" name="Straight Connector 16"/>
-          <p:cNvCxnSpPr/>
-          <p:nvPr/>
-        </p:nvCxnSpPr>
-        <p:spPr>
-          <a:xfrm>
-            <a:off x="3528921" y="3009316"/>
-            <a:ext cx="990600" cy="0"/>
-          </a:xfrm>
-          <a:prstGeom prst="line">
-            <a:avLst/>
-          </a:prstGeom>
-        </p:spPr>
-        <p:style>
-          <a:lnRef idx="1">
-            <a:schemeClr val="accent1"/>
-          </a:lnRef>
-          <a:fillRef idx="0">
-            <a:schemeClr val="accent1"/>
-          </a:fillRef>
-          <a:effectRef idx="0">
-            <a:schemeClr val="accent1"/>
-          </a:effectRef>
-          <a:fontRef idx="minor">
-            <a:schemeClr val="tx1"/>
-          </a:fontRef>
-        </p:style>
-      </p:cxnSp>
-      <p:sp>
-        <p:nvSpPr>
-          <p:cNvPr id="19" name="TextBox 18"/>
-          <p:cNvSpPr txBox="1"/>
-          <p:nvPr/>
-        </p:nvSpPr>
-        <p:spPr>
-          <a:xfrm>
-            <a:off x="1175104" y="1453005"/>
-            <a:ext cx="10184198" cy="461665"/>
-          </a:xfrm>
-          <a:prstGeom prst="rect">
-            <a:avLst/>
-          </a:prstGeom>
-          <a:noFill/>
-        </p:spPr>
-        <p:txBody>
-          <a:bodyPr wrap="none" rtlCol="0">
-            <a:spAutoFit/>
-          </a:bodyPr>
-          <a:lstStyle/>
-          <a:p>
-            <a:r>
-              <a:rPr lang="en-US" sz="2400" dirty="0"/>
-              <a:t>How much can the changes in </a:t>
-            </a:r>
-            <a:r>
-              <a:rPr lang="en-US" sz="2400" u="sng" dirty="0"/>
-              <a:t>all-cause pneumonia</a:t>
-            </a:r>
-            <a:r>
-              <a:rPr lang="en-US" sz="2400" dirty="0"/>
-              <a:t> be attributed to PCV?</a:t>
-            </a:r>
-          </a:p>
-        </p:txBody>
-      </p:sp>
-      <p:sp>
-        <p:nvSpPr>
-          <p:cNvPr id="20" name="TextBox 19"/>
-          <p:cNvSpPr txBox="1"/>
-          <p:nvPr/>
-        </p:nvSpPr>
-        <p:spPr>
-          <a:xfrm>
-            <a:off x="2128355" y="4521730"/>
-            <a:ext cx="1197764" cy="253916"/>
-          </a:xfrm>
-          <a:prstGeom prst="rect">
-            <a:avLst/>
-          </a:prstGeom>
-          <a:noFill/>
-        </p:spPr>
-        <p:txBody>
-          <a:bodyPr wrap="none" rtlCol="0">
-            <a:spAutoFit/>
-          </a:bodyPr>
-          <a:lstStyle/>
-          <a:p>
-            <a:r>
-              <a:rPr lang="en-US" sz="1050" dirty="0"/>
-              <a:t>2-23 month olds</a:t>
-            </a:r>
-          </a:p>
-        </p:txBody>
-      </p:sp>
-      <p:sp>
-        <p:nvSpPr>
-          <p:cNvPr id="25" name="TextBox 24"/>
-          <p:cNvSpPr txBox="1"/>
-          <p:nvPr/>
-        </p:nvSpPr>
-        <p:spPr>
-          <a:xfrm>
-            <a:off x="3319240" y="4198815"/>
-            <a:ext cx="631904" cy="261610"/>
-          </a:xfrm>
-          <a:prstGeom prst="rect">
-            <a:avLst/>
-          </a:prstGeom>
-          <a:noFill/>
-        </p:spPr>
-        <p:txBody>
-          <a:bodyPr wrap="none" rtlCol="0">
-            <a:spAutoFit/>
-          </a:bodyPr>
-          <a:lstStyle/>
-          <a:p>
-            <a:r>
-              <a:rPr lang="en-US" sz="1100" dirty="0"/>
-              <a:t>(Brazil)</a:t>
-            </a:r>
-          </a:p>
-        </p:txBody>
-      </p:sp>
-      <p:sp>
-        <p:nvSpPr>
-          <p:cNvPr id="29" name="TextBox 28"/>
-          <p:cNvSpPr txBox="1"/>
-          <p:nvPr/>
-        </p:nvSpPr>
-        <p:spPr>
-          <a:xfrm>
-            <a:off x="8485976" y="2027336"/>
-            <a:ext cx="2213170" cy="369332"/>
-          </a:xfrm>
-          <a:prstGeom prst="rect">
-            <a:avLst/>
-          </a:prstGeom>
-          <a:noFill/>
-        </p:spPr>
-        <p:txBody>
-          <a:bodyPr wrap="none" rtlCol="0">
-            <a:spAutoFit/>
-          </a:bodyPr>
-          <a:lstStyle/>
-          <a:p>
-            <a:r>
-              <a:rPr lang="en-US" dirty="0"/>
-              <a:t>RCTs: ~8% Efficacy</a:t>
-            </a:r>
-          </a:p>
-        </p:txBody>
-      </p:sp>
-      <p:sp>
-        <p:nvSpPr>
-          <p:cNvPr id="3" name="TextBox 2"/>
-          <p:cNvSpPr txBox="1"/>
-          <p:nvPr/>
-        </p:nvSpPr>
-        <p:spPr>
-          <a:xfrm>
-            <a:off x="9333802" y="6409718"/>
-            <a:ext cx="1883849" cy="276999"/>
-          </a:xfrm>
-          <a:prstGeom prst="rect">
-            <a:avLst/>
-          </a:prstGeom>
-          <a:noFill/>
-        </p:spPr>
-        <p:txBody>
-          <a:bodyPr wrap="none" rtlCol="0">
-            <a:spAutoFit/>
-          </a:bodyPr>
-          <a:lstStyle/>
-          <a:p>
-            <a:r>
-              <a:rPr lang="en-US" sz="1200" dirty="0"/>
-              <a:t>O’Brien et al, </a:t>
-            </a:r>
-            <a:r>
-              <a:rPr lang="en-US" sz="1200" i="1" dirty="0"/>
-              <a:t>The Lancet</a:t>
-            </a:r>
-            <a:endParaRPr lang="en-US" sz="1200" dirty="0"/>
-          </a:p>
-        </p:txBody>
-      </p:sp>
-      <p:grpSp>
-        <p:nvGrpSpPr>
-          <p:cNvPr id="5" name="Group 4"/>
-          <p:cNvGrpSpPr/>
-          <p:nvPr/>
-        </p:nvGrpSpPr>
-        <p:grpSpPr>
-          <a:xfrm>
-            <a:off x="7521402" y="2333683"/>
-            <a:ext cx="4006741" cy="3957261"/>
-            <a:chOff x="7391400" y="2590800"/>
-            <a:chExt cx="3200400" cy="3248281"/>
-          </a:xfrm>
-        </p:grpSpPr>
-        <p:grpSp>
-          <p:nvGrpSpPr>
-            <p:cNvPr id="26" name="Group 25"/>
-            <p:cNvGrpSpPr/>
-            <p:nvPr/>
-          </p:nvGrpSpPr>
-          <p:grpSpPr>
-            <a:xfrm>
-              <a:off x="7391400" y="2590800"/>
-              <a:ext cx="3200400" cy="3248281"/>
-              <a:chOff x="215383" y="2839975"/>
-              <a:chExt cx="2385115" cy="2520047"/>
-            </a:xfrm>
-          </p:grpSpPr>
-          <p:pic>
-            <p:nvPicPr>
-              <p:cNvPr id="27" name="Picture 26"/>
-              <p:cNvPicPr>
-                <a:picLocks noChangeAspect="1"/>
-              </p:cNvPicPr>
-              <p:nvPr/>
-            </p:nvPicPr>
-            <p:blipFill rotWithShape="1">
-              <a:blip r:embed="rId5"/>
-              <a:srcRect t="87742" r="40570"/>
-              <a:stretch/>
-            </p:blipFill>
-            <p:spPr>
-              <a:xfrm>
-                <a:off x="291584" y="4842967"/>
-                <a:ext cx="2073359" cy="517055"/>
-              </a:xfrm>
-              <a:prstGeom prst="rect">
-                <a:avLst/>
-              </a:prstGeom>
-            </p:spPr>
-          </p:pic>
-          <p:pic>
-            <p:nvPicPr>
-              <p:cNvPr id="28" name="Picture 27"/>
-              <p:cNvPicPr>
-                <a:picLocks noChangeAspect="1"/>
-              </p:cNvPicPr>
-              <p:nvPr/>
-            </p:nvPicPr>
-            <p:blipFill rotWithShape="1">
-              <a:blip r:embed="rId5"/>
-              <a:srcRect r="36956" b="56772"/>
-              <a:stretch/>
-            </p:blipFill>
-            <p:spPr>
-              <a:xfrm>
-                <a:off x="215383" y="2839975"/>
-                <a:ext cx="2385115" cy="1977355"/>
-              </a:xfrm>
-              <a:prstGeom prst="rect">
-                <a:avLst/>
-              </a:prstGeom>
-            </p:spPr>
-          </p:pic>
-        </p:grpSp>
-        <p:sp>
-          <p:nvSpPr>
-            <p:cNvPr id="4" name="Rectangle 3"/>
-            <p:cNvSpPr/>
-            <p:nvPr/>
-          </p:nvSpPr>
-          <p:spPr>
-            <a:xfrm>
-              <a:off x="7900737" y="4388236"/>
-              <a:ext cx="1981200" cy="315221"/>
-            </a:xfrm>
-            <a:prstGeom prst="rect">
-              <a:avLst/>
-            </a:prstGeom>
-            <a:solidFill>
-              <a:schemeClr val="bg1"/>
-            </a:solidFill>
-            <a:ln>
-              <a:solidFill>
-                <a:schemeClr val="bg1"/>
-              </a:solidFill>
-            </a:ln>
-          </p:spPr>
-          <p:style>
-            <a:lnRef idx="2">
-              <a:schemeClr val="accent1">
-                <a:shade val="50000"/>
-              </a:schemeClr>
-            </a:lnRef>
-            <a:fillRef idx="1">
-              <a:schemeClr val="accent1"/>
-            </a:fillRef>
-            <a:effectRef idx="0">
-              <a:schemeClr val="accent1"/>
-            </a:effectRef>
-            <a:fontRef idx="minor">
-              <a:schemeClr val="lt1"/>
-            </a:fontRef>
-          </p:style>
-          <p:txBody>
-            <a:bodyPr rtlCol="0" anchor="ctr"/>
-            <a:lstStyle/>
-            <a:p>
-              <a:pPr algn="ctr"/>
-              <a:endParaRPr lang="en-US">
-                <a:solidFill>
-                  <a:schemeClr val="bg1"/>
-                </a:solidFill>
-              </a:endParaRPr>
-            </a:p>
-          </p:txBody>
-        </p:sp>
-      </p:grpSp>
     </p:spTree>
     <p:extLst>
       <p:ext uri="{BB962C8B-B14F-4D97-AF65-F5344CB8AC3E}">
-        <p14:creationId xmlns:p14="http://schemas.microsoft.com/office/powerpoint/2010/main" val="1631062779"/>
+        <p14:creationId xmlns:p14="http://schemas.microsoft.com/office/powerpoint/2010/main" val="218524600"/>
       </p:ext>
     </p:extLst>
   </p:cSld>
@@ -4665,61 +4218,7 @@
                                           </p:stCondLst>
                                         </p:cTn>
                                         <p:tgtEl>
-                                          <p:spTgt spid="29"/>
-                                        </p:tgtEl>
-                                        <p:attrNameLst>
-                                          <p:attrName>style.visibility</p:attrName>
-                                        </p:attrNameLst>
-                                      </p:cBhvr>
-                                      <p:to>
-                                        <p:strVal val="visible"/>
-                                      </p:to>
-                                    </p:set>
-                                  </p:childTnLst>
-                                </p:cTn>
-                              </p:par>
-                              <p:par>
-                                <p:cTn id="7" presetID="1" presetClass="entr" presetSubtype="0" fill="hold" grpId="0" nodeType="withEffect">
-                                  <p:stCondLst>
-                                    <p:cond delay="0"/>
-                                  </p:stCondLst>
-                                  <p:childTnLst>
-                                    <p:set>
-                                      <p:cBhvr>
-                                        <p:cTn id="8" dur="1" fill="hold">
-                                          <p:stCondLst>
-                                            <p:cond delay="0"/>
-                                          </p:stCondLst>
-                                        </p:cTn>
-                                        <p:tgtEl>
-                                          <p:spTgt spid="3"/>
-                                        </p:tgtEl>
-                                        <p:attrNameLst>
-                                          <p:attrName>style.visibility</p:attrName>
-                                        </p:attrNameLst>
-                                      </p:cBhvr>
-                                      <p:to>
-                                        <p:strVal val="visible"/>
-                                      </p:to>
-                                    </p:set>
-                                  </p:childTnLst>
-                                </p:cTn>
-                              </p:par>
-                              <p:par>
-                                <p:cTn id="9" presetID="1" presetClass="entr" presetSubtype="0" fill="hold" nodeType="withEffect">
-                                  <p:stCondLst>
-                                    <p:cond delay="0"/>
-                                  </p:stCondLst>
-                                  <p:childTnLst>
-                                    <p:set>
-                                      <p:cBhvr>
-                                        <p:cTn id="10" dur="1" fill="hold">
-                                          <p:stCondLst>
-                                            <p:cond delay="0"/>
-                                          </p:stCondLst>
-                                        </p:cTn>
-                                        <p:tgtEl>
-                                          <p:spTgt spid="5"/>
+                                          <p:spTgt spid="7"/>
                                         </p:tgtEl>
                                         <p:attrNameLst>
                                           <p:attrName>style.visibility</p:attrName>
@@ -4760,8 +4259,7 @@
       </p:par>
     </p:tnLst>
     <p:bldLst>
-      <p:bldP spid="29" grpId="0"/>
-      <p:bldP spid="3" grpId="0"/>
+      <p:bldP spid="7" grpId="0"/>
     </p:bldLst>
   </p:timing>
 </p:sld>
@@ -4786,6 +4284,41 @@
       </p:grpSpPr>
       <p:sp>
         <p:nvSpPr>
+          <p:cNvPr id="2" name="Title 1"/>
+          <p:cNvSpPr>
+            <a:spLocks noGrp="1"/>
+          </p:cNvSpPr>
+          <p:nvPr>
+            <p:ph type="title"/>
+          </p:nvPr>
+        </p:nvSpPr>
+        <p:spPr>
+          <a:xfrm>
+            <a:off x="899253" y="-33040"/>
+            <a:ext cx="10515600" cy="1325563"/>
+          </a:xfrm>
+        </p:spPr>
+        <p:txBody>
+          <a:bodyPr/>
+          <a:lstStyle/>
+          <a:p>
+            <a:r>
+              <a:rPr lang="en-US" b="1" dirty="0"/>
+              <a:t>Pre-post </a:t>
+            </a:r>
+            <a:r>
+              <a:rPr lang="en-US" b="1" dirty="0" err="1"/>
+              <a:t>analysis+seasonality</a:t>
+            </a:r>
+            <a:r>
+              <a:rPr lang="en-US" b="1" dirty="0"/>
+              <a:t> + linear trend</a:t>
+            </a:r>
+          </a:p>
+        </p:txBody>
+      </p:sp>
+      <p:sp>
+        <p:nvSpPr>
           <p:cNvPr id="3" name="Content Placeholder 2"/>
           <p:cNvSpPr>
             <a:spLocks noGrp="1"/>
@@ -4796,8 +4329,8 @@
         </p:nvSpPr>
         <p:spPr>
           <a:xfrm>
-            <a:off x="1383934" y="1691061"/>
-            <a:ext cx="9138605" cy="4525963"/>
+            <a:off x="530124" y="884039"/>
+            <a:ext cx="9258373" cy="578097"/>
           </a:xfrm>
         </p:spPr>
         <p:txBody>
@@ -4806,168 +4339,99 @@
           </a:bodyPr>
           <a:lstStyle/>
           <a:p>
-            <a:pPr marL="457200" lvl="1" indent="0">
-              <a:spcAft>
-                <a:spcPts val="1200"/>
-              </a:spcAft>
-              <a:buNone/>
-            </a:pPr>
-            <a:r>
-              <a:rPr lang="en-US" sz="2800" dirty="0"/>
-              <a:t>Does slope significantly change at time q</a:t>
-            </a:r>
-          </a:p>
-          <a:p>
-            <a:pPr lvl="2">
-              <a:spcAft>
-                <a:spcPts val="1200"/>
-              </a:spcAft>
-            </a:pPr>
-            <a:r>
-              <a:rPr lang="en-US" sz="2800" dirty="0"/>
-              <a:t>Predicted value at time t: </a:t>
-            </a:r>
-            <a:r>
-              <a:rPr lang="en-US" sz="2800" dirty="0" err="1"/>
-              <a:t>Yt</a:t>
-            </a:r>
-            <a:r>
-              <a:rPr lang="en-US" sz="2800" dirty="0"/>
-              <a:t>=</a:t>
-            </a:r>
-            <a:r>
-              <a:rPr lang="en-US" sz="2800" dirty="0" err="1"/>
-              <a:t>exp</a:t>
-            </a:r>
-            <a:r>
-              <a:rPr lang="en-US" sz="2800" dirty="0"/>
-              <a:t>(b+ </a:t>
-            </a:r>
-            <a:r>
-              <a:rPr lang="en-US" sz="2800" dirty="0">
+            <a:r>
+              <a:rPr lang="en-US" sz="1600" dirty="0"/>
+              <a:t>Test whether mean number of cases declines post-PCV</a:t>
+            </a:r>
+          </a:p>
+        </p:txBody>
+      </p:sp>
+      <p:sp>
+        <p:nvSpPr>
+          <p:cNvPr id="7" name="TextBox 6"/>
+          <p:cNvSpPr txBox="1"/>
+          <p:nvPr/>
+        </p:nvSpPr>
+        <p:spPr>
+          <a:xfrm>
+            <a:off x="5159310" y="1046637"/>
+            <a:ext cx="6362447" cy="1200329"/>
+          </a:xfrm>
+          <a:prstGeom prst="rect">
+            <a:avLst/>
+          </a:prstGeom>
+          <a:noFill/>
+        </p:spPr>
+        <p:txBody>
+          <a:bodyPr wrap="none" rtlCol="0">
+            <a:spAutoFit/>
+          </a:bodyPr>
+          <a:lstStyle/>
+          <a:p>
+            <a:r>
+              <a:rPr lang="en-US" sz="2400" dirty="0">
                 <a:solidFill>
                   <a:srgbClr val="FF0000"/>
                 </a:solidFill>
               </a:rPr>
-              <a:t>a</a:t>
-            </a:r>
-            <a:r>
-              <a:rPr lang="en-US" sz="2800" dirty="0"/>
-              <a:t>*t + c*z + </a:t>
-            </a:r>
-            <a:r>
-              <a:rPr lang="en-US" sz="2800" dirty="0">
+              <a:t>Seasonal model: </a:t>
+            </a:r>
+          </a:p>
+          <a:p>
+            <a:r>
+              <a:rPr lang="en-US" sz="2400" dirty="0">
                 <a:solidFill>
                   <a:srgbClr val="FF0000"/>
                 </a:solidFill>
               </a:rPr>
-              <a:t>d</a:t>
-            </a:r>
-            <a:r>
-              <a:rPr lang="en-US" sz="2800" dirty="0"/>
-              <a:t>*t*z)</a:t>
-            </a:r>
-          </a:p>
-          <a:p>
-            <a:pPr lvl="2">
-              <a:spcAft>
-                <a:spcPts val="1200"/>
-              </a:spcAft>
-            </a:pPr>
-            <a:r>
-              <a:rPr lang="en-US" sz="2800" dirty="0"/>
-              <a:t>Counterfactual at time t: </a:t>
-            </a:r>
-            <a:r>
-              <a:rPr lang="en-US" sz="2800" dirty="0" err="1"/>
-              <a:t>Yt</a:t>
-            </a:r>
-            <a:r>
-              <a:rPr lang="en-US" sz="2800" dirty="0"/>
-              <a:t>=</a:t>
-            </a:r>
-            <a:r>
-              <a:rPr lang="en-US" sz="2800" dirty="0" err="1"/>
-              <a:t>exp</a:t>
-            </a:r>
-            <a:r>
-              <a:rPr lang="en-US" sz="2800" dirty="0"/>
-              <a:t>(</a:t>
-            </a:r>
-            <a:r>
-              <a:rPr lang="en-US" sz="2800" dirty="0" err="1"/>
-              <a:t>b+</a:t>
-            </a:r>
-            <a:r>
-              <a:rPr lang="en-US" sz="2800" dirty="0" err="1">
+              <a:t>Cases ~ Poisson (lambda)</a:t>
+            </a:r>
+          </a:p>
+          <a:p>
+            <a:r>
+              <a:rPr lang="en-US" sz="2400" dirty="0">
                 <a:solidFill>
                   <a:srgbClr val="FF0000"/>
                 </a:solidFill>
               </a:rPr>
-              <a:t>a</a:t>
-            </a:r>
-            <a:r>
-              <a:rPr lang="en-US" sz="2800" dirty="0"/>
-              <a:t>*t)</a:t>
-            </a:r>
-          </a:p>
-          <a:p>
-            <a:pPr lvl="3"/>
-            <a:endParaRPr lang="en-US" sz="2800" dirty="0"/>
-          </a:p>
-          <a:p>
-            <a:pPr lvl="2"/>
-            <a:endParaRPr lang="en-US" sz="2800" dirty="0"/>
-          </a:p>
-        </p:txBody>
-      </p:sp>
-      <p:sp>
-        <p:nvSpPr>
-          <p:cNvPr id="4" name="TextBox 3"/>
-          <p:cNvSpPr txBox="1"/>
-          <p:nvPr/>
-        </p:nvSpPr>
-        <p:spPr>
-          <a:xfrm>
-            <a:off x="1828800" y="5622143"/>
-            <a:ext cx="9164077" cy="954107"/>
-          </a:xfrm>
-          <a:prstGeom prst="rect">
-            <a:avLst/>
-          </a:prstGeom>
-          <a:noFill/>
-        </p:spPr>
-        <p:txBody>
-          <a:bodyPr wrap="square" rtlCol="0">
-            <a:spAutoFit/>
-          </a:bodyPr>
-          <a:lstStyle/>
-          <a:p>
-            <a:r>
-              <a:rPr lang="en-US" sz="2800" dirty="0"/>
-              <a:t>Difference or ratio between observed and counterfactual lines gives the “Vaccine impact” (rate ratio or rate difference)</a:t>
+              <a:t>Log(lambda)=b0 +b1*sin12 +b2*cos12 +b3*trend</a:t>
             </a:r>
           </a:p>
         </p:txBody>
       </p:sp>
       <p:pic>
         <p:nvPicPr>
-          <p:cNvPr id="5" name="Picture 4"/>
+          <p:cNvPr id="6" name="Graphic 5">
+            <a:extLst>
+              <a:ext uri="{FF2B5EF4-FFF2-40B4-BE49-F238E27FC236}">
+                <a16:creationId xmlns:a16="http://schemas.microsoft.com/office/drawing/2014/main" id="{9D11DE4B-CA36-4237-9987-8CEEDA127047}"/>
+              </a:ext>
+            </a:extLst>
+          </p:cNvPr>
           <p:cNvPicPr>
             <a:picLocks noChangeAspect="1"/>
           </p:cNvPicPr>
           <p:nvPr/>
         </p:nvPicPr>
         <p:blipFill>
-          <a:blip r:embed="rId2"/>
+          <a:blip r:embed="rId2">
+            <a:extLst>
+              <a:ext uri="{28A0092B-C50C-407E-A947-70E740481C1C}">
+                <a14:useLocalDpi xmlns:a14="http://schemas.microsoft.com/office/drawing/2010/main" val="0"/>
+              </a:ext>
+              <a:ext uri="{96DAC541-7B7A-43D3-8B79-37D633B846F1}">
+                <asvg:svgBlip xmlns:asvg="http://schemas.microsoft.com/office/drawing/2016/SVG/main" r:embed="rId3"/>
+              </a:ext>
+            </a:extLst>
+          </a:blip>
           <a:stretch>
             <a:fillRect/>
           </a:stretch>
         </p:blipFill>
         <p:spPr>
           <a:xfrm>
-            <a:off x="3900161" y="3512818"/>
-            <a:ext cx="4106153" cy="2109325"/>
+            <a:off x="499768" y="2372201"/>
+            <a:ext cx="8692822" cy="4485800"/>
           </a:xfrm>
           <a:prstGeom prst="rect">
             <a:avLst/>
@@ -4976,65 +4440,41 @@
       </p:pic>
       <p:sp>
         <p:nvSpPr>
-          <p:cNvPr id="6" name="Title 1">
+          <p:cNvPr id="8" name="TextBox 7">
             <a:extLst>
               <a:ext uri="{FF2B5EF4-FFF2-40B4-BE49-F238E27FC236}">
-                <a16:creationId xmlns:a16="http://schemas.microsoft.com/office/drawing/2014/main" id="{B6596CCA-755B-4195-963E-170480D3BAC0}"/>
+                <a16:creationId xmlns:a16="http://schemas.microsoft.com/office/drawing/2014/main" id="{539BF7D8-950B-4259-89F2-941ED1E8FC05}"/>
               </a:ext>
             </a:extLst>
           </p:cNvPr>
-          <p:cNvSpPr txBox="1">
-            <a:spLocks/>
-          </p:cNvSpPr>
+          <p:cNvSpPr txBox="1"/>
           <p:nvPr/>
         </p:nvSpPr>
         <p:spPr>
           <a:xfrm>
-            <a:off x="1153038" y="272237"/>
-            <a:ext cx="10515600" cy="1325563"/>
+            <a:off x="8555286" y="5018571"/>
+            <a:ext cx="3233321" cy="646331"/>
           </a:xfrm>
           <a:prstGeom prst="rect">
             <a:avLst/>
           </a:prstGeom>
-        </p:spPr>
-        <p:txBody>
-          <a:bodyPr vert="horz" lIns="91440" tIns="45720" rIns="91440" bIns="45720" rtlCol="0" anchor="ctr">
-            <a:normAutofit/>
+          <a:noFill/>
+        </p:spPr>
+        <p:txBody>
+          <a:bodyPr wrap="none" rtlCol="0">
+            <a:spAutoFit/>
           </a:bodyPr>
-          <a:lstStyle>
-            <a:lvl1pPr algn="l" defTabSz="914400" rtl="0" eaLnBrk="1" latinLnBrk="0" hangingPunct="1">
-              <a:lnSpc>
-                <a:spcPct val="90000"/>
-              </a:lnSpc>
-              <a:spcBef>
-                <a:spcPct val="0"/>
-              </a:spcBef>
-              <a:buNone/>
-              <a:defRPr sz="4400" kern="1200">
-                <a:solidFill>
-                  <a:schemeClr val="tx1"/>
-                </a:solidFill>
-                <a:latin typeface="+mj-lt"/>
-                <a:ea typeface="+mj-ea"/>
-                <a:cs typeface="+mj-cs"/>
-              </a:defRPr>
-            </a:lvl1pPr>
-          </a:lstStyle>
-          <a:p>
-            <a:r>
-              <a:rPr lang="en-US" b="1" dirty="0"/>
-              <a:t>Testing for a change in trend:</a:t>
-            </a:r>
-            <a:br>
-              <a:rPr lang="en-US" b="1" dirty="0"/>
-            </a:br>
-            <a:r>
-              <a:rPr lang="en-US" b="1" dirty="0">
-                <a:solidFill>
-                  <a:srgbClr val="FF0000"/>
-                </a:solidFill>
-              </a:rPr>
-              <a:t>Interrupted time series (ITS)</a:t>
+          <a:lstStyle/>
+          <a:p>
+            <a:r>
+              <a:rPr lang="en-US" dirty="0"/>
+              <a:t>What is your evaluation period? </a:t>
+            </a:r>
+          </a:p>
+          <a:p>
+            <a:r>
+              <a:rPr lang="en-US" dirty="0"/>
+              <a:t>Last 2 years? Last 3 years?</a:t>
             </a:r>
           </a:p>
         </p:txBody>
@@ -5042,13 +4482,91 @@
     </p:spTree>
     <p:extLst>
       <p:ext uri="{BB962C8B-B14F-4D97-AF65-F5344CB8AC3E}">
-        <p14:creationId xmlns:p14="http://schemas.microsoft.com/office/powerpoint/2010/main" val="791513396"/>
+        <p14:creationId xmlns:p14="http://schemas.microsoft.com/office/powerpoint/2010/main" val="892244369"/>
       </p:ext>
     </p:extLst>
   </p:cSld>
   <p:clrMapOvr>
     <a:masterClrMapping/>
   </p:clrMapOvr>
+  <p:timing>
+    <p:tnLst>
+      <p:par>
+        <p:cTn id="1" dur="indefinite" restart="never" nodeType="tmRoot">
+          <p:childTnLst>
+            <p:seq concurrent="1" nextAc="seek">
+              <p:cTn id="2" dur="indefinite" nodeType="mainSeq">
+                <p:childTnLst>
+                  <p:par>
+                    <p:cTn id="3" fill="hold">
+                      <p:stCondLst>
+                        <p:cond delay="indefinite"/>
+                      </p:stCondLst>
+                      <p:childTnLst>
+                        <p:par>
+                          <p:cTn id="4" fill="hold">
+                            <p:stCondLst>
+                              <p:cond delay="0"/>
+                            </p:stCondLst>
+                            <p:childTnLst>
+                              <p:par>
+                                <p:cTn id="5" presetID="1" presetClass="entr" presetSubtype="0" fill="hold" grpId="0" nodeType="clickEffect">
+                                  <p:stCondLst>
+                                    <p:cond delay="0"/>
+                                  </p:stCondLst>
+                                  <p:childTnLst>
+                                    <p:set>
+                                      <p:cBhvr>
+                                        <p:cTn id="6" dur="1" fill="hold">
+                                          <p:stCondLst>
+                                            <p:cond delay="0"/>
+                                          </p:stCondLst>
+                                        </p:cTn>
+                                        <p:tgtEl>
+                                          <p:spTgt spid="7"/>
+                                        </p:tgtEl>
+                                        <p:attrNameLst>
+                                          <p:attrName>style.visibility</p:attrName>
+                                        </p:attrNameLst>
+                                      </p:cBhvr>
+                                      <p:to>
+                                        <p:strVal val="visible"/>
+                                      </p:to>
+                                    </p:set>
+                                  </p:childTnLst>
+                                </p:cTn>
+                              </p:par>
+                            </p:childTnLst>
+                          </p:cTn>
+                        </p:par>
+                      </p:childTnLst>
+                    </p:cTn>
+                  </p:par>
+                </p:childTnLst>
+              </p:cTn>
+              <p:prevCondLst>
+                <p:cond evt="onPrev" delay="0">
+                  <p:tgtEl>
+                    <p:sldTgt/>
+                  </p:tgtEl>
+                </p:cond>
+              </p:prevCondLst>
+              <p:nextCondLst>
+                <p:cond evt="onNext" delay="0">
+                  <p:tgtEl>
+                    <p:sldTgt/>
+                  </p:tgtEl>
+                </p:cond>
+              </p:nextCondLst>
+            </p:seq>
+          </p:childTnLst>
+        </p:cTn>
+      </p:par>
+    </p:tnLst>
+    <p:bldLst>
+      <p:bldP spid="7" grpId="0"/>
+    </p:bldLst>
+  </p:timing>
 </p:sld>
 </file>
 
@@ -5071,62 +4589,13 @@
       </p:grpSpPr>
       <p:sp>
         <p:nvSpPr>
-          <p:cNvPr id="5" name="Rounded Rectangle 4"/>
-          <p:cNvSpPr/>
-          <p:nvPr/>
-        </p:nvSpPr>
-        <p:spPr>
-          <a:xfrm>
-            <a:off x="6826104" y="1524000"/>
-            <a:ext cx="4827182" cy="4125433"/>
-          </a:xfrm>
-          <a:prstGeom prst="roundRect">
-            <a:avLst>
-              <a:gd name="adj" fmla="val 10402"/>
-            </a:avLst>
-          </a:prstGeom>
-          <a:solidFill>
-            <a:schemeClr val="accent1">
-              <a:lumMod val="20000"/>
-              <a:lumOff val="80000"/>
-            </a:schemeClr>
-          </a:solidFill>
-          <a:ln w="57150">
-            <a:solidFill>
-              <a:schemeClr val="accent1">
-                <a:lumMod val="50000"/>
-              </a:schemeClr>
-            </a:solidFill>
-          </a:ln>
-        </p:spPr>
-        <p:style>
-          <a:lnRef idx="2">
-            <a:schemeClr val="accent1">
-              <a:shade val="50000"/>
-            </a:schemeClr>
-          </a:lnRef>
-          <a:fillRef idx="1">
-            <a:schemeClr val="accent1"/>
-          </a:fillRef>
-          <a:effectRef idx="0">
-            <a:schemeClr val="accent1"/>
-          </a:effectRef>
-          <a:fontRef idx="minor">
-            <a:schemeClr val="lt1"/>
-          </a:fontRef>
-        </p:style>
-        <p:txBody>
-          <a:bodyPr rtlCol="0" anchor="ctr"/>
-          <a:lstStyle/>
-          <a:p>
-            <a:pPr algn="ctr"/>
-            <a:endParaRPr lang="en-US"/>
-          </a:p>
-        </p:txBody>
-      </p:sp>
-      <p:sp>
-        <p:nvSpPr>
-          <p:cNvPr id="2" name="Title 1"/>
+          <p:cNvPr id="2" name="Title 1">
+            <a:extLst>
+              <a:ext uri="{FF2B5EF4-FFF2-40B4-BE49-F238E27FC236}">
+                <a16:creationId xmlns:a16="http://schemas.microsoft.com/office/drawing/2014/main" id="{A6278F41-2FBC-443E-97A3-77FE99BD01DD}"/>
+              </a:ext>
+            </a:extLst>
+          </p:cNvPr>
           <p:cNvSpPr>
             <a:spLocks noGrp="1"/>
           </p:cNvSpPr>
@@ -5134,28 +4603,27 @@
             <p:ph type="title"/>
           </p:nvPr>
         </p:nvSpPr>
-        <p:spPr>
-          <a:xfrm>
-            <a:off x="1981200" y="381000"/>
-            <a:ext cx="8229600" cy="1143000"/>
-          </a:xfrm>
-        </p:spPr>
-        <p:txBody>
-          <a:bodyPr>
-            <a:normAutofit/>
-          </a:bodyPr>
-          <a:lstStyle/>
-          <a:p>
-            <a:r>
-              <a:rPr lang="en-US" b="1" dirty="0"/>
-              <a:t>Steps for evaluating change in trend</a:t>
-            </a:r>
-          </a:p>
-        </p:txBody>
-      </p:sp>
-      <p:sp>
-        <p:nvSpPr>
-          <p:cNvPr id="3" name="Content Placeholder 2"/>
+        <p:spPr/>
+        <p:txBody>
+          <a:bodyPr/>
+          <a:lstStyle/>
+          <a:p>
+            <a:r>
+              <a:rPr lang="en-US" dirty="0"/>
+              <a:t>Interrupted time series analysis</a:t>
+            </a:r>
+          </a:p>
+        </p:txBody>
+      </p:sp>
+      <p:sp>
+        <p:nvSpPr>
+          <p:cNvPr id="3" name="Content Placeholder 2">
+            <a:extLst>
+              <a:ext uri="{FF2B5EF4-FFF2-40B4-BE49-F238E27FC236}">
+                <a16:creationId xmlns:a16="http://schemas.microsoft.com/office/drawing/2014/main" id="{9A8DF147-0AFE-4CF6-95B9-75999BC8D5F6}"/>
+              </a:ext>
+            </a:extLst>
+          </p:cNvPr>
           <p:cNvSpPr>
             <a:spLocks noGrp="1"/>
           </p:cNvSpPr>
@@ -5165,181 +4633,56 @@
         </p:nvSpPr>
         <p:spPr>
           <a:xfrm>
-            <a:off x="407583" y="1524000"/>
-            <a:ext cx="6173970" cy="4249478"/>
-          </a:xfrm>
-        </p:spPr>
-        <p:txBody>
-          <a:bodyPr>
-            <a:noAutofit/>
-          </a:bodyPr>
-          <a:lstStyle/>
-          <a:p>
-            <a:pPr marL="514350" indent="-514350">
-              <a:buFont typeface="+mj-lt"/>
-              <a:buAutoNum type="arabicPeriod"/>
-            </a:pPr>
+            <a:off x="838200" y="1549580"/>
+            <a:ext cx="11247408" cy="4351338"/>
+          </a:xfrm>
+        </p:spPr>
+        <p:txBody>
+          <a:bodyPr/>
+          <a:lstStyle/>
+          <a:p>
             <a:r>
               <a:rPr lang="en-US" dirty="0"/>
-              <a:t>Define “baseline”, transition periods </a:t>
-            </a:r>
-          </a:p>
-          <a:p>
-            <a:pPr marL="514350" indent="-514350">
-              <a:buFont typeface="+mj-lt"/>
-              <a:buAutoNum type="arabicPeriod"/>
-            </a:pPr>
+              <a:t>Broad group of approaches</a:t>
+            </a:r>
+          </a:p>
+          <a:p>
             <a:r>
               <a:rPr lang="en-US" dirty="0"/>
-              <a:t>Determine whether there are any trends or patterns in the baseline period</a:t>
+              <a:t>Fit regression model to entire time series and allow the slope of the line and the average number of cases (level) to change after vaccination</a:t>
+            </a:r>
+          </a:p>
+          <a:p>
+            <a:r>
+              <a:rPr lang="en-US" dirty="0"/>
+              <a:t>Can explicitly quantify how the vaccine effects the slope and level</a:t>
+            </a:r>
+          </a:p>
+          <a:p>
+            <a:r>
+              <a:rPr lang="en-US" dirty="0"/>
+              <a:t>Can generate counterfactuals by pretending the slope and level changes did not occur</a:t>
+            </a:r>
+          </a:p>
+          <a:p>
+            <a:endParaRPr lang="en-US" dirty="0"/>
+          </a:p>
+          <a:p>
+            <a:r>
+              <a:rPr lang="en-US" dirty="0"/>
+              <a:t>Need to make or test assumptions about the timing of the decline and its shape (e.g., step change)</a:t>
             </a:r>
           </a:p>
           <a:p>
             <a:pPr lvl="1"/>
-            <a:r>
-              <a:rPr lang="en-US" sz="2800" dirty="0"/>
-              <a:t>Seasonality, </a:t>
-            </a:r>
-            <a:r>
-              <a:rPr lang="en-US" sz="2800" dirty="0" err="1"/>
-              <a:t>etc</a:t>
-            </a:r>
-            <a:endParaRPr lang="en-US" sz="2800" dirty="0"/>
-          </a:p>
-          <a:p>
-            <a:pPr marL="514350" indent="-514350">
-              <a:buFont typeface="+mj-lt"/>
-              <a:buAutoNum type="arabicPeriod"/>
-            </a:pPr>
-            <a:r>
-              <a:rPr lang="en-US" dirty="0"/>
-              <a:t>Fit a model to your baseline data using regression</a:t>
-            </a:r>
-          </a:p>
-          <a:p>
-            <a:pPr lvl="1"/>
-            <a:r>
-              <a:rPr lang="en-US" sz="2800" dirty="0"/>
-              <a:t>Be wary of over-fitting (use AIC)</a:t>
-            </a:r>
-          </a:p>
-          <a:p>
-            <a:pPr marL="514350" indent="-514350">
-              <a:buFont typeface="+mj-lt"/>
-              <a:buAutoNum type="arabicPeriod"/>
-            </a:pPr>
-            <a:r>
-              <a:rPr lang="en-US" dirty="0"/>
-              <a:t>Compare test and reference periods</a:t>
-            </a:r>
-          </a:p>
-        </p:txBody>
-      </p:sp>
-      <p:sp>
-        <p:nvSpPr>
-          <p:cNvPr id="4" name="TextBox 3"/>
-          <p:cNvSpPr txBox="1"/>
-          <p:nvPr/>
-        </p:nvSpPr>
-        <p:spPr>
-          <a:xfrm>
-            <a:off x="7070652" y="1846523"/>
-            <a:ext cx="4497571" cy="3579441"/>
-          </a:xfrm>
-          <a:prstGeom prst="rect">
-            <a:avLst/>
-          </a:prstGeom>
-          <a:noFill/>
-        </p:spPr>
-        <p:txBody>
-          <a:bodyPr wrap="square" rtlCol="0">
-            <a:spAutoFit/>
-          </a:bodyPr>
-          <a:lstStyle/>
-          <a:p>
-            <a:pPr lvl="0">
-              <a:lnSpc>
-                <a:spcPct val="90000"/>
-              </a:lnSpc>
-              <a:spcBef>
-                <a:spcPts val="1000"/>
-              </a:spcBef>
-            </a:pPr>
-            <a:r>
-              <a:rPr lang="en-US" sz="2800" dirty="0">
-                <a:solidFill>
-                  <a:prstClr val="black"/>
-                </a:solidFill>
-              </a:rPr>
-              <a:t>THINK ABOUT WHAT COULD GO WRONG:</a:t>
-            </a:r>
-          </a:p>
-          <a:p>
-            <a:pPr marL="228600" lvl="0" indent="-228600">
-              <a:lnSpc>
-                <a:spcPct val="90000"/>
-              </a:lnSpc>
-              <a:spcBef>
-                <a:spcPts val="1000"/>
-              </a:spcBef>
-              <a:buFont typeface="Arial" panose="020B0604020202020204" pitchFamily="34" charset="0"/>
-              <a:buChar char="•"/>
-            </a:pPr>
-            <a:r>
-              <a:rPr lang="en-US" sz="2800" dirty="0">
-                <a:solidFill>
-                  <a:prstClr val="black"/>
-                </a:solidFill>
-              </a:rPr>
-              <a:t>Identify controls!</a:t>
-            </a:r>
-          </a:p>
-          <a:p>
-            <a:pPr marL="228600" lvl="0" indent="-228600">
-              <a:lnSpc>
-                <a:spcPct val="90000"/>
-              </a:lnSpc>
-              <a:spcBef>
-                <a:spcPts val="1000"/>
-              </a:spcBef>
-              <a:buFont typeface="Arial" panose="020B0604020202020204" pitchFamily="34" charset="0"/>
-              <a:buChar char="•"/>
-            </a:pPr>
-            <a:r>
-              <a:rPr lang="en-US" sz="2800" dirty="0">
-                <a:solidFill>
-                  <a:prstClr val="black"/>
-                </a:solidFill>
-              </a:rPr>
-              <a:t>Do sensitivity analyses! </a:t>
-            </a:r>
-          </a:p>
-          <a:p>
-            <a:pPr marL="685800" lvl="1" indent="-228600">
-              <a:lnSpc>
-                <a:spcPct val="90000"/>
-              </a:lnSpc>
-              <a:spcBef>
-                <a:spcPts val="1000"/>
-              </a:spcBef>
-              <a:buFont typeface="Arial" panose="020B0604020202020204" pitchFamily="34" charset="0"/>
-              <a:buChar char="•"/>
-            </a:pPr>
-            <a:r>
-              <a:rPr lang="en-US" sz="2800" dirty="0">
-                <a:solidFill>
-                  <a:prstClr val="black"/>
-                </a:solidFill>
-              </a:rPr>
-              <a:t>i.e., leave out one season at a time; try different intervention times</a:t>
-            </a:r>
+            <a:endParaRPr lang="en-US" dirty="0"/>
           </a:p>
         </p:txBody>
       </p:sp>
     </p:spTree>
     <p:extLst>
       <p:ext uri="{BB962C8B-B14F-4D97-AF65-F5344CB8AC3E}">
-        <p14:creationId xmlns:p14="http://schemas.microsoft.com/office/powerpoint/2010/main" val="2173795587"/>
+        <p14:creationId xmlns:p14="http://schemas.microsoft.com/office/powerpoint/2010/main" val="1264443462"/>
       </p:ext>
     </p:extLst>
   </p:cSld>
@@ -5368,36 +4711,6 @@
       </p:grpSpPr>
       <p:sp>
         <p:nvSpPr>
-          <p:cNvPr id="2" name="Title 1"/>
-          <p:cNvSpPr>
-            <a:spLocks noGrp="1"/>
-          </p:cNvSpPr>
-          <p:nvPr>
-            <p:ph type="title"/>
-          </p:nvPr>
-        </p:nvSpPr>
-        <p:spPr/>
-        <p:txBody>
-          <a:bodyPr/>
-          <a:lstStyle/>
-          <a:p>
-            <a:r>
-              <a:rPr lang="en-US" b="1" dirty="0">
-                <a:solidFill>
-                  <a:srgbClr val="FF0000"/>
-                </a:solidFill>
-              </a:rPr>
-              <a:t>Sensitivity analyses </a:t>
-            </a:r>
-            <a:r>
-              <a:rPr lang="en-US" b="1" dirty="0"/>
-              <a:t>you should consider</a:t>
-            </a:r>
-          </a:p>
-        </p:txBody>
-      </p:sp>
-      <p:sp>
-        <p:nvSpPr>
           <p:cNvPr id="3" name="Content Placeholder 2"/>
           <p:cNvSpPr>
             <a:spLocks noGrp="1"/>
@@ -5408,8 +4721,8 @@
         </p:nvSpPr>
         <p:spPr>
           <a:xfrm>
-            <a:off x="480471" y="1791647"/>
-            <a:ext cx="11461897" cy="4702766"/>
+            <a:off x="2530033" y="2527823"/>
+            <a:ext cx="9138605" cy="4525963"/>
           </a:xfrm>
         </p:spPr>
         <p:txBody>
@@ -5418,73 +4731,432 @@
           </a:bodyPr>
           <a:lstStyle/>
           <a:p>
-            <a:pPr>
+            <a:pPr marL="914400" lvl="2" indent="0">
               <a:spcAft>
                 <a:spcPts val="1200"/>
               </a:spcAft>
+              <a:buNone/>
             </a:pPr>
             <a:r>
-              <a:rPr lang="en-US" u="sng" dirty="0"/>
-              <a:t>Never</a:t>
-            </a:r>
+              <a:rPr lang="en-US" sz="2800" dirty="0" err="1"/>
+              <a:t>Yt</a:t>
+            </a:r>
+            <a:r>
+              <a:rPr lang="en-US" sz="2800" dirty="0"/>
+              <a:t>=</a:t>
+            </a:r>
+            <a:r>
+              <a:rPr lang="en-US" sz="2800" dirty="0" err="1"/>
+              <a:t>exp</a:t>
+            </a:r>
+            <a:r>
+              <a:rPr lang="en-US" sz="2800" dirty="0"/>
+              <a:t>(b+ </a:t>
+            </a:r>
+            <a:r>
+              <a:rPr lang="en-US" sz="2800" dirty="0">
+                <a:solidFill>
+                  <a:srgbClr val="FF0000"/>
+                </a:solidFill>
+              </a:rPr>
+              <a:t>a</a:t>
+            </a:r>
+            <a:r>
+              <a:rPr lang="en-US" sz="2800" dirty="0"/>
+              <a:t>*t + c*z + </a:t>
+            </a:r>
+            <a:r>
+              <a:rPr lang="en-US" sz="2800" dirty="0">
+                <a:solidFill>
+                  <a:srgbClr val="FF0000"/>
+                </a:solidFill>
+              </a:rPr>
+              <a:t>d</a:t>
+            </a:r>
+            <a:r>
+              <a:rPr lang="en-US" sz="2800" dirty="0"/>
+              <a:t>*t*z)</a:t>
+            </a:r>
+          </a:p>
+          <a:p>
+            <a:pPr lvl="3"/>
+            <a:endParaRPr lang="en-US" sz="2800" dirty="0"/>
+          </a:p>
+          <a:p>
+            <a:pPr lvl="2"/>
+            <a:endParaRPr lang="en-US" sz="2800" dirty="0"/>
+          </a:p>
+        </p:txBody>
+      </p:sp>
+      <p:pic>
+        <p:nvPicPr>
+          <p:cNvPr id="5" name="Picture 4"/>
+          <p:cNvPicPr>
+            <a:picLocks noChangeAspect="1"/>
+          </p:cNvPicPr>
+          <p:nvPr/>
+        </p:nvPicPr>
+        <p:blipFill>
+          <a:blip r:embed="rId2"/>
+          <a:stretch>
+            <a:fillRect/>
+          </a:stretch>
+        </p:blipFill>
+        <p:spPr>
+          <a:xfrm>
+            <a:off x="3149663" y="3538697"/>
+            <a:ext cx="6117447" cy="3142524"/>
+          </a:xfrm>
+          <a:prstGeom prst="rect">
+            <a:avLst/>
+          </a:prstGeom>
+        </p:spPr>
+      </p:pic>
+      <p:sp>
+        <p:nvSpPr>
+          <p:cNvPr id="6" name="Title 1">
+            <a:extLst>
+              <a:ext uri="{FF2B5EF4-FFF2-40B4-BE49-F238E27FC236}">
+                <a16:creationId xmlns:a16="http://schemas.microsoft.com/office/drawing/2014/main" id="{B6596CCA-755B-4195-963E-170480D3BAC0}"/>
+              </a:ext>
+            </a:extLst>
+          </p:cNvPr>
+          <p:cNvSpPr txBox="1">
+            <a:spLocks/>
+          </p:cNvSpPr>
+          <p:nvPr/>
+        </p:nvSpPr>
+        <p:spPr>
+          <a:xfrm>
+            <a:off x="1153038" y="272237"/>
+            <a:ext cx="10515600" cy="1325563"/>
+          </a:xfrm>
+          <a:prstGeom prst="rect">
+            <a:avLst/>
+          </a:prstGeom>
+        </p:spPr>
+        <p:txBody>
+          <a:bodyPr vert="horz" lIns="91440" tIns="45720" rIns="91440" bIns="45720" rtlCol="0" anchor="ctr">
+            <a:normAutofit/>
+          </a:bodyPr>
+          <a:lstStyle>
+            <a:lvl1pPr algn="l" defTabSz="914400" rtl="0" eaLnBrk="1" latinLnBrk="0" hangingPunct="1">
+              <a:lnSpc>
+                <a:spcPct val="90000"/>
+              </a:lnSpc>
+              <a:spcBef>
+                <a:spcPct val="0"/>
+              </a:spcBef>
+              <a:buNone/>
+              <a:defRPr sz="4400" kern="1200">
+                <a:solidFill>
+                  <a:schemeClr val="tx1"/>
+                </a:solidFill>
+                <a:latin typeface="+mj-lt"/>
+                <a:ea typeface="+mj-ea"/>
+                <a:cs typeface="+mj-cs"/>
+              </a:defRPr>
+            </a:lvl1pPr>
+          </a:lstStyle>
+          <a:p>
+            <a:br>
+              <a:rPr lang="en-US" b="1" dirty="0"/>
+            </a:br>
+            <a:r>
+              <a:rPr lang="en-US" b="1" dirty="0">
+                <a:solidFill>
+                  <a:srgbClr val="FF0000"/>
+                </a:solidFill>
+              </a:rPr>
+              <a:t>Interrupted time series (ITS)</a:t>
+            </a:r>
+          </a:p>
+        </p:txBody>
+      </p:sp>
+      <p:sp>
+        <p:nvSpPr>
+          <p:cNvPr id="2" name="TextBox 1">
+            <a:extLst>
+              <a:ext uri="{FF2B5EF4-FFF2-40B4-BE49-F238E27FC236}">
+                <a16:creationId xmlns:a16="http://schemas.microsoft.com/office/drawing/2014/main" id="{779F271C-8249-4EE2-B817-FC73012138D5}"/>
+              </a:ext>
+            </a:extLst>
+          </p:cNvPr>
+          <p:cNvSpPr txBox="1"/>
+          <p:nvPr/>
+        </p:nvSpPr>
+        <p:spPr>
+          <a:xfrm>
+            <a:off x="3735238" y="1785926"/>
+            <a:ext cx="1818126" cy="369332"/>
+          </a:xfrm>
+          <a:prstGeom prst="rect">
+            <a:avLst/>
+          </a:prstGeom>
+          <a:noFill/>
+        </p:spPr>
+        <p:txBody>
+          <a:bodyPr wrap="none" rtlCol="0">
+            <a:spAutoFit/>
+          </a:bodyPr>
+          <a:lstStyle/>
+          <a:p>
             <a:r>
               <a:rPr lang="en-US" dirty="0"/>
-              <a:t> trust your main analyses without “pressure testing” it</a:t>
-            </a:r>
-          </a:p>
-          <a:p>
-            <a:pPr>
-              <a:spcAft>
-                <a:spcPts val="1200"/>
-              </a:spcAft>
-            </a:pPr>
+              <a:t>Pre-vaccine slope</a:t>
+            </a:r>
+          </a:p>
+        </p:txBody>
+      </p:sp>
+      <p:cxnSp>
+        <p:nvCxnSpPr>
+          <p:cNvPr id="8" name="Straight Arrow Connector 7">
+            <a:extLst>
+              <a:ext uri="{FF2B5EF4-FFF2-40B4-BE49-F238E27FC236}">
+                <a16:creationId xmlns:a16="http://schemas.microsoft.com/office/drawing/2014/main" id="{BDA98B4D-1F4E-4968-B998-79E563993226}"/>
+              </a:ext>
+            </a:extLst>
+          </p:cNvPr>
+          <p:cNvCxnSpPr/>
+          <p:nvPr/>
+        </p:nvCxnSpPr>
+        <p:spPr>
+          <a:xfrm>
+            <a:off x="4994694" y="2155258"/>
+            <a:ext cx="215661" cy="453416"/>
+          </a:xfrm>
+          <a:prstGeom prst="straightConnector1">
+            <a:avLst/>
+          </a:prstGeom>
+          <a:ln>
+            <a:tailEnd type="triangle"/>
+          </a:ln>
+        </p:spPr>
+        <p:style>
+          <a:lnRef idx="1">
+            <a:schemeClr val="accent1"/>
+          </a:lnRef>
+          <a:fillRef idx="0">
+            <a:schemeClr val="accent1"/>
+          </a:fillRef>
+          <a:effectRef idx="0">
+            <a:schemeClr val="accent1"/>
+          </a:effectRef>
+          <a:fontRef idx="minor">
+            <a:schemeClr val="tx1"/>
+          </a:fontRef>
+        </p:style>
+      </p:cxnSp>
+      <p:sp>
+        <p:nvSpPr>
+          <p:cNvPr id="9" name="TextBox 8">
+            <a:extLst>
+              <a:ext uri="{FF2B5EF4-FFF2-40B4-BE49-F238E27FC236}">
+                <a16:creationId xmlns:a16="http://schemas.microsoft.com/office/drawing/2014/main" id="{6EA7190D-D4FE-42EE-B116-33C061FF543E}"/>
+              </a:ext>
+            </a:extLst>
+          </p:cNvPr>
+          <p:cNvSpPr txBox="1"/>
+          <p:nvPr/>
+        </p:nvSpPr>
+        <p:spPr>
+          <a:xfrm>
+            <a:off x="7370035" y="1827748"/>
+            <a:ext cx="2824941" cy="369332"/>
+          </a:xfrm>
+          <a:prstGeom prst="rect">
+            <a:avLst/>
+          </a:prstGeom>
+          <a:noFill/>
+        </p:spPr>
+        <p:txBody>
+          <a:bodyPr wrap="none" rtlCol="0">
+            <a:spAutoFit/>
+          </a:bodyPr>
+          <a:lstStyle/>
+          <a:p>
             <a:r>
               <a:rPr lang="en-US" dirty="0"/>
-              <a:t>Try different intervention dates—how does it influence your estimate?</a:t>
-            </a:r>
-          </a:p>
-          <a:p>
-            <a:pPr>
-              <a:spcAft>
-                <a:spcPts val="1200"/>
-              </a:spcAft>
-            </a:pPr>
+              <a:t>Change in slope postvaccine</a:t>
+            </a:r>
+          </a:p>
+        </p:txBody>
+      </p:sp>
+      <p:sp>
+        <p:nvSpPr>
+          <p:cNvPr id="10" name="TextBox 9">
+            <a:extLst>
+              <a:ext uri="{FF2B5EF4-FFF2-40B4-BE49-F238E27FC236}">
+                <a16:creationId xmlns:a16="http://schemas.microsoft.com/office/drawing/2014/main" id="{0E56A973-0FA8-4098-B645-292FACC87C66}"/>
+              </a:ext>
+            </a:extLst>
+          </p:cNvPr>
+          <p:cNvSpPr txBox="1"/>
+          <p:nvPr/>
+        </p:nvSpPr>
+        <p:spPr>
+          <a:xfrm>
+            <a:off x="5553364" y="1507197"/>
+            <a:ext cx="2760628" cy="369332"/>
+          </a:xfrm>
+          <a:prstGeom prst="rect">
+            <a:avLst/>
+          </a:prstGeom>
+          <a:noFill/>
+        </p:spPr>
+        <p:txBody>
+          <a:bodyPr wrap="none" rtlCol="0">
+            <a:spAutoFit/>
+          </a:bodyPr>
+          <a:lstStyle/>
+          <a:p>
             <a:r>
               <a:rPr lang="en-US" dirty="0"/>
-              <a:t>Leaving out different seasons when fitting, see if it changes the answer</a:t>
-            </a:r>
-          </a:p>
-          <a:p>
-            <a:pPr>
-              <a:spcAft>
-                <a:spcPts val="1200"/>
-              </a:spcAft>
-            </a:pPr>
-            <a:r>
-              <a:rPr lang="en-US" dirty="0"/>
-              <a:t>Perform simulations to see how likely it is that you would detect a decline</a:t>
-            </a:r>
-          </a:p>
-          <a:p>
-            <a:pPr lvl="1">
-              <a:spcAft>
-                <a:spcPts val="1200"/>
-              </a:spcAft>
-            </a:pPr>
-            <a:r>
-              <a:rPr lang="en-US" dirty="0">
-                <a:hlinkClick r:id="rId2"/>
-              </a:rPr>
-              <a:t>https://weinbergerlab.shinyapps.io/ITS_Poisson_Power/</a:t>
-            </a:r>
-            <a:endParaRPr lang="en-US" dirty="0"/>
+              <a:t>Change in level postvaccine</a:t>
+            </a:r>
+          </a:p>
+        </p:txBody>
+      </p:sp>
+      <p:cxnSp>
+        <p:nvCxnSpPr>
+          <p:cNvPr id="11" name="Straight Arrow Connector 10">
+            <a:extLst>
+              <a:ext uri="{FF2B5EF4-FFF2-40B4-BE49-F238E27FC236}">
+                <a16:creationId xmlns:a16="http://schemas.microsoft.com/office/drawing/2014/main" id="{041A83CF-F49D-46E6-9397-1747EB1D085D}"/>
+              </a:ext>
+            </a:extLst>
+          </p:cNvPr>
+          <p:cNvCxnSpPr>
+            <a:cxnSpLocks/>
+          </p:cNvCxnSpPr>
+          <p:nvPr/>
+        </p:nvCxnSpPr>
+        <p:spPr>
+          <a:xfrm flipH="1">
+            <a:off x="6028770" y="1923440"/>
+            <a:ext cx="179616" cy="604397"/>
+          </a:xfrm>
+          <a:prstGeom prst="straightConnector1">
+            <a:avLst/>
+          </a:prstGeom>
+          <a:ln>
+            <a:tailEnd type="triangle"/>
+          </a:ln>
+        </p:spPr>
+        <p:style>
+          <a:lnRef idx="1">
+            <a:schemeClr val="accent1"/>
+          </a:lnRef>
+          <a:fillRef idx="0">
+            <a:schemeClr val="accent1"/>
+          </a:fillRef>
+          <a:effectRef idx="0">
+            <a:schemeClr val="accent1"/>
+          </a:effectRef>
+          <a:fontRef idx="minor">
+            <a:schemeClr val="tx1"/>
+          </a:fontRef>
+        </p:style>
+      </p:cxnSp>
+      <p:cxnSp>
+        <p:nvCxnSpPr>
+          <p:cNvPr id="14" name="Straight Arrow Connector 13">
+            <a:extLst>
+              <a:ext uri="{FF2B5EF4-FFF2-40B4-BE49-F238E27FC236}">
+                <a16:creationId xmlns:a16="http://schemas.microsoft.com/office/drawing/2014/main" id="{E9200952-4B7D-4CEC-8E14-14B71485F143}"/>
+              </a:ext>
+            </a:extLst>
+          </p:cNvPr>
+          <p:cNvCxnSpPr>
+            <a:cxnSpLocks/>
+          </p:cNvCxnSpPr>
+          <p:nvPr/>
+        </p:nvCxnSpPr>
+        <p:spPr>
+          <a:xfrm flipH="1">
+            <a:off x="7429465" y="2207978"/>
+            <a:ext cx="245551" cy="302198"/>
+          </a:xfrm>
+          <a:prstGeom prst="straightConnector1">
+            <a:avLst/>
+          </a:prstGeom>
+          <a:ln>
+            <a:tailEnd type="triangle"/>
+          </a:ln>
+        </p:spPr>
+        <p:style>
+          <a:lnRef idx="1">
+            <a:schemeClr val="accent1"/>
+          </a:lnRef>
+          <a:fillRef idx="0">
+            <a:schemeClr val="accent1"/>
+          </a:fillRef>
+          <a:effectRef idx="0">
+            <a:schemeClr val="accent1"/>
+          </a:effectRef>
+          <a:fontRef idx="minor">
+            <a:schemeClr val="tx1"/>
+          </a:fontRef>
+        </p:style>
+      </p:cxnSp>
+      <p:sp>
+        <p:nvSpPr>
+          <p:cNvPr id="16" name="Rectangle 15">
+            <a:extLst>
+              <a:ext uri="{FF2B5EF4-FFF2-40B4-BE49-F238E27FC236}">
+                <a16:creationId xmlns:a16="http://schemas.microsoft.com/office/drawing/2014/main" id="{CEFE7CE2-2F3C-40E2-AB45-98A0E982ED4B}"/>
+              </a:ext>
+            </a:extLst>
+          </p:cNvPr>
+          <p:cNvSpPr/>
+          <p:nvPr/>
+        </p:nvSpPr>
+        <p:spPr>
+          <a:xfrm rot="1106567">
+            <a:off x="6430360" y="4981615"/>
+            <a:ext cx="3648974" cy="245501"/>
+          </a:xfrm>
+          <a:prstGeom prst="rect">
+            <a:avLst/>
+          </a:prstGeom>
+          <a:solidFill>
+            <a:schemeClr val="bg1"/>
+          </a:solidFill>
+          <a:ln>
+            <a:solidFill>
+              <a:schemeClr val="bg1"/>
+            </a:solidFill>
+          </a:ln>
+        </p:spPr>
+        <p:style>
+          <a:lnRef idx="2">
+            <a:schemeClr val="accent1">
+              <a:shade val="50000"/>
+            </a:schemeClr>
+          </a:lnRef>
+          <a:fillRef idx="1">
+            <a:schemeClr val="accent1"/>
+          </a:fillRef>
+          <a:effectRef idx="0">
+            <a:schemeClr val="accent1"/>
+          </a:effectRef>
+          <a:fontRef idx="minor">
+            <a:schemeClr val="lt1"/>
+          </a:fontRef>
+        </p:style>
+        <p:txBody>
+          <a:bodyPr rtlCol="0" anchor="ctr"/>
+          <a:lstStyle/>
+          <a:p>
+            <a:pPr algn="ctr"/>
+            <a:endParaRPr lang="en-US"/>
           </a:p>
         </p:txBody>
       </p:sp>
     </p:spTree>
     <p:extLst>
       <p:ext uri="{BB962C8B-B14F-4D97-AF65-F5344CB8AC3E}">
-        <p14:creationId xmlns:p14="http://schemas.microsoft.com/office/powerpoint/2010/main" val="1546503355"/>
+        <p14:creationId xmlns:p14="http://schemas.microsoft.com/office/powerpoint/2010/main" val="1110922208"/>
       </p:ext>
     </p:extLst>
   </p:cSld>
@@ -5513,61 +5185,259 @@
       </p:grpSpPr>
       <p:sp>
         <p:nvSpPr>
-          <p:cNvPr id="2" name="Title 1">
-            <a:extLst>
-              <a:ext uri="{FF2B5EF4-FFF2-40B4-BE49-F238E27FC236}">
-                <a16:creationId xmlns:a16="http://schemas.microsoft.com/office/drawing/2014/main" id="{767048F2-4991-4622-B5CC-42413E975498}"/>
-              </a:ext>
-            </a:extLst>
-          </p:cNvPr>
+          <p:cNvPr id="3" name="Content Placeholder 2"/>
           <p:cNvSpPr>
             <a:spLocks noGrp="1"/>
           </p:cNvSpPr>
           <p:nvPr>
-            <p:ph type="title"/>
+            <p:ph idx="1"/>
           </p:nvPr>
         </p:nvSpPr>
-        <p:spPr/>
-        <p:txBody>
-          <a:bodyPr/>
-          <a:lstStyle/>
-          <a:p>
-            <a:r>
-              <a:rPr lang="en-US" dirty="0"/>
-              <a:t>How much data do you need for a trend analysis?</a:t>
-            </a:r>
-          </a:p>
-        </p:txBody>
-      </p:sp>
-      <p:sp>
-        <p:nvSpPr>
-          <p:cNvPr id="3" name="Text Placeholder 2">
+        <p:spPr>
+          <a:xfrm>
+            <a:off x="1383934" y="1691061"/>
+            <a:ext cx="9138605" cy="4525963"/>
+          </a:xfrm>
+        </p:spPr>
+        <p:txBody>
+          <a:bodyPr>
+            <a:normAutofit/>
+          </a:bodyPr>
+          <a:lstStyle/>
+          <a:p>
+            <a:pPr marL="457200" lvl="1" indent="0">
+              <a:spcAft>
+                <a:spcPts val="1200"/>
+              </a:spcAft>
+              <a:buNone/>
+            </a:pPr>
+            <a:r>
+              <a:rPr lang="en-US" sz="2800" dirty="0"/>
+              <a:t>Does slope significantly change at time q</a:t>
+            </a:r>
+          </a:p>
+          <a:p>
+            <a:pPr lvl="2">
+              <a:spcAft>
+                <a:spcPts val="1200"/>
+              </a:spcAft>
+            </a:pPr>
+            <a:r>
+              <a:rPr lang="en-US" sz="2800" dirty="0"/>
+              <a:t>Predicted value at time t: </a:t>
+            </a:r>
+            <a:r>
+              <a:rPr lang="en-US" sz="2800" dirty="0" err="1"/>
+              <a:t>Yt</a:t>
+            </a:r>
+            <a:r>
+              <a:rPr lang="en-US" sz="2800" dirty="0"/>
+              <a:t>=</a:t>
+            </a:r>
+            <a:r>
+              <a:rPr lang="en-US" sz="2800" dirty="0" err="1"/>
+              <a:t>exp</a:t>
+            </a:r>
+            <a:r>
+              <a:rPr lang="en-US" sz="2800" dirty="0"/>
+              <a:t>(b+ </a:t>
+            </a:r>
+            <a:r>
+              <a:rPr lang="en-US" sz="2800" dirty="0">
+                <a:solidFill>
+                  <a:srgbClr val="FF0000"/>
+                </a:solidFill>
+              </a:rPr>
+              <a:t>a</a:t>
+            </a:r>
+            <a:r>
+              <a:rPr lang="en-US" sz="2800" dirty="0"/>
+              <a:t>*t + c*z + </a:t>
+            </a:r>
+            <a:r>
+              <a:rPr lang="en-US" sz="2800" dirty="0">
+                <a:solidFill>
+                  <a:srgbClr val="FF0000"/>
+                </a:solidFill>
+              </a:rPr>
+              <a:t>d</a:t>
+            </a:r>
+            <a:r>
+              <a:rPr lang="en-US" sz="2800" dirty="0"/>
+              <a:t>*t*z)</a:t>
+            </a:r>
+          </a:p>
+          <a:p>
+            <a:pPr lvl="2">
+              <a:spcAft>
+                <a:spcPts val="1200"/>
+              </a:spcAft>
+            </a:pPr>
+            <a:r>
+              <a:rPr lang="en-US" sz="2800" dirty="0"/>
+              <a:t>Counterfactual at time t: </a:t>
+            </a:r>
+            <a:r>
+              <a:rPr lang="en-US" sz="2800" dirty="0" err="1"/>
+              <a:t>Yt</a:t>
+            </a:r>
+            <a:r>
+              <a:rPr lang="en-US" sz="2800" dirty="0"/>
+              <a:t>=</a:t>
+            </a:r>
+            <a:r>
+              <a:rPr lang="en-US" sz="2800" dirty="0" err="1"/>
+              <a:t>exp</a:t>
+            </a:r>
+            <a:r>
+              <a:rPr lang="en-US" sz="2800" dirty="0"/>
+              <a:t>(</a:t>
+            </a:r>
+            <a:r>
+              <a:rPr lang="en-US" sz="2800" dirty="0" err="1"/>
+              <a:t>b+</a:t>
+            </a:r>
+            <a:r>
+              <a:rPr lang="en-US" sz="2800" dirty="0" err="1">
+                <a:solidFill>
+                  <a:srgbClr val="FF0000"/>
+                </a:solidFill>
+              </a:rPr>
+              <a:t>a</a:t>
+            </a:r>
+            <a:r>
+              <a:rPr lang="en-US" sz="2800" dirty="0"/>
+              <a:t>*t)</a:t>
+            </a:r>
+          </a:p>
+          <a:p>
+            <a:pPr lvl="3"/>
+            <a:endParaRPr lang="en-US" sz="2800" dirty="0"/>
+          </a:p>
+          <a:p>
+            <a:pPr lvl="2"/>
+            <a:endParaRPr lang="en-US" sz="2800" dirty="0"/>
+          </a:p>
+        </p:txBody>
+      </p:sp>
+      <p:sp>
+        <p:nvSpPr>
+          <p:cNvPr id="4" name="TextBox 3"/>
+          <p:cNvSpPr txBox="1"/>
+          <p:nvPr/>
+        </p:nvSpPr>
+        <p:spPr>
+          <a:xfrm>
+            <a:off x="1828800" y="5622143"/>
+            <a:ext cx="9164077" cy="954107"/>
+          </a:xfrm>
+          <a:prstGeom prst="rect">
+            <a:avLst/>
+          </a:prstGeom>
+          <a:noFill/>
+        </p:spPr>
+        <p:txBody>
+          <a:bodyPr wrap="square" rtlCol="0">
+            <a:spAutoFit/>
+          </a:bodyPr>
+          <a:lstStyle/>
+          <a:p>
+            <a:r>
+              <a:rPr lang="en-US" sz="2800" dirty="0"/>
+              <a:t>Difference or ratio between observed and counterfactual lines gives the “Vaccine impact” (rate ratio or rate difference)</a:t>
+            </a:r>
+          </a:p>
+        </p:txBody>
+      </p:sp>
+      <p:pic>
+        <p:nvPicPr>
+          <p:cNvPr id="5" name="Picture 4"/>
+          <p:cNvPicPr>
+            <a:picLocks noChangeAspect="1"/>
+          </p:cNvPicPr>
+          <p:nvPr/>
+        </p:nvPicPr>
+        <p:blipFill>
+          <a:blip r:embed="rId2"/>
+          <a:stretch>
+            <a:fillRect/>
+          </a:stretch>
+        </p:blipFill>
+        <p:spPr>
+          <a:xfrm>
+            <a:off x="3900161" y="3512818"/>
+            <a:ext cx="4530410" cy="2327265"/>
+          </a:xfrm>
+          <a:prstGeom prst="rect">
+            <a:avLst/>
+          </a:prstGeom>
+        </p:spPr>
+      </p:pic>
+      <p:sp>
+        <p:nvSpPr>
+          <p:cNvPr id="6" name="Title 1">
             <a:extLst>
               <a:ext uri="{FF2B5EF4-FFF2-40B4-BE49-F238E27FC236}">
-                <a16:creationId xmlns:a16="http://schemas.microsoft.com/office/drawing/2014/main" id="{749E8C33-0DE1-458C-933B-17FD85E428EE}"/>
+                <a16:creationId xmlns:a16="http://schemas.microsoft.com/office/drawing/2014/main" id="{B6596CCA-755B-4195-963E-170480D3BAC0}"/>
               </a:ext>
             </a:extLst>
           </p:cNvPr>
-          <p:cNvSpPr>
-            <a:spLocks noGrp="1"/>
+          <p:cNvSpPr txBox="1">
+            <a:spLocks/>
           </p:cNvSpPr>
-          <p:nvPr>
-            <p:ph type="body" idx="1"/>
-          </p:nvPr>
-        </p:nvSpPr>
-        <p:spPr/>
-        <p:txBody>
-          <a:bodyPr/>
-          <a:lstStyle/>
-          <a:p>
-            <a:endParaRPr lang="en-US"/>
+          <p:nvPr/>
+        </p:nvSpPr>
+        <p:spPr>
+          <a:xfrm>
+            <a:off x="1153038" y="272237"/>
+            <a:ext cx="10515600" cy="1325563"/>
+          </a:xfrm>
+          <a:prstGeom prst="rect">
+            <a:avLst/>
+          </a:prstGeom>
+        </p:spPr>
+        <p:txBody>
+          <a:bodyPr vert="horz" lIns="91440" tIns="45720" rIns="91440" bIns="45720" rtlCol="0" anchor="ctr">
+            <a:normAutofit/>
+          </a:bodyPr>
+          <a:lstStyle>
+            <a:lvl1pPr algn="l" defTabSz="914400" rtl="0" eaLnBrk="1" latinLnBrk="0" hangingPunct="1">
+              <a:lnSpc>
+                <a:spcPct val="90000"/>
+              </a:lnSpc>
+              <a:spcBef>
+                <a:spcPct val="0"/>
+              </a:spcBef>
+              <a:buNone/>
+              <a:defRPr sz="4400" kern="1200">
+                <a:solidFill>
+                  <a:schemeClr val="tx1"/>
+                </a:solidFill>
+                <a:latin typeface="+mj-lt"/>
+                <a:ea typeface="+mj-ea"/>
+                <a:cs typeface="+mj-cs"/>
+              </a:defRPr>
+            </a:lvl1pPr>
+          </a:lstStyle>
+          <a:p>
+            <a:br>
+              <a:rPr lang="en-US" b="1" dirty="0"/>
+            </a:br>
+            <a:r>
+              <a:rPr lang="en-US" b="1" dirty="0">
+                <a:solidFill>
+                  <a:srgbClr val="FF0000"/>
+                </a:solidFill>
+              </a:rPr>
+              <a:t>Interrupted time series (ITS)</a:t>
+            </a:r>
           </a:p>
         </p:txBody>
       </p:sp>
     </p:spTree>
     <p:extLst>
       <p:ext uri="{BB962C8B-B14F-4D97-AF65-F5344CB8AC3E}">
-        <p14:creationId xmlns:p14="http://schemas.microsoft.com/office/powerpoint/2010/main" val="683658537"/>
+        <p14:creationId xmlns:p14="http://schemas.microsoft.com/office/powerpoint/2010/main" val="791513396"/>
       </p:ext>
     </p:extLst>
   </p:cSld>
@@ -5596,10 +5466,10 @@
       </p:grpSpPr>
       <p:sp>
         <p:nvSpPr>
-          <p:cNvPr id="4" name="Title 3">
+          <p:cNvPr id="2" name="Title 1">
             <a:extLst>
               <a:ext uri="{FF2B5EF4-FFF2-40B4-BE49-F238E27FC236}">
-                <a16:creationId xmlns:a16="http://schemas.microsoft.com/office/drawing/2014/main" id="{F0946B24-DD18-4D00-A806-8145BCA3677D}"/>
+                <a16:creationId xmlns:a16="http://schemas.microsoft.com/office/drawing/2014/main" id="{74434080-9CD6-4665-92DB-0E6B73A0CEB5}"/>
               </a:ext>
             </a:extLst>
           </p:cNvPr>
@@ -5617,57 +5487,72 @@
           <a:p>
             <a:r>
               <a:rPr lang="en-US" dirty="0"/>
-              <a:t>Ability to detect a vaccine-associated decline</a:t>
-            </a:r>
-          </a:p>
-        </p:txBody>
-      </p:sp>
-      <p:sp>
-        <p:nvSpPr>
-          <p:cNvPr id="5" name="Content Placeholder 4">
+              <a:t>Disjointed ITS</a:t>
+            </a:r>
+          </a:p>
+        </p:txBody>
+      </p:sp>
+      <p:pic>
+        <p:nvPicPr>
+          <p:cNvPr id="4" name="Picture 3">
             <a:extLst>
               <a:ext uri="{FF2B5EF4-FFF2-40B4-BE49-F238E27FC236}">
-                <a16:creationId xmlns:a16="http://schemas.microsoft.com/office/drawing/2014/main" id="{6F7653E2-F14D-4097-B787-006CFC6E6557}"/>
+                <a16:creationId xmlns:a16="http://schemas.microsoft.com/office/drawing/2014/main" id="{59A376ED-BD11-4788-ACA7-69EC00ABB2BB}"/>
               </a:ext>
             </a:extLst>
           </p:cNvPr>
-          <p:cNvSpPr>
-            <a:spLocks noGrp="1"/>
-          </p:cNvSpPr>
-          <p:nvPr>
-            <p:ph idx="1"/>
-          </p:nvPr>
-        </p:nvSpPr>
-        <p:spPr/>
-        <p:txBody>
-          <a:bodyPr/>
+          <p:cNvPicPr>
+            <a:picLocks noChangeAspect="1"/>
+          </p:cNvPicPr>
+          <p:nvPr/>
+        </p:nvPicPr>
+        <p:blipFill>
+          <a:blip r:embed="rId2"/>
+          <a:stretch>
+            <a:fillRect/>
+          </a:stretch>
+        </p:blipFill>
+        <p:spPr>
+          <a:xfrm>
+            <a:off x="2841522" y="2634143"/>
+            <a:ext cx="5781367" cy="4046957"/>
+          </a:xfrm>
+          <a:prstGeom prst="rect">
+            <a:avLst/>
+          </a:prstGeom>
+        </p:spPr>
+      </p:pic>
+      <p:sp>
+        <p:nvSpPr>
+          <p:cNvPr id="5" name="TextBox 4">
+            <a:extLst>
+              <a:ext uri="{FF2B5EF4-FFF2-40B4-BE49-F238E27FC236}">
+                <a16:creationId xmlns:a16="http://schemas.microsoft.com/office/drawing/2014/main" id="{974964F2-9256-459E-BBF9-10A14AFA7438}"/>
+              </a:ext>
+            </a:extLst>
+          </p:cNvPr>
+          <p:cNvSpPr txBox="1"/>
+          <p:nvPr/>
+        </p:nvSpPr>
+        <p:spPr>
+          <a:xfrm>
+            <a:off x="838200" y="2015613"/>
+            <a:ext cx="5113708" cy="369332"/>
+          </a:xfrm>
+          <a:prstGeom prst="rect">
+            <a:avLst/>
+          </a:prstGeom>
+          <a:noFill/>
+        </p:spPr>
+        <p:txBody>
+          <a:bodyPr wrap="none" rtlCol="0">
+            <a:spAutoFit/>
+          </a:bodyPr>
           <a:lstStyle/>
           <a:p>
             <a:r>
               <a:rPr lang="en-US" dirty="0"/>
-              <a:t>Depends on:</a:t>
-            </a:r>
-          </a:p>
-          <a:p>
-            <a:pPr lvl="1"/>
-            <a:r>
-              <a:rPr lang="en-US" dirty="0"/>
-              <a:t>Size of the expected decline (</a:t>
-            </a:r>
-            <a:r>
-              <a:rPr lang="en-US" dirty="0" err="1"/>
-              <a:t>ie</a:t>
-            </a:r>
-            <a:r>
-              <a:rPr lang="en-US" dirty="0"/>
-              <a:t> a 40% decline is easier to see than a 10% decline)</a:t>
-            </a:r>
-          </a:p>
-          <a:p>
-            <a:pPr lvl="1"/>
-            <a:r>
-              <a:rPr lang="en-US" dirty="0"/>
-              <a:t>Amount of unexplained variability in the data</a:t>
+              <a:t>No requirement that the different segments connect</a:t>
             </a:r>
           </a:p>
         </p:txBody>
@@ -5675,7 +5560,7 @@
     </p:spTree>
     <p:extLst>
       <p:ext uri="{BB962C8B-B14F-4D97-AF65-F5344CB8AC3E}">
-        <p14:creationId xmlns:p14="http://schemas.microsoft.com/office/powerpoint/2010/main" val="1805990681"/>
+        <p14:creationId xmlns:p14="http://schemas.microsoft.com/office/powerpoint/2010/main" val="57365223"/>
       </p:ext>
     </p:extLst>
   </p:cSld>
@@ -5707,7 +5592,7 @@
           <p:cNvPr id="2" name="Title 1">
             <a:extLst>
               <a:ext uri="{FF2B5EF4-FFF2-40B4-BE49-F238E27FC236}">
-                <a16:creationId xmlns:a16="http://schemas.microsoft.com/office/drawing/2014/main" id="{E6B5F06E-013E-47B9-85A3-86A1E63F9322}"/>
+                <a16:creationId xmlns:a16="http://schemas.microsoft.com/office/drawing/2014/main" id="{36942CD0-0765-4E62-9FBD-DEE8FEA160BD}"/>
               </a:ext>
             </a:extLst>
           </p:cNvPr>
@@ -5723,16 +5608,19 @@
           <a:bodyPr/>
           <a:lstStyle/>
           <a:p>
-            <a:endParaRPr lang="en-US"/>
-          </a:p>
-        </p:txBody>
-      </p:sp>
-      <p:sp>
-        <p:nvSpPr>
-          <p:cNvPr id="3" name="Text Placeholder 2">
+            <a:r>
+              <a:rPr lang="en-US" dirty="0"/>
+              <a:t>ITS with connected segments</a:t>
+            </a:r>
+          </a:p>
+        </p:txBody>
+      </p:sp>
+      <p:sp>
+        <p:nvSpPr>
+          <p:cNvPr id="3" name="Content Placeholder 2">
             <a:extLst>
               <a:ext uri="{FF2B5EF4-FFF2-40B4-BE49-F238E27FC236}">
-                <a16:creationId xmlns:a16="http://schemas.microsoft.com/office/drawing/2014/main" id="{D8F2859A-67E1-49AD-878C-0E9C7E3B8373}"/>
+                <a16:creationId xmlns:a16="http://schemas.microsoft.com/office/drawing/2014/main" id="{735646D6-E840-4442-A22C-F2CE3CE07827}"/>
               </a:ext>
             </a:extLst>
           </p:cNvPr>
@@ -5740,15 +5628,26 @@
             <a:spLocks noGrp="1"/>
           </p:cNvSpPr>
           <p:nvPr>
-            <p:ph type="body" idx="1"/>
+            <p:ph idx="1"/>
           </p:nvPr>
         </p:nvSpPr>
-        <p:spPr/>
+        <p:spPr>
+          <a:xfrm>
+            <a:off x="838200" y="1501160"/>
+            <a:ext cx="10515600" cy="4351338"/>
+          </a:xfrm>
+        </p:spPr>
         <p:txBody>
           <a:bodyPr/>
           <a:lstStyle/>
           <a:p>
-            <a:endParaRPr lang="en-US"/>
+            <a:pPr marL="0" indent="0">
+              <a:buNone/>
+            </a:pPr>
+            <a:r>
+              <a:rPr lang="en-US" dirty="0"/>
+              <a:t> Requires the segments to connect</a:t>
+            </a:r>
           </a:p>
         </p:txBody>
       </p:sp>
@@ -5757,7 +5656,7 @@
           <p:cNvPr id="4" name="Picture 3">
             <a:extLst>
               <a:ext uri="{FF2B5EF4-FFF2-40B4-BE49-F238E27FC236}">
-                <a16:creationId xmlns:a16="http://schemas.microsoft.com/office/drawing/2014/main" id="{2B4F8F92-9778-43FE-AE59-DC9A576138B4}"/>
+                <a16:creationId xmlns:a16="http://schemas.microsoft.com/office/drawing/2014/main" id="{B3B4F8D3-2106-4D8F-A5AE-1F6140BCDFD9}"/>
               </a:ext>
             </a:extLst>
           </p:cNvPr>
@@ -5774,53 +5673,18 @@
         </p:blipFill>
         <p:spPr>
           <a:xfrm>
-            <a:off x="701368" y="1406013"/>
-            <a:ext cx="11195665" cy="4198374"/>
+            <a:off x="2389239" y="1982675"/>
+            <a:ext cx="6697874" cy="4688512"/>
           </a:xfrm>
           <a:prstGeom prst="rect">
             <a:avLst/>
           </a:prstGeom>
         </p:spPr>
       </p:pic>
-      <p:sp>
-        <p:nvSpPr>
-          <p:cNvPr id="5" name="TextBox 4">
-            <a:extLst>
-              <a:ext uri="{FF2B5EF4-FFF2-40B4-BE49-F238E27FC236}">
-                <a16:creationId xmlns:a16="http://schemas.microsoft.com/office/drawing/2014/main" id="{D18035FD-031E-41ED-9DFB-56505D7FDD3E}"/>
-              </a:ext>
-            </a:extLst>
-          </p:cNvPr>
-          <p:cNvSpPr txBox="1"/>
-          <p:nvPr/>
-        </p:nvSpPr>
-        <p:spPr>
-          <a:xfrm rot="16200000">
-            <a:off x="-1102426" y="3157268"/>
-            <a:ext cx="3107774" cy="369332"/>
-          </a:xfrm>
-          <a:prstGeom prst="rect">
-            <a:avLst/>
-          </a:prstGeom>
-          <a:noFill/>
-        </p:spPr>
-        <p:txBody>
-          <a:bodyPr wrap="none" rtlCol="0">
-            <a:spAutoFit/>
-          </a:bodyPr>
-          <a:lstStyle/>
-          <a:p>
-            <a:r>
-              <a:rPr lang="en-US" dirty="0"/>
-              <a:t>Pneumonia hospitalizations (N)</a:t>
-            </a:r>
-          </a:p>
-        </p:txBody>
-      </p:sp>
     </p:spTree>
     <p:extLst>
       <p:ext uri="{BB962C8B-B14F-4D97-AF65-F5344CB8AC3E}">
-        <p14:creationId xmlns:p14="http://schemas.microsoft.com/office/powerpoint/2010/main" val="3579384242"/>
+        <p14:creationId xmlns:p14="http://schemas.microsoft.com/office/powerpoint/2010/main" val="2573776802"/>
       </p:ext>
     </p:extLst>
   </p:cSld>
@@ -5852,6 +5716,1112 @@
           <p:cNvPr id="2" name="Title 1">
             <a:extLst>
               <a:ext uri="{FF2B5EF4-FFF2-40B4-BE49-F238E27FC236}">
+                <a16:creationId xmlns:a16="http://schemas.microsoft.com/office/drawing/2014/main" id="{340E8FA5-5A92-45A6-AEFC-D8D4C30F16DB}"/>
+              </a:ext>
+            </a:extLst>
+          </p:cNvPr>
+          <p:cNvSpPr>
+            <a:spLocks noGrp="1"/>
+          </p:cNvSpPr>
+          <p:nvPr>
+            <p:ph type="title"/>
+          </p:nvPr>
+        </p:nvSpPr>
+        <p:spPr/>
+        <p:txBody>
+          <a:bodyPr/>
+          <a:lstStyle/>
+          <a:p>
+            <a:r>
+              <a:rPr lang="en-US" dirty="0"/>
+              <a:t>ITS with leveling of the slope</a:t>
+            </a:r>
+          </a:p>
+        </p:txBody>
+      </p:sp>
+      <p:sp>
+        <p:nvSpPr>
+          <p:cNvPr id="3" name="Content Placeholder 2">
+            <a:extLst>
+              <a:ext uri="{FF2B5EF4-FFF2-40B4-BE49-F238E27FC236}">
+                <a16:creationId xmlns:a16="http://schemas.microsoft.com/office/drawing/2014/main" id="{448397E7-EF3A-4868-9BE3-0C0E9872F633}"/>
+              </a:ext>
+            </a:extLst>
+          </p:cNvPr>
+          <p:cNvSpPr>
+            <a:spLocks noGrp="1"/>
+          </p:cNvSpPr>
+          <p:nvPr>
+            <p:ph idx="1"/>
+          </p:nvPr>
+        </p:nvSpPr>
+        <p:spPr>
+          <a:xfrm>
+            <a:off x="395748" y="1690688"/>
+            <a:ext cx="10515600" cy="4351338"/>
+          </a:xfrm>
+        </p:spPr>
+        <p:txBody>
+          <a:bodyPr/>
+          <a:lstStyle/>
+          <a:p>
+            <a:r>
+              <a:rPr lang="en-US" dirty="0"/>
+              <a:t>Requires segments to be connected, and assumes changes will stabilize after a specified amount of time</a:t>
+            </a:r>
+          </a:p>
+        </p:txBody>
+      </p:sp>
+      <p:pic>
+        <p:nvPicPr>
+          <p:cNvPr id="4" name="Picture 3">
+            <a:extLst>
+              <a:ext uri="{FF2B5EF4-FFF2-40B4-BE49-F238E27FC236}">
+                <a16:creationId xmlns:a16="http://schemas.microsoft.com/office/drawing/2014/main" id="{7BF18DD5-2ADA-4515-8A65-DD3513D3CDA3}"/>
+              </a:ext>
+            </a:extLst>
+          </p:cNvPr>
+          <p:cNvPicPr>
+            <a:picLocks noChangeAspect="1"/>
+          </p:cNvPicPr>
+          <p:nvPr/>
+        </p:nvPicPr>
+        <p:blipFill>
+          <a:blip r:embed="rId2"/>
+          <a:stretch>
+            <a:fillRect/>
+          </a:stretch>
+        </p:blipFill>
+        <p:spPr>
+          <a:xfrm>
+            <a:off x="3297669" y="2930070"/>
+            <a:ext cx="5596661" cy="3917663"/>
+          </a:xfrm>
+          <a:prstGeom prst="rect">
+            <a:avLst/>
+          </a:prstGeom>
+        </p:spPr>
+      </p:pic>
+    </p:spTree>
+    <p:extLst>
+      <p:ext uri="{BB962C8B-B14F-4D97-AF65-F5344CB8AC3E}">
+        <p14:creationId xmlns:p14="http://schemas.microsoft.com/office/powerpoint/2010/main" val="3478445148"/>
+      </p:ext>
+    </p:extLst>
+  </p:cSld>
+  <p:clrMapOvr>
+    <a:masterClrMapping/>
+  </p:clrMapOvr>
+</p:sld>
+</file>
+
+<file path=ppt/slides/slide18.xml><?xml version="1.0" encoding="utf-8"?>
+<p:sld xmlns:a="http://schemas.openxmlformats.org/drawingml/2006/main" xmlns:r="http://schemas.openxmlformats.org/officeDocument/2006/relationships" xmlns:p="http://schemas.openxmlformats.org/presentationml/2006/main">
+  <p:cSld>
+    <p:spTree>
+      <p:nvGrpSpPr>
+        <p:cNvPr id="1" name=""/>
+        <p:cNvGrpSpPr/>
+        <p:nvPr/>
+      </p:nvGrpSpPr>
+      <p:grpSpPr>
+        <a:xfrm>
+          <a:off x="0" y="0"/>
+          <a:ext cx="0" cy="0"/>
+          <a:chOff x="0" y="0"/>
+          <a:chExt cx="0" cy="0"/>
+        </a:xfrm>
+      </p:grpSpPr>
+      <p:sp>
+        <p:nvSpPr>
+          <p:cNvPr id="2" name="Title 1">
+            <a:extLst>
+              <a:ext uri="{FF2B5EF4-FFF2-40B4-BE49-F238E27FC236}">
+                <a16:creationId xmlns:a16="http://schemas.microsoft.com/office/drawing/2014/main" id="{750C6ABF-7E19-44DE-89C4-CA29B532F5BA}"/>
+              </a:ext>
+            </a:extLst>
+          </p:cNvPr>
+          <p:cNvSpPr>
+            <a:spLocks noGrp="1"/>
+          </p:cNvSpPr>
+          <p:nvPr>
+            <p:ph type="title"/>
+          </p:nvPr>
+        </p:nvSpPr>
+        <p:spPr/>
+        <p:txBody>
+          <a:bodyPr/>
+          <a:lstStyle/>
+          <a:p>
+            <a:r>
+              <a:rPr lang="en-US" dirty="0"/>
+              <a:t>How much do these different assumptions matter?</a:t>
+            </a:r>
+          </a:p>
+        </p:txBody>
+      </p:sp>
+      <p:sp>
+        <p:nvSpPr>
+          <p:cNvPr id="3" name="Content Placeholder 2">
+            <a:extLst>
+              <a:ext uri="{FF2B5EF4-FFF2-40B4-BE49-F238E27FC236}">
+                <a16:creationId xmlns:a16="http://schemas.microsoft.com/office/drawing/2014/main" id="{08E564EE-A636-415E-B656-DCE16372481D}"/>
+              </a:ext>
+            </a:extLst>
+          </p:cNvPr>
+          <p:cNvSpPr>
+            <a:spLocks noGrp="1"/>
+          </p:cNvSpPr>
+          <p:nvPr>
+            <p:ph idx="1"/>
+          </p:nvPr>
+        </p:nvSpPr>
+        <p:spPr/>
+        <p:txBody>
+          <a:bodyPr/>
+          <a:lstStyle/>
+          <a:p>
+            <a:pPr marL="0" indent="0">
+              <a:buNone/>
+            </a:pPr>
+            <a:r>
+              <a:rPr lang="en-US" dirty="0"/>
+              <a:t>-It depends on the dataset</a:t>
+            </a:r>
+          </a:p>
+          <a:p>
+            <a:pPr marL="0" indent="0">
+              <a:buNone/>
+            </a:pPr>
+            <a:r>
+              <a:rPr lang="en-US" dirty="0"/>
+              <a:t>-Pre/post is almost always wrong</a:t>
+            </a:r>
+          </a:p>
+        </p:txBody>
+      </p:sp>
+      <p:pic>
+        <p:nvPicPr>
+          <p:cNvPr id="5" name="Picture 4">
+            <a:extLst>
+              <a:ext uri="{FF2B5EF4-FFF2-40B4-BE49-F238E27FC236}">
+                <a16:creationId xmlns:a16="http://schemas.microsoft.com/office/drawing/2014/main" id="{4515498F-BFB5-45DC-BB76-467FF6E38C1C}"/>
+              </a:ext>
+            </a:extLst>
+          </p:cNvPr>
+          <p:cNvPicPr>
+            <a:picLocks noChangeAspect="1"/>
+          </p:cNvPicPr>
+          <p:nvPr/>
+        </p:nvPicPr>
+        <p:blipFill>
+          <a:blip r:embed="rId2"/>
+          <a:stretch>
+            <a:fillRect/>
+          </a:stretch>
+        </p:blipFill>
+        <p:spPr>
+          <a:xfrm>
+            <a:off x="88490" y="2738720"/>
+            <a:ext cx="11769371" cy="4119280"/>
+          </a:xfrm>
+          <a:prstGeom prst="rect">
+            <a:avLst/>
+          </a:prstGeom>
+        </p:spPr>
+      </p:pic>
+    </p:spTree>
+    <p:extLst>
+      <p:ext uri="{BB962C8B-B14F-4D97-AF65-F5344CB8AC3E}">
+        <p14:creationId xmlns:p14="http://schemas.microsoft.com/office/powerpoint/2010/main" val="3279029117"/>
+      </p:ext>
+    </p:extLst>
+  </p:cSld>
+  <p:clrMapOvr>
+    <a:masterClrMapping/>
+  </p:clrMapOvr>
+</p:sld>
+</file>
+
+<file path=ppt/slides/slide19.xml><?xml version="1.0" encoding="utf-8"?>
+<p:sld xmlns:a="http://schemas.openxmlformats.org/drawingml/2006/main" xmlns:r="http://schemas.openxmlformats.org/officeDocument/2006/relationships" xmlns:p="http://schemas.openxmlformats.org/presentationml/2006/main">
+  <p:cSld>
+    <p:spTree>
+      <p:nvGrpSpPr>
+        <p:cNvPr id="1" name=""/>
+        <p:cNvGrpSpPr/>
+        <p:nvPr/>
+      </p:nvGrpSpPr>
+      <p:grpSpPr>
+        <a:xfrm>
+          <a:off x="0" y="0"/>
+          <a:ext cx="0" cy="0"/>
+          <a:chOff x="0" y="0"/>
+          <a:chExt cx="0" cy="0"/>
+        </a:xfrm>
+      </p:grpSpPr>
+      <p:sp>
+        <p:nvSpPr>
+          <p:cNvPr id="5" name="Rounded Rectangle 4"/>
+          <p:cNvSpPr/>
+          <p:nvPr/>
+        </p:nvSpPr>
+        <p:spPr>
+          <a:xfrm>
+            <a:off x="6826104" y="1524000"/>
+            <a:ext cx="4827182" cy="4125433"/>
+          </a:xfrm>
+          <a:prstGeom prst="roundRect">
+            <a:avLst>
+              <a:gd name="adj" fmla="val 10402"/>
+            </a:avLst>
+          </a:prstGeom>
+          <a:solidFill>
+            <a:schemeClr val="accent1">
+              <a:lumMod val="20000"/>
+              <a:lumOff val="80000"/>
+            </a:schemeClr>
+          </a:solidFill>
+          <a:ln w="57150">
+            <a:solidFill>
+              <a:schemeClr val="accent1">
+                <a:lumMod val="50000"/>
+              </a:schemeClr>
+            </a:solidFill>
+          </a:ln>
+        </p:spPr>
+        <p:style>
+          <a:lnRef idx="2">
+            <a:schemeClr val="accent1">
+              <a:shade val="50000"/>
+            </a:schemeClr>
+          </a:lnRef>
+          <a:fillRef idx="1">
+            <a:schemeClr val="accent1"/>
+          </a:fillRef>
+          <a:effectRef idx="0">
+            <a:schemeClr val="accent1"/>
+          </a:effectRef>
+          <a:fontRef idx="minor">
+            <a:schemeClr val="lt1"/>
+          </a:fontRef>
+        </p:style>
+        <p:txBody>
+          <a:bodyPr rtlCol="0" anchor="ctr"/>
+          <a:lstStyle/>
+          <a:p>
+            <a:pPr algn="ctr"/>
+            <a:endParaRPr lang="en-US"/>
+          </a:p>
+        </p:txBody>
+      </p:sp>
+      <p:sp>
+        <p:nvSpPr>
+          <p:cNvPr id="2" name="Title 1"/>
+          <p:cNvSpPr>
+            <a:spLocks noGrp="1"/>
+          </p:cNvSpPr>
+          <p:nvPr>
+            <p:ph type="title"/>
+          </p:nvPr>
+        </p:nvSpPr>
+        <p:spPr>
+          <a:xfrm>
+            <a:off x="0" y="381000"/>
+            <a:ext cx="12192000" cy="1143000"/>
+          </a:xfrm>
+        </p:spPr>
+        <p:txBody>
+          <a:bodyPr>
+            <a:noAutofit/>
+          </a:bodyPr>
+          <a:lstStyle/>
+          <a:p>
+            <a:r>
+              <a:rPr lang="en-US" sz="3600" b="1" dirty="0"/>
+              <a:t>Steps for evaluating performing interrupted time series analysis</a:t>
+            </a:r>
+          </a:p>
+        </p:txBody>
+      </p:sp>
+      <p:sp>
+        <p:nvSpPr>
+          <p:cNvPr id="3" name="Content Placeholder 2"/>
+          <p:cNvSpPr>
+            <a:spLocks noGrp="1"/>
+          </p:cNvSpPr>
+          <p:nvPr>
+            <p:ph idx="1"/>
+          </p:nvPr>
+        </p:nvSpPr>
+        <p:spPr>
+          <a:xfrm>
+            <a:off x="407583" y="1524000"/>
+            <a:ext cx="6173970" cy="4249478"/>
+          </a:xfrm>
+        </p:spPr>
+        <p:txBody>
+          <a:bodyPr>
+            <a:noAutofit/>
+          </a:bodyPr>
+          <a:lstStyle/>
+          <a:p>
+            <a:pPr marL="514350" indent="-514350">
+              <a:buFont typeface="+mj-lt"/>
+              <a:buAutoNum type="arabicPeriod"/>
+            </a:pPr>
+            <a:r>
+              <a:rPr lang="en-US" dirty="0"/>
+              <a:t>Define “baseline”, transition periods </a:t>
+            </a:r>
+          </a:p>
+          <a:p>
+            <a:pPr marL="514350" indent="-514350">
+              <a:buFont typeface="+mj-lt"/>
+              <a:buAutoNum type="arabicPeriod"/>
+            </a:pPr>
+            <a:r>
+              <a:rPr lang="en-US" dirty="0"/>
+              <a:t>Determine whether there are any trends or patterns in the baseline period</a:t>
+            </a:r>
+          </a:p>
+          <a:p>
+            <a:pPr lvl="1"/>
+            <a:r>
+              <a:rPr lang="en-US" sz="2800" dirty="0"/>
+              <a:t>Seasonality, </a:t>
+            </a:r>
+            <a:r>
+              <a:rPr lang="en-US" sz="2800" dirty="0" err="1"/>
+              <a:t>etc</a:t>
+            </a:r>
+            <a:endParaRPr lang="en-US" sz="2800" dirty="0"/>
+          </a:p>
+          <a:p>
+            <a:pPr marL="514350" indent="-514350">
+              <a:buFont typeface="+mj-lt"/>
+              <a:buAutoNum type="arabicPeriod"/>
+            </a:pPr>
+            <a:r>
+              <a:rPr lang="en-US" dirty="0"/>
+              <a:t>Fit a model to your baseline data using regression</a:t>
+            </a:r>
+          </a:p>
+          <a:p>
+            <a:pPr lvl="1"/>
+            <a:r>
+              <a:rPr lang="en-US" sz="2800" dirty="0"/>
+              <a:t>Be wary of over-fitting (use AIC)</a:t>
+            </a:r>
+          </a:p>
+          <a:p>
+            <a:pPr marL="514350" indent="-514350">
+              <a:buFont typeface="+mj-lt"/>
+              <a:buAutoNum type="arabicPeriod"/>
+            </a:pPr>
+            <a:r>
+              <a:rPr lang="en-US" dirty="0"/>
+              <a:t>Evaluate model parameters </a:t>
+            </a:r>
+          </a:p>
+          <a:p>
+            <a:pPr marL="514350" indent="-514350">
+              <a:buFont typeface="+mj-lt"/>
+              <a:buAutoNum type="arabicPeriod"/>
+            </a:pPr>
+            <a:r>
+              <a:rPr lang="en-US" dirty="0"/>
+              <a:t>Compare fitted with counterfactual values to estimate impact</a:t>
+            </a:r>
+          </a:p>
+        </p:txBody>
+      </p:sp>
+      <p:sp>
+        <p:nvSpPr>
+          <p:cNvPr id="4" name="TextBox 3"/>
+          <p:cNvSpPr txBox="1"/>
+          <p:nvPr/>
+        </p:nvSpPr>
+        <p:spPr>
+          <a:xfrm>
+            <a:off x="7070652" y="1846523"/>
+            <a:ext cx="4497571" cy="3579441"/>
+          </a:xfrm>
+          <a:prstGeom prst="rect">
+            <a:avLst/>
+          </a:prstGeom>
+          <a:noFill/>
+        </p:spPr>
+        <p:txBody>
+          <a:bodyPr wrap="square" rtlCol="0">
+            <a:spAutoFit/>
+          </a:bodyPr>
+          <a:lstStyle/>
+          <a:p>
+            <a:pPr lvl="0">
+              <a:lnSpc>
+                <a:spcPct val="90000"/>
+              </a:lnSpc>
+              <a:spcBef>
+                <a:spcPts val="1000"/>
+              </a:spcBef>
+            </a:pPr>
+            <a:r>
+              <a:rPr lang="en-US" sz="2800" dirty="0">
+                <a:solidFill>
+                  <a:prstClr val="black"/>
+                </a:solidFill>
+              </a:rPr>
+              <a:t>THINK ABOUT WHAT COULD GO WRONG:</a:t>
+            </a:r>
+          </a:p>
+          <a:p>
+            <a:pPr marL="228600" lvl="0" indent="-228600">
+              <a:lnSpc>
+                <a:spcPct val="90000"/>
+              </a:lnSpc>
+              <a:spcBef>
+                <a:spcPts val="1000"/>
+              </a:spcBef>
+              <a:buFont typeface="Arial" panose="020B0604020202020204" pitchFamily="34" charset="0"/>
+              <a:buChar char="•"/>
+            </a:pPr>
+            <a:r>
+              <a:rPr lang="en-US" sz="2800" dirty="0">
+                <a:solidFill>
+                  <a:prstClr val="black"/>
+                </a:solidFill>
+              </a:rPr>
+              <a:t>Identify controls!</a:t>
+            </a:r>
+          </a:p>
+          <a:p>
+            <a:pPr marL="228600" lvl="0" indent="-228600">
+              <a:lnSpc>
+                <a:spcPct val="90000"/>
+              </a:lnSpc>
+              <a:spcBef>
+                <a:spcPts val="1000"/>
+              </a:spcBef>
+              <a:buFont typeface="Arial" panose="020B0604020202020204" pitchFamily="34" charset="0"/>
+              <a:buChar char="•"/>
+            </a:pPr>
+            <a:r>
+              <a:rPr lang="en-US" sz="2800" dirty="0">
+                <a:solidFill>
+                  <a:prstClr val="black"/>
+                </a:solidFill>
+              </a:rPr>
+              <a:t>Do sensitivity analyses! </a:t>
+            </a:r>
+          </a:p>
+          <a:p>
+            <a:pPr marL="685800" lvl="1" indent="-228600">
+              <a:lnSpc>
+                <a:spcPct val="90000"/>
+              </a:lnSpc>
+              <a:spcBef>
+                <a:spcPts val="1000"/>
+              </a:spcBef>
+              <a:buFont typeface="Arial" panose="020B0604020202020204" pitchFamily="34" charset="0"/>
+              <a:buChar char="•"/>
+            </a:pPr>
+            <a:r>
+              <a:rPr lang="en-US" sz="2800" dirty="0">
+                <a:solidFill>
+                  <a:prstClr val="black"/>
+                </a:solidFill>
+              </a:rPr>
+              <a:t>i.e., leave out one season at a time; try different intervention times</a:t>
+            </a:r>
+          </a:p>
+        </p:txBody>
+      </p:sp>
+    </p:spTree>
+    <p:extLst>
+      <p:ext uri="{BB962C8B-B14F-4D97-AF65-F5344CB8AC3E}">
+        <p14:creationId xmlns:p14="http://schemas.microsoft.com/office/powerpoint/2010/main" val="2173795587"/>
+      </p:ext>
+    </p:extLst>
+  </p:cSld>
+  <p:clrMapOvr>
+    <a:masterClrMapping/>
+  </p:clrMapOvr>
+</p:sld>
+</file>
+
+<file path=ppt/slides/slide2.xml><?xml version="1.0" encoding="utf-8"?>
+<p:sld xmlns:a="http://schemas.openxmlformats.org/drawingml/2006/main" xmlns:r="http://schemas.openxmlformats.org/officeDocument/2006/relationships" xmlns:p="http://schemas.openxmlformats.org/presentationml/2006/main">
+  <p:cSld>
+    <p:spTree>
+      <p:nvGrpSpPr>
+        <p:cNvPr id="1" name=""/>
+        <p:cNvGrpSpPr/>
+        <p:nvPr/>
+      </p:nvGrpSpPr>
+      <p:grpSpPr>
+        <a:xfrm>
+          <a:off x="0" y="0"/>
+          <a:ext cx="0" cy="0"/>
+          <a:chOff x="0" y="0"/>
+          <a:chExt cx="0" cy="0"/>
+        </a:xfrm>
+      </p:grpSpPr>
+      <p:sp>
+        <p:nvSpPr>
+          <p:cNvPr id="2" name="Title 1">
+            <a:extLst>
+              <a:ext uri="{FF2B5EF4-FFF2-40B4-BE49-F238E27FC236}">
+                <a16:creationId xmlns:a16="http://schemas.microsoft.com/office/drawing/2014/main" id="{4B4DC58A-6038-4BCE-958D-8A4BB47190E7}"/>
+              </a:ext>
+            </a:extLst>
+          </p:cNvPr>
+          <p:cNvSpPr>
+            <a:spLocks noGrp="1"/>
+          </p:cNvSpPr>
+          <p:nvPr>
+            <p:ph type="title"/>
+          </p:nvPr>
+        </p:nvSpPr>
+        <p:spPr/>
+        <p:txBody>
+          <a:bodyPr/>
+          <a:lstStyle/>
+          <a:p>
+            <a:r>
+              <a:rPr lang="en-US" dirty="0"/>
+              <a:t>In this video</a:t>
+            </a:r>
+          </a:p>
+        </p:txBody>
+      </p:sp>
+      <p:sp>
+        <p:nvSpPr>
+          <p:cNvPr id="3" name="Content Placeholder 2">
+            <a:extLst>
+              <a:ext uri="{FF2B5EF4-FFF2-40B4-BE49-F238E27FC236}">
+                <a16:creationId xmlns:a16="http://schemas.microsoft.com/office/drawing/2014/main" id="{0BEFD80B-F3FC-46CB-BEE8-B85DB068654D}"/>
+              </a:ext>
+            </a:extLst>
+          </p:cNvPr>
+          <p:cNvSpPr>
+            <a:spLocks noGrp="1"/>
+          </p:cNvSpPr>
+          <p:nvPr>
+            <p:ph idx="1"/>
+          </p:nvPr>
+        </p:nvSpPr>
+        <p:spPr/>
+        <p:txBody>
+          <a:bodyPr/>
+          <a:lstStyle/>
+          <a:p>
+            <a:r>
+              <a:rPr lang="en-US" dirty="0"/>
+              <a:t>Trend analysis and building simple regression models</a:t>
+            </a:r>
+          </a:p>
+          <a:p>
+            <a:r>
+              <a:rPr lang="en-US" dirty="0"/>
+              <a:t>Interrupted time series analysis</a:t>
+            </a:r>
+          </a:p>
+          <a:p>
+            <a:r>
+              <a:rPr lang="en-US" dirty="0"/>
+              <a:t>How much data do you need to do this type of analysis?</a:t>
+            </a:r>
+          </a:p>
+        </p:txBody>
+      </p:sp>
+    </p:spTree>
+    <p:extLst>
+      <p:ext uri="{BB962C8B-B14F-4D97-AF65-F5344CB8AC3E}">
+        <p14:creationId xmlns:p14="http://schemas.microsoft.com/office/powerpoint/2010/main" val="462418555"/>
+      </p:ext>
+    </p:extLst>
+  </p:cSld>
+  <p:clrMapOvr>
+    <a:masterClrMapping/>
+  </p:clrMapOvr>
+</p:sld>
+</file>
+
+<file path=ppt/slides/slide20.xml><?xml version="1.0" encoding="utf-8"?>
+<p:sld xmlns:a="http://schemas.openxmlformats.org/drawingml/2006/main" xmlns:r="http://schemas.openxmlformats.org/officeDocument/2006/relationships" xmlns:p="http://schemas.openxmlformats.org/presentationml/2006/main">
+  <p:cSld>
+    <p:spTree>
+      <p:nvGrpSpPr>
+        <p:cNvPr id="1" name=""/>
+        <p:cNvGrpSpPr/>
+        <p:nvPr/>
+      </p:nvGrpSpPr>
+      <p:grpSpPr>
+        <a:xfrm>
+          <a:off x="0" y="0"/>
+          <a:ext cx="0" cy="0"/>
+          <a:chOff x="0" y="0"/>
+          <a:chExt cx="0" cy="0"/>
+        </a:xfrm>
+      </p:grpSpPr>
+      <p:sp>
+        <p:nvSpPr>
+          <p:cNvPr id="2" name="Title 1"/>
+          <p:cNvSpPr>
+            <a:spLocks noGrp="1"/>
+          </p:cNvSpPr>
+          <p:nvPr>
+            <p:ph type="title"/>
+          </p:nvPr>
+        </p:nvSpPr>
+        <p:spPr/>
+        <p:txBody>
+          <a:bodyPr/>
+          <a:lstStyle/>
+          <a:p>
+            <a:r>
+              <a:rPr lang="en-US" b="1" dirty="0">
+                <a:solidFill>
+                  <a:srgbClr val="FF0000"/>
+                </a:solidFill>
+              </a:rPr>
+              <a:t>Sensitivity analyses </a:t>
+            </a:r>
+            <a:r>
+              <a:rPr lang="en-US" b="1" dirty="0"/>
+              <a:t>you should consider</a:t>
+            </a:r>
+          </a:p>
+        </p:txBody>
+      </p:sp>
+      <p:sp>
+        <p:nvSpPr>
+          <p:cNvPr id="3" name="Content Placeholder 2"/>
+          <p:cNvSpPr>
+            <a:spLocks noGrp="1"/>
+          </p:cNvSpPr>
+          <p:nvPr>
+            <p:ph idx="1"/>
+          </p:nvPr>
+        </p:nvSpPr>
+        <p:spPr>
+          <a:xfrm>
+            <a:off x="480471" y="1791647"/>
+            <a:ext cx="11461897" cy="4702766"/>
+          </a:xfrm>
+        </p:spPr>
+        <p:txBody>
+          <a:bodyPr>
+            <a:normAutofit/>
+          </a:bodyPr>
+          <a:lstStyle/>
+          <a:p>
+            <a:pPr>
+              <a:spcAft>
+                <a:spcPts val="1200"/>
+              </a:spcAft>
+            </a:pPr>
+            <a:r>
+              <a:rPr lang="en-US" dirty="0"/>
+              <a:t>Never trust your main analyses without “pressure testing” it</a:t>
+            </a:r>
+          </a:p>
+          <a:p>
+            <a:pPr>
+              <a:spcAft>
+                <a:spcPts val="1200"/>
+              </a:spcAft>
+            </a:pPr>
+            <a:r>
+              <a:rPr lang="en-US" dirty="0"/>
+              <a:t>Try different intervention dates—how does it influence your estimate?</a:t>
+            </a:r>
+          </a:p>
+          <a:p>
+            <a:pPr>
+              <a:spcAft>
+                <a:spcPts val="1200"/>
+              </a:spcAft>
+            </a:pPr>
+            <a:r>
+              <a:rPr lang="en-US" dirty="0"/>
+              <a:t>Leaving out different seasons when fitting, see if it changes the answer</a:t>
+            </a:r>
+          </a:p>
+        </p:txBody>
+      </p:sp>
+    </p:spTree>
+    <p:extLst>
+      <p:ext uri="{BB962C8B-B14F-4D97-AF65-F5344CB8AC3E}">
+        <p14:creationId xmlns:p14="http://schemas.microsoft.com/office/powerpoint/2010/main" val="1546503355"/>
+      </p:ext>
+    </p:extLst>
+  </p:cSld>
+  <p:clrMapOvr>
+    <a:masterClrMapping/>
+  </p:clrMapOvr>
+</p:sld>
+</file>
+
+<file path=ppt/slides/slide21.xml><?xml version="1.0" encoding="utf-8"?>
+<p:sld xmlns:a="http://schemas.openxmlformats.org/drawingml/2006/main" xmlns:r="http://schemas.openxmlformats.org/officeDocument/2006/relationships" xmlns:p="http://schemas.openxmlformats.org/presentationml/2006/main">
+  <p:cSld>
+    <p:spTree>
+      <p:nvGrpSpPr>
+        <p:cNvPr id="1" name=""/>
+        <p:cNvGrpSpPr/>
+        <p:nvPr/>
+      </p:nvGrpSpPr>
+      <p:grpSpPr>
+        <a:xfrm>
+          <a:off x="0" y="0"/>
+          <a:ext cx="0" cy="0"/>
+          <a:chOff x="0" y="0"/>
+          <a:chExt cx="0" cy="0"/>
+        </a:xfrm>
+      </p:grpSpPr>
+      <p:sp>
+        <p:nvSpPr>
+          <p:cNvPr id="2" name="Title 1">
+            <a:extLst>
+              <a:ext uri="{FF2B5EF4-FFF2-40B4-BE49-F238E27FC236}">
+                <a16:creationId xmlns:a16="http://schemas.microsoft.com/office/drawing/2014/main" id="{767048F2-4991-4622-B5CC-42413E975498}"/>
+              </a:ext>
+            </a:extLst>
+          </p:cNvPr>
+          <p:cNvSpPr>
+            <a:spLocks noGrp="1"/>
+          </p:cNvSpPr>
+          <p:nvPr>
+            <p:ph type="title"/>
+          </p:nvPr>
+        </p:nvSpPr>
+        <p:spPr/>
+        <p:txBody>
+          <a:bodyPr/>
+          <a:lstStyle/>
+          <a:p>
+            <a:r>
+              <a:rPr lang="en-US" dirty="0"/>
+              <a:t>How much data do you need for a trend analysis?</a:t>
+            </a:r>
+          </a:p>
+        </p:txBody>
+      </p:sp>
+      <p:sp>
+        <p:nvSpPr>
+          <p:cNvPr id="3" name="Text Placeholder 2">
+            <a:extLst>
+              <a:ext uri="{FF2B5EF4-FFF2-40B4-BE49-F238E27FC236}">
+                <a16:creationId xmlns:a16="http://schemas.microsoft.com/office/drawing/2014/main" id="{749E8C33-0DE1-458C-933B-17FD85E428EE}"/>
+              </a:ext>
+            </a:extLst>
+          </p:cNvPr>
+          <p:cNvSpPr>
+            <a:spLocks noGrp="1"/>
+          </p:cNvSpPr>
+          <p:nvPr>
+            <p:ph type="body" idx="1"/>
+          </p:nvPr>
+        </p:nvSpPr>
+        <p:spPr/>
+        <p:txBody>
+          <a:bodyPr/>
+          <a:lstStyle/>
+          <a:p>
+            <a:endParaRPr lang="en-US"/>
+          </a:p>
+        </p:txBody>
+      </p:sp>
+    </p:spTree>
+    <p:extLst>
+      <p:ext uri="{BB962C8B-B14F-4D97-AF65-F5344CB8AC3E}">
+        <p14:creationId xmlns:p14="http://schemas.microsoft.com/office/powerpoint/2010/main" val="683658537"/>
+      </p:ext>
+    </p:extLst>
+  </p:cSld>
+  <p:clrMapOvr>
+    <a:masterClrMapping/>
+  </p:clrMapOvr>
+</p:sld>
+</file>
+
+<file path=ppt/slides/slide22.xml><?xml version="1.0" encoding="utf-8"?>
+<p:sld xmlns:a="http://schemas.openxmlformats.org/drawingml/2006/main" xmlns:r="http://schemas.openxmlformats.org/officeDocument/2006/relationships" xmlns:p="http://schemas.openxmlformats.org/presentationml/2006/main">
+  <p:cSld>
+    <p:spTree>
+      <p:nvGrpSpPr>
+        <p:cNvPr id="1" name=""/>
+        <p:cNvGrpSpPr/>
+        <p:nvPr/>
+      </p:nvGrpSpPr>
+      <p:grpSpPr>
+        <a:xfrm>
+          <a:off x="0" y="0"/>
+          <a:ext cx="0" cy="0"/>
+          <a:chOff x="0" y="0"/>
+          <a:chExt cx="0" cy="0"/>
+        </a:xfrm>
+      </p:grpSpPr>
+      <p:sp>
+        <p:nvSpPr>
+          <p:cNvPr id="4" name="Title 3">
+            <a:extLst>
+              <a:ext uri="{FF2B5EF4-FFF2-40B4-BE49-F238E27FC236}">
+                <a16:creationId xmlns:a16="http://schemas.microsoft.com/office/drawing/2014/main" id="{F0946B24-DD18-4D00-A806-8145BCA3677D}"/>
+              </a:ext>
+            </a:extLst>
+          </p:cNvPr>
+          <p:cNvSpPr>
+            <a:spLocks noGrp="1"/>
+          </p:cNvSpPr>
+          <p:nvPr>
+            <p:ph type="title"/>
+          </p:nvPr>
+        </p:nvSpPr>
+        <p:spPr/>
+        <p:txBody>
+          <a:bodyPr/>
+          <a:lstStyle/>
+          <a:p>
+            <a:r>
+              <a:rPr lang="en-US" dirty="0"/>
+              <a:t>Ability to detect a vaccine-associated decline</a:t>
+            </a:r>
+          </a:p>
+        </p:txBody>
+      </p:sp>
+      <p:sp>
+        <p:nvSpPr>
+          <p:cNvPr id="5" name="Content Placeholder 4">
+            <a:extLst>
+              <a:ext uri="{FF2B5EF4-FFF2-40B4-BE49-F238E27FC236}">
+                <a16:creationId xmlns:a16="http://schemas.microsoft.com/office/drawing/2014/main" id="{6F7653E2-F14D-4097-B787-006CFC6E6557}"/>
+              </a:ext>
+            </a:extLst>
+          </p:cNvPr>
+          <p:cNvSpPr>
+            <a:spLocks noGrp="1"/>
+          </p:cNvSpPr>
+          <p:nvPr>
+            <p:ph idx="1"/>
+          </p:nvPr>
+        </p:nvSpPr>
+        <p:spPr/>
+        <p:txBody>
+          <a:bodyPr/>
+          <a:lstStyle/>
+          <a:p>
+            <a:r>
+              <a:rPr lang="en-US" dirty="0"/>
+              <a:t>Depends on:</a:t>
+            </a:r>
+          </a:p>
+          <a:p>
+            <a:pPr lvl="1"/>
+            <a:r>
+              <a:rPr lang="en-US" dirty="0"/>
+              <a:t>Size of the expected decline (</a:t>
+            </a:r>
+            <a:r>
+              <a:rPr lang="en-US" dirty="0" err="1"/>
+              <a:t>ie</a:t>
+            </a:r>
+            <a:r>
+              <a:rPr lang="en-US" dirty="0"/>
+              <a:t> a 40% decline is easier to see than a 10% decline)</a:t>
+            </a:r>
+          </a:p>
+          <a:p>
+            <a:pPr lvl="1"/>
+            <a:r>
+              <a:rPr lang="en-US" dirty="0"/>
+              <a:t>Amount of unexplained variability in the data</a:t>
+            </a:r>
+          </a:p>
+        </p:txBody>
+      </p:sp>
+    </p:spTree>
+    <p:extLst>
+      <p:ext uri="{BB962C8B-B14F-4D97-AF65-F5344CB8AC3E}">
+        <p14:creationId xmlns:p14="http://schemas.microsoft.com/office/powerpoint/2010/main" val="1805990681"/>
+      </p:ext>
+    </p:extLst>
+  </p:cSld>
+  <p:clrMapOvr>
+    <a:masterClrMapping/>
+  </p:clrMapOvr>
+</p:sld>
+</file>
+
+<file path=ppt/slides/slide23.xml><?xml version="1.0" encoding="utf-8"?>
+<p:sld xmlns:a="http://schemas.openxmlformats.org/drawingml/2006/main" xmlns:r="http://schemas.openxmlformats.org/officeDocument/2006/relationships" xmlns:p="http://schemas.openxmlformats.org/presentationml/2006/main">
+  <p:cSld>
+    <p:spTree>
+      <p:nvGrpSpPr>
+        <p:cNvPr id="1" name=""/>
+        <p:cNvGrpSpPr/>
+        <p:nvPr/>
+      </p:nvGrpSpPr>
+      <p:grpSpPr>
+        <a:xfrm>
+          <a:off x="0" y="0"/>
+          <a:ext cx="0" cy="0"/>
+          <a:chOff x="0" y="0"/>
+          <a:chExt cx="0" cy="0"/>
+        </a:xfrm>
+      </p:grpSpPr>
+      <p:sp>
+        <p:nvSpPr>
+          <p:cNvPr id="2" name="Title 1">
+            <a:extLst>
+              <a:ext uri="{FF2B5EF4-FFF2-40B4-BE49-F238E27FC236}">
+                <a16:creationId xmlns:a16="http://schemas.microsoft.com/office/drawing/2014/main" id="{E6B5F06E-013E-47B9-85A3-86A1E63F9322}"/>
+              </a:ext>
+            </a:extLst>
+          </p:cNvPr>
+          <p:cNvSpPr>
+            <a:spLocks noGrp="1"/>
+          </p:cNvSpPr>
+          <p:nvPr>
+            <p:ph type="title"/>
+          </p:nvPr>
+        </p:nvSpPr>
+        <p:spPr/>
+        <p:txBody>
+          <a:bodyPr/>
+          <a:lstStyle/>
+          <a:p>
+            <a:endParaRPr lang="en-US"/>
+          </a:p>
+        </p:txBody>
+      </p:sp>
+      <p:sp>
+        <p:nvSpPr>
+          <p:cNvPr id="3" name="Text Placeholder 2">
+            <a:extLst>
+              <a:ext uri="{FF2B5EF4-FFF2-40B4-BE49-F238E27FC236}">
+                <a16:creationId xmlns:a16="http://schemas.microsoft.com/office/drawing/2014/main" id="{D8F2859A-67E1-49AD-878C-0E9C7E3B8373}"/>
+              </a:ext>
+            </a:extLst>
+          </p:cNvPr>
+          <p:cNvSpPr>
+            <a:spLocks noGrp="1"/>
+          </p:cNvSpPr>
+          <p:nvPr>
+            <p:ph type="body" idx="1"/>
+          </p:nvPr>
+        </p:nvSpPr>
+        <p:spPr/>
+        <p:txBody>
+          <a:bodyPr/>
+          <a:lstStyle/>
+          <a:p>
+            <a:endParaRPr lang="en-US"/>
+          </a:p>
+        </p:txBody>
+      </p:sp>
+      <p:pic>
+        <p:nvPicPr>
+          <p:cNvPr id="4" name="Picture 3">
+            <a:extLst>
+              <a:ext uri="{FF2B5EF4-FFF2-40B4-BE49-F238E27FC236}">
+                <a16:creationId xmlns:a16="http://schemas.microsoft.com/office/drawing/2014/main" id="{2B4F8F92-9778-43FE-AE59-DC9A576138B4}"/>
+              </a:ext>
+            </a:extLst>
+          </p:cNvPr>
+          <p:cNvPicPr>
+            <a:picLocks noChangeAspect="1"/>
+          </p:cNvPicPr>
+          <p:nvPr/>
+        </p:nvPicPr>
+        <p:blipFill>
+          <a:blip r:embed="rId2"/>
+          <a:stretch>
+            <a:fillRect/>
+          </a:stretch>
+        </p:blipFill>
+        <p:spPr>
+          <a:xfrm>
+            <a:off x="701368" y="1406013"/>
+            <a:ext cx="11195665" cy="4198374"/>
+          </a:xfrm>
+          <a:prstGeom prst="rect">
+            <a:avLst/>
+          </a:prstGeom>
+        </p:spPr>
+      </p:pic>
+      <p:sp>
+        <p:nvSpPr>
+          <p:cNvPr id="5" name="TextBox 4">
+            <a:extLst>
+              <a:ext uri="{FF2B5EF4-FFF2-40B4-BE49-F238E27FC236}">
+                <a16:creationId xmlns:a16="http://schemas.microsoft.com/office/drawing/2014/main" id="{D18035FD-031E-41ED-9DFB-56505D7FDD3E}"/>
+              </a:ext>
+            </a:extLst>
+          </p:cNvPr>
+          <p:cNvSpPr txBox="1"/>
+          <p:nvPr/>
+        </p:nvSpPr>
+        <p:spPr>
+          <a:xfrm rot="16200000">
+            <a:off x="-1102426" y="3157268"/>
+            <a:ext cx="3107774" cy="369332"/>
+          </a:xfrm>
+          <a:prstGeom prst="rect">
+            <a:avLst/>
+          </a:prstGeom>
+          <a:noFill/>
+        </p:spPr>
+        <p:txBody>
+          <a:bodyPr wrap="none" rtlCol="0">
+            <a:spAutoFit/>
+          </a:bodyPr>
+          <a:lstStyle/>
+          <a:p>
+            <a:r>
+              <a:rPr lang="en-US" dirty="0"/>
+              <a:t>Pneumonia hospitalizations (N)</a:t>
+            </a:r>
+          </a:p>
+        </p:txBody>
+      </p:sp>
+    </p:spTree>
+    <p:extLst>
+      <p:ext uri="{BB962C8B-B14F-4D97-AF65-F5344CB8AC3E}">
+        <p14:creationId xmlns:p14="http://schemas.microsoft.com/office/powerpoint/2010/main" val="3579384242"/>
+      </p:ext>
+    </p:extLst>
+  </p:cSld>
+  <p:clrMapOvr>
+    <a:masterClrMapping/>
+  </p:clrMapOvr>
+</p:sld>
+</file>
+
+<file path=ppt/slides/slide24.xml><?xml version="1.0" encoding="utf-8"?>
+<p:sld xmlns:a="http://schemas.openxmlformats.org/drawingml/2006/main" xmlns:r="http://schemas.openxmlformats.org/officeDocument/2006/relationships" xmlns:p="http://schemas.openxmlformats.org/presentationml/2006/main">
+  <p:cSld>
+    <p:spTree>
+      <p:nvGrpSpPr>
+        <p:cNvPr id="1" name=""/>
+        <p:cNvGrpSpPr/>
+        <p:nvPr/>
+      </p:nvGrpSpPr>
+      <p:grpSpPr>
+        <a:xfrm>
+          <a:off x="0" y="0"/>
+          <a:ext cx="0" cy="0"/>
+          <a:chOff x="0" y="0"/>
+          <a:chExt cx="0" cy="0"/>
+        </a:xfrm>
+      </p:grpSpPr>
+      <p:sp>
+        <p:nvSpPr>
+          <p:cNvPr id="2" name="Title 1">
+            <a:extLst>
+              <a:ext uri="{FF2B5EF4-FFF2-40B4-BE49-F238E27FC236}">
                 <a16:creationId xmlns:a16="http://schemas.microsoft.com/office/drawing/2014/main" id="{AE16000D-0D24-4857-ABEE-F1E14CD5CDD8}"/>
               </a:ext>
             </a:extLst>
@@ -6109,7 +7079,7 @@
 </p:sld>
 </file>
 
-<file path=ppt/slides/slide18.xml><?xml version="1.0" encoding="utf-8"?>
+<file path=ppt/slides/slide25.xml><?xml version="1.0" encoding="utf-8"?>
 <p:sld xmlns:a="http://schemas.openxmlformats.org/drawingml/2006/main" xmlns:r="http://schemas.openxmlformats.org/officeDocument/2006/relationships" xmlns:p="http://schemas.openxmlformats.org/presentationml/2006/main">
   <p:cSld>
     <p:spTree>
@@ -6558,7 +7528,7 @@
 </p:sld>
 </file>
 
-<file path=ppt/slides/slide19.xml><?xml version="1.0" encoding="utf-8"?>
+<file path=ppt/slides/slide26.xml><?xml version="1.0" encoding="utf-8"?>
 <p:sld xmlns:a="http://schemas.openxmlformats.org/drawingml/2006/main" xmlns:r="http://schemas.openxmlformats.org/officeDocument/2006/relationships" xmlns:p="http://schemas.openxmlformats.org/presentationml/2006/main">
   <p:cSld>
     <p:spTree>
@@ -6577,38 +7547,10 @@
       </p:grpSpPr>
       <p:sp>
         <p:nvSpPr>
-          <p:cNvPr id="2" name="Title 1">
-            <a:extLst>
-              <a:ext uri="{FF2B5EF4-FFF2-40B4-BE49-F238E27FC236}">
-                <a16:creationId xmlns:a16="http://schemas.microsoft.com/office/drawing/2014/main" id="{AD8478F9-DEAF-4363-8D0F-DC73EC428C4B}"/>
-              </a:ext>
-            </a:extLst>
-          </p:cNvPr>
-          <p:cNvSpPr>
-            <a:spLocks noGrp="1"/>
-          </p:cNvSpPr>
-          <p:nvPr>
-            <p:ph type="title"/>
-          </p:nvPr>
-        </p:nvSpPr>
-        <p:spPr/>
-        <p:txBody>
-          <a:bodyPr/>
-          <a:lstStyle/>
-          <a:p>
-            <a:r>
-              <a:rPr lang="en-US" dirty="0"/>
-              <a:t>Summary so far</a:t>
-            </a:r>
-          </a:p>
-        </p:txBody>
-      </p:sp>
-      <p:sp>
-        <p:nvSpPr>
           <p:cNvPr id="3" name="Content Placeholder 2">
             <a:extLst>
               <a:ext uri="{FF2B5EF4-FFF2-40B4-BE49-F238E27FC236}">
-                <a16:creationId xmlns:a16="http://schemas.microsoft.com/office/drawing/2014/main" id="{E2208E89-74FD-4A64-A8CC-BB77E9AF9DC8}"/>
+                <a16:creationId xmlns:a16="http://schemas.microsoft.com/office/drawing/2014/main" id="{A54F26E9-A45B-43F8-93C9-B7C14A3BD35E}"/>
               </a:ext>
             </a:extLst>
           </p:cNvPr>
@@ -6619,34 +7561,78 @@
             <p:ph idx="1"/>
           </p:nvPr>
         </p:nvSpPr>
-        <p:spPr/>
+        <p:spPr>
+          <a:xfrm>
+            <a:off x="467264" y="486363"/>
+            <a:ext cx="10515600" cy="4351338"/>
+          </a:xfrm>
+        </p:spPr>
         <p:txBody>
           <a:bodyPr/>
           <a:lstStyle/>
           <a:p>
+            <a:pPr>
+              <a:spcAft>
+                <a:spcPts val="1200"/>
+              </a:spcAft>
+            </a:pPr>
             <a:r>
               <a:rPr lang="en-US" dirty="0"/>
-              <a:t>Interrupted time series use linear trends to adjust for factors unrelated to vaccinations and to measure changes in the frequency of disease that occurs after vaccine introduction</a:t>
-            </a:r>
-          </a:p>
-          <a:p>
-            <a:r>
-              <a:rPr lang="en-US" dirty="0"/>
-              <a:t>The accuracy of these estimates and ability to measure it depends on the expected size of the decline and the amount of unexplained variation (noise) in the data</a:t>
-            </a:r>
-          </a:p>
-          <a:p>
-            <a:r>
-              <a:rPr lang="en-US" dirty="0"/>
-              <a:t>Typically have more noise in datasets from smaller populations</a:t>
-            </a:r>
-          </a:p>
-        </p:txBody>
-      </p:sp>
+              <a:t>Perform simulations to see how likely it is that you would detect a decline</a:t>
+            </a:r>
+          </a:p>
+          <a:p>
+            <a:pPr lvl="1">
+              <a:spcAft>
+                <a:spcPts val="1200"/>
+              </a:spcAft>
+            </a:pPr>
+            <a:r>
+              <a:rPr lang="en-US" dirty="0">
+                <a:hlinkClick r:id="rId2"/>
+              </a:rPr>
+              <a:t>https://weinbergerlab.shinyapps.io/ITS_Poisson_Power/</a:t>
+            </a:r>
+            <a:endParaRPr lang="en-US" dirty="0"/>
+          </a:p>
+          <a:p>
+            <a:endParaRPr lang="en-US" dirty="0"/>
+          </a:p>
+        </p:txBody>
+      </p:sp>
+      <p:pic>
+        <p:nvPicPr>
+          <p:cNvPr id="4" name="Picture 3">
+            <a:extLst>
+              <a:ext uri="{FF2B5EF4-FFF2-40B4-BE49-F238E27FC236}">
+                <a16:creationId xmlns:a16="http://schemas.microsoft.com/office/drawing/2014/main" id="{96418D50-9267-429E-9CC7-BC99E860ACC7}"/>
+              </a:ext>
+            </a:extLst>
+          </p:cNvPr>
+          <p:cNvPicPr>
+            <a:picLocks noChangeAspect="1"/>
+          </p:cNvPicPr>
+          <p:nvPr/>
+        </p:nvPicPr>
+        <p:blipFill rotWithShape="1">
+          <a:blip r:embed="rId3"/>
+          <a:srcRect r="45484" b="17727"/>
+          <a:stretch/>
+        </p:blipFill>
+        <p:spPr>
+          <a:xfrm>
+            <a:off x="838918" y="1830287"/>
+            <a:ext cx="9772291" cy="5027713"/>
+          </a:xfrm>
+          <a:prstGeom prst="rect">
+            <a:avLst/>
+          </a:prstGeom>
+        </p:spPr>
+      </p:pic>
     </p:spTree>
     <p:extLst>
       <p:ext uri="{BB962C8B-B14F-4D97-AF65-F5344CB8AC3E}">
-        <p14:creationId xmlns:p14="http://schemas.microsoft.com/office/powerpoint/2010/main" val="2081605404"/>
+        <p14:creationId xmlns:p14="http://schemas.microsoft.com/office/powerpoint/2010/main" val="543658504"/>
       </p:ext>
     </p:extLst>
   </p:cSld>
@@ -6656,7 +7642,7 @@
 </p:sld>
 </file>
 
-<file path=ppt/slides/slide2.xml><?xml version="1.0" encoding="utf-8"?>
+<file path=ppt/slides/slide27.xml><?xml version="1.0" encoding="utf-8"?>
 <p:sld xmlns:a="http://schemas.openxmlformats.org/drawingml/2006/main" xmlns:r="http://schemas.openxmlformats.org/officeDocument/2006/relationships" xmlns:p="http://schemas.openxmlformats.org/presentationml/2006/main">
   <p:cSld>
     <p:spTree>
@@ -6675,42 +7661,10 @@
       </p:grpSpPr>
       <p:sp>
         <p:nvSpPr>
-          <p:cNvPr id="3" name="Content Placeholder 2"/>
-          <p:cNvSpPr>
-            <a:spLocks noGrp="1"/>
-          </p:cNvSpPr>
-          <p:nvPr>
-            <p:ph idx="1"/>
-          </p:nvPr>
-        </p:nvSpPr>
-        <p:spPr>
-          <a:xfrm>
-            <a:off x="450272" y="1690688"/>
-            <a:ext cx="11097491" cy="4351338"/>
-          </a:xfrm>
-        </p:spPr>
-        <p:txBody>
-          <a:bodyPr>
-            <a:normAutofit/>
-          </a:bodyPr>
-          <a:lstStyle/>
-          <a:p>
-            <a:pPr marL="0" indent="0" algn="ctr">
-              <a:buNone/>
-            </a:pPr>
-            <a:r>
-              <a:rPr lang="en-US" sz="4800" b="1" dirty="0"/>
-              <a:t>How much does the rate of cases or deaths decline following vaccine introduction?</a:t>
-            </a:r>
-          </a:p>
-        </p:txBody>
-      </p:sp>
-      <p:sp>
-        <p:nvSpPr>
-          <p:cNvPr id="5" name="Title 4">
+          <p:cNvPr id="2" name="Title 1">
             <a:extLst>
               <a:ext uri="{FF2B5EF4-FFF2-40B4-BE49-F238E27FC236}">
-                <a16:creationId xmlns:a16="http://schemas.microsoft.com/office/drawing/2014/main" id="{5877969C-A940-43AD-B34B-5D378D8EAAB4}"/>
+                <a16:creationId xmlns:a16="http://schemas.microsoft.com/office/drawing/2014/main" id="{AD8478F9-DEAF-4363-8D0F-DC73EC428C4B}"/>
               </a:ext>
             </a:extLst>
           </p:cNvPr>
@@ -6726,14 +7680,57 @@
           <a:bodyPr/>
           <a:lstStyle/>
           <a:p>
-            <a:endParaRPr lang="en-US"/>
+            <a:r>
+              <a:rPr lang="en-US" dirty="0"/>
+              <a:t>Summary</a:t>
+            </a:r>
+          </a:p>
+        </p:txBody>
+      </p:sp>
+      <p:sp>
+        <p:nvSpPr>
+          <p:cNvPr id="3" name="Content Placeholder 2">
+            <a:extLst>
+              <a:ext uri="{FF2B5EF4-FFF2-40B4-BE49-F238E27FC236}">
+                <a16:creationId xmlns:a16="http://schemas.microsoft.com/office/drawing/2014/main" id="{E2208E89-74FD-4A64-A8CC-BB77E9AF9DC8}"/>
+              </a:ext>
+            </a:extLst>
+          </p:cNvPr>
+          <p:cNvSpPr>
+            <a:spLocks noGrp="1"/>
+          </p:cNvSpPr>
+          <p:nvPr>
+            <p:ph idx="1"/>
+          </p:nvPr>
+        </p:nvSpPr>
+        <p:spPr/>
+        <p:txBody>
+          <a:bodyPr/>
+          <a:lstStyle/>
+          <a:p>
+            <a:r>
+              <a:rPr lang="en-US" dirty="0"/>
+              <a:t>Interrupted time series use linear trends to adjust for factors unrelated to vaccinations and to measure changes in the frequency of disease that occurs after vaccine introduction</a:t>
+            </a:r>
+          </a:p>
+          <a:p>
+            <a:r>
+              <a:rPr lang="en-US" dirty="0"/>
+              <a:t>The accuracy of these estimates and ability to measure it depends on the expected size of the decline and the amount of unexplained variation (noise) in the data</a:t>
+            </a:r>
+          </a:p>
+          <a:p>
+            <a:r>
+              <a:rPr lang="en-US" dirty="0"/>
+              <a:t>Typically have more noise in datasets from smaller populations</a:t>
+            </a:r>
           </a:p>
         </p:txBody>
       </p:sp>
     </p:spTree>
     <p:extLst>
       <p:ext uri="{BB962C8B-B14F-4D97-AF65-F5344CB8AC3E}">
-        <p14:creationId xmlns:p14="http://schemas.microsoft.com/office/powerpoint/2010/main" val="1698840933"/>
+        <p14:creationId xmlns:p14="http://schemas.microsoft.com/office/powerpoint/2010/main" val="2081605404"/>
       </p:ext>
     </p:extLst>
   </p:cSld>
@@ -6743,7 +7740,7 @@
 </p:sld>
 </file>
 
-<file path=ppt/slides/slide20.xml><?xml version="1.0" encoding="utf-8"?>
+<file path=ppt/slides/slide28.xml><?xml version="1.0" encoding="utf-8"?>
 <p:sld xmlns:a="http://schemas.openxmlformats.org/drawingml/2006/main" xmlns:r="http://schemas.openxmlformats.org/officeDocument/2006/relationships" xmlns:p="http://schemas.openxmlformats.org/presentationml/2006/main">
   <p:cSld>
     <p:spTree>
@@ -6889,7 +7886,7 @@
 </p:sld>
 </file>
 
-<file path=ppt/slides/slide21.xml><?xml version="1.0" encoding="utf-8"?>
+<file path=ppt/slides/slide29.xml><?xml version="1.0" encoding="utf-8"?>
 <p:sld xmlns:a="http://schemas.openxmlformats.org/drawingml/2006/main" xmlns:r="http://schemas.openxmlformats.org/officeDocument/2006/relationships" xmlns:p="http://schemas.openxmlformats.org/presentationml/2006/main">
   <p:cSld>
     <p:spTree>
@@ -6993,6 +7990,93 @@
 </file>
 
 <file path=ppt/slides/slide3.xml><?xml version="1.0" encoding="utf-8"?>
+<p:sld xmlns:a="http://schemas.openxmlformats.org/drawingml/2006/main" xmlns:r="http://schemas.openxmlformats.org/officeDocument/2006/relationships" xmlns:p="http://schemas.openxmlformats.org/presentationml/2006/main">
+  <p:cSld>
+    <p:spTree>
+      <p:nvGrpSpPr>
+        <p:cNvPr id="1" name=""/>
+        <p:cNvGrpSpPr/>
+        <p:nvPr/>
+      </p:nvGrpSpPr>
+      <p:grpSpPr>
+        <a:xfrm>
+          <a:off x="0" y="0"/>
+          <a:ext cx="0" cy="0"/>
+          <a:chOff x="0" y="0"/>
+          <a:chExt cx="0" cy="0"/>
+        </a:xfrm>
+      </p:grpSpPr>
+      <p:sp>
+        <p:nvSpPr>
+          <p:cNvPr id="3" name="Content Placeholder 2"/>
+          <p:cNvSpPr>
+            <a:spLocks noGrp="1"/>
+          </p:cNvSpPr>
+          <p:nvPr>
+            <p:ph idx="1"/>
+          </p:nvPr>
+        </p:nvSpPr>
+        <p:spPr>
+          <a:xfrm>
+            <a:off x="450272" y="1690688"/>
+            <a:ext cx="11097491" cy="4351338"/>
+          </a:xfrm>
+        </p:spPr>
+        <p:txBody>
+          <a:bodyPr>
+            <a:normAutofit/>
+          </a:bodyPr>
+          <a:lstStyle/>
+          <a:p>
+            <a:pPr marL="0" indent="0" algn="ctr">
+              <a:buNone/>
+            </a:pPr>
+            <a:r>
+              <a:rPr lang="en-US" sz="4800" b="1" dirty="0"/>
+              <a:t>How much does the rate of cases or deaths decline following vaccine introduction?</a:t>
+            </a:r>
+          </a:p>
+        </p:txBody>
+      </p:sp>
+      <p:sp>
+        <p:nvSpPr>
+          <p:cNvPr id="5" name="Title 4">
+            <a:extLst>
+              <a:ext uri="{FF2B5EF4-FFF2-40B4-BE49-F238E27FC236}">
+                <a16:creationId xmlns:a16="http://schemas.microsoft.com/office/drawing/2014/main" id="{5877969C-A940-43AD-B34B-5D378D8EAAB4}"/>
+              </a:ext>
+            </a:extLst>
+          </p:cNvPr>
+          <p:cNvSpPr>
+            <a:spLocks noGrp="1"/>
+          </p:cNvSpPr>
+          <p:nvPr>
+            <p:ph type="title"/>
+          </p:nvPr>
+        </p:nvSpPr>
+        <p:spPr/>
+        <p:txBody>
+          <a:bodyPr/>
+          <a:lstStyle/>
+          <a:p>
+            <a:endParaRPr lang="en-US"/>
+          </a:p>
+        </p:txBody>
+      </p:sp>
+    </p:spTree>
+    <p:extLst>
+      <p:ext uri="{BB962C8B-B14F-4D97-AF65-F5344CB8AC3E}">
+        <p14:creationId xmlns:p14="http://schemas.microsoft.com/office/powerpoint/2010/main" val="1698840933"/>
+      </p:ext>
+    </p:extLst>
+  </p:cSld>
+  <p:clrMapOvr>
+    <a:masterClrMapping/>
+  </p:clrMapOvr>
+</p:sld>
+</file>
+
+<file path=ppt/slides/slide4.xml><?xml version="1.0" encoding="utf-8"?>
 <p:sld xmlns:a="http://schemas.openxmlformats.org/drawingml/2006/main" xmlns:r="http://schemas.openxmlformats.org/officeDocument/2006/relationships" xmlns:p="http://schemas.openxmlformats.org/presentationml/2006/main">
   <p:cSld>
     <p:spTree>
@@ -8006,7 +9090,7 @@
 </p:sld>
 </file>
 
-<file path=ppt/slides/slide4.xml><?xml version="1.0" encoding="utf-8"?>
+<file path=ppt/slides/slide5.xml><?xml version="1.0" encoding="utf-8"?>
 <p:sld xmlns:a="http://schemas.openxmlformats.org/drawingml/2006/main" xmlns:r="http://schemas.openxmlformats.org/officeDocument/2006/relationships" xmlns:p="http://schemas.openxmlformats.org/presentationml/2006/main">
   <p:cSld>
     <p:spTree>
@@ -9181,270 +10265,6 @@
 </p:sld>
 </file>
 
-<file path=ppt/slides/slide5.xml><?xml version="1.0" encoding="utf-8"?>
-<p:sld xmlns:a="http://schemas.openxmlformats.org/drawingml/2006/main" xmlns:r="http://schemas.openxmlformats.org/officeDocument/2006/relationships" xmlns:p="http://schemas.openxmlformats.org/presentationml/2006/main">
-  <p:cSld>
-    <p:spTree>
-      <p:nvGrpSpPr>
-        <p:cNvPr id="1" name=""/>
-        <p:cNvGrpSpPr/>
-        <p:nvPr/>
-      </p:nvGrpSpPr>
-      <p:grpSpPr>
-        <a:xfrm>
-          <a:off x="0" y="0"/>
-          <a:ext cx="0" cy="0"/>
-          <a:chOff x="0" y="0"/>
-          <a:chExt cx="0" cy="0"/>
-        </a:xfrm>
-      </p:grpSpPr>
-      <p:sp>
-        <p:nvSpPr>
-          <p:cNvPr id="2" name="Title 1"/>
-          <p:cNvSpPr>
-            <a:spLocks noGrp="1"/>
-          </p:cNvSpPr>
-          <p:nvPr>
-            <p:ph type="title"/>
-          </p:nvPr>
-        </p:nvSpPr>
-        <p:spPr>
-          <a:xfrm>
-            <a:off x="345071" y="17138"/>
-            <a:ext cx="10515600" cy="1325563"/>
-          </a:xfrm>
-        </p:spPr>
-        <p:txBody>
-          <a:bodyPr/>
-          <a:lstStyle/>
-          <a:p>
-            <a:r>
-              <a:rPr lang="en-US" b="1" dirty="0"/>
-              <a:t>Pre-post analysis</a:t>
-            </a:r>
-          </a:p>
-        </p:txBody>
-      </p:sp>
-      <p:sp>
-        <p:nvSpPr>
-          <p:cNvPr id="3" name="Content Placeholder 2"/>
-          <p:cNvSpPr>
-            <a:spLocks noGrp="1"/>
-          </p:cNvSpPr>
-          <p:nvPr>
-            <p:ph idx="1"/>
-          </p:nvPr>
-        </p:nvSpPr>
-        <p:spPr>
-          <a:xfrm>
-            <a:off x="1465306" y="1003475"/>
-            <a:ext cx="9258373" cy="578097"/>
-          </a:xfrm>
-        </p:spPr>
-        <p:txBody>
-          <a:bodyPr>
-            <a:normAutofit fontScale="92500" lnSpcReduction="20000"/>
-          </a:bodyPr>
-          <a:lstStyle/>
-          <a:p>
-            <a:r>
-              <a:rPr lang="en-US" sz="1600" dirty="0"/>
-              <a:t>Simplest case: </a:t>
-            </a:r>
-            <a:r>
-              <a:rPr lang="en-US" sz="1600" dirty="0">
-                <a:solidFill>
-                  <a:srgbClr val="FF0000"/>
-                </a:solidFill>
-              </a:rPr>
-              <a:t>stationary</a:t>
-            </a:r>
-            <a:r>
-              <a:rPr lang="en-US" sz="1600" dirty="0"/>
-              <a:t> data ; no trends, no seasonality</a:t>
-            </a:r>
-          </a:p>
-          <a:p>
-            <a:r>
-              <a:rPr lang="en-US" sz="1600" dirty="0"/>
-              <a:t>Test whether mean number of cases declines post-PCV</a:t>
-            </a:r>
-          </a:p>
-        </p:txBody>
-      </p:sp>
-      <p:sp>
-        <p:nvSpPr>
-          <p:cNvPr id="7" name="TextBox 6"/>
-          <p:cNvSpPr txBox="1"/>
-          <p:nvPr/>
-        </p:nvSpPr>
-        <p:spPr>
-          <a:xfrm>
-            <a:off x="8159290" y="679919"/>
-            <a:ext cx="2701381" cy="830997"/>
-          </a:xfrm>
-          <a:prstGeom prst="rect">
-            <a:avLst/>
-          </a:prstGeom>
-          <a:noFill/>
-        </p:spPr>
-        <p:txBody>
-          <a:bodyPr wrap="none" rtlCol="0">
-            <a:spAutoFit/>
-          </a:bodyPr>
-          <a:lstStyle/>
-          <a:p>
-            <a:r>
-              <a:rPr lang="en-US" sz="2400" dirty="0">
-                <a:solidFill>
-                  <a:srgbClr val="FF0000"/>
-                </a:solidFill>
-              </a:rPr>
-              <a:t>Simple model: </a:t>
-            </a:r>
-          </a:p>
-          <a:p>
-            <a:r>
-              <a:rPr lang="en-US" sz="2400" dirty="0">
-                <a:solidFill>
-                  <a:srgbClr val="FF0000"/>
-                </a:solidFill>
-              </a:rPr>
-              <a:t>Log(Pneumonia)=b0</a:t>
-            </a:r>
-          </a:p>
-        </p:txBody>
-      </p:sp>
-      <p:pic>
-        <p:nvPicPr>
-          <p:cNvPr id="8" name="Graphic 7">
-            <a:extLst>
-              <a:ext uri="{FF2B5EF4-FFF2-40B4-BE49-F238E27FC236}">
-                <a16:creationId xmlns:a16="http://schemas.microsoft.com/office/drawing/2014/main" id="{E5480071-4FB6-417C-878C-F75C6AFD7C90}"/>
-              </a:ext>
-            </a:extLst>
-          </p:cNvPr>
-          <p:cNvPicPr>
-            <a:picLocks noChangeAspect="1"/>
-          </p:cNvPicPr>
-          <p:nvPr/>
-        </p:nvPicPr>
-        <p:blipFill>
-          <a:blip r:embed="rId2">
-            <a:extLst>
-              <a:ext uri="{28A0092B-C50C-407E-A947-70E740481C1C}">
-                <a14:useLocalDpi xmlns:a14="http://schemas.microsoft.com/office/drawing/2010/main" val="0"/>
-              </a:ext>
-              <a:ext uri="{96DAC541-7B7A-43D3-8B79-37D633B846F1}">
-                <asvg:svgBlip xmlns:asvg="http://schemas.microsoft.com/office/drawing/2016/SVG/main" r:embed="rId3"/>
-              </a:ext>
-            </a:extLst>
-          </a:blip>
-          <a:stretch>
-            <a:fillRect/>
-          </a:stretch>
-        </p:blipFill>
-        <p:spPr>
-          <a:xfrm>
-            <a:off x="1465306" y="1666257"/>
-            <a:ext cx="8562975" cy="4257675"/>
-          </a:xfrm>
-          <a:prstGeom prst="rect">
-            <a:avLst/>
-          </a:prstGeom>
-        </p:spPr>
-      </p:pic>
-    </p:spTree>
-    <p:extLst>
-      <p:ext uri="{BB962C8B-B14F-4D97-AF65-F5344CB8AC3E}">
-        <p14:creationId xmlns:p14="http://schemas.microsoft.com/office/powerpoint/2010/main" val="2119683791"/>
-      </p:ext>
-    </p:extLst>
-  </p:cSld>
-  <p:clrMapOvr>
-    <a:masterClrMapping/>
-  </p:clrMapOvr>
-  <p:timing>
-    <p:tnLst>
-      <p:par>
-        <p:cTn id="1" dur="indefinite" restart="never" nodeType="tmRoot">
-          <p:childTnLst>
-            <p:seq concurrent="1" nextAc="seek">
-              <p:cTn id="2" dur="indefinite" nodeType="mainSeq">
-                <p:childTnLst>
-                  <p:par>
-                    <p:cTn id="3" fill="hold">
-                      <p:stCondLst>
-                        <p:cond delay="indefinite"/>
-                      </p:stCondLst>
-                      <p:childTnLst>
-                        <p:par>
-                          <p:cTn id="4" fill="hold">
-                            <p:stCondLst>
-                              <p:cond delay="0"/>
-                            </p:stCondLst>
-                            <p:childTnLst>
-                              <p:par>
-                                <p:cTn id="5" presetID="1" presetClass="entr" presetSubtype="0" fill="hold" grpId="0" nodeType="clickEffect">
-                                  <p:stCondLst>
-                                    <p:cond delay="0"/>
-                                  </p:stCondLst>
-                                  <p:childTnLst>
-                                    <p:set>
-                                      <p:cBhvr>
-                                        <p:cTn id="6" dur="1" fill="hold">
-                                          <p:stCondLst>
-                                            <p:cond delay="0"/>
-                                          </p:stCondLst>
-                                        </p:cTn>
-                                        <p:tgtEl>
-                                          <p:spTgt spid="7"/>
-                                        </p:tgtEl>
-                                        <p:attrNameLst>
-                                          <p:attrName>style.visibility</p:attrName>
-                                        </p:attrNameLst>
-                                      </p:cBhvr>
-                                      <p:to>
-                                        <p:strVal val="visible"/>
-                                      </p:to>
-                                    </p:set>
-                                  </p:childTnLst>
-                                </p:cTn>
-                              </p:par>
-                            </p:childTnLst>
-                          </p:cTn>
-                        </p:par>
-                      </p:childTnLst>
-                    </p:cTn>
-                  </p:par>
-                </p:childTnLst>
-              </p:cTn>
-              <p:prevCondLst>
-                <p:cond evt="onPrev" delay="0">
-                  <p:tgtEl>
-                    <p:sldTgt/>
-                  </p:tgtEl>
-                </p:cond>
-              </p:prevCondLst>
-              <p:nextCondLst>
-                <p:cond evt="onNext" delay="0">
-                  <p:tgtEl>
-                    <p:sldTgt/>
-                  </p:tgtEl>
-                </p:cond>
-              </p:nextCondLst>
-            </p:seq>
-          </p:childTnLst>
-        </p:cTn>
-      </p:par>
-    </p:tnLst>
-    <p:bldLst>
-      <p:bldP spid="7" grpId="0"/>
-    </p:bldLst>
-  </p:timing>
-</p:sld>
-</file>
-
 <file path=ppt/slides/slide6.xml><?xml version="1.0" encoding="utf-8"?>
 <p:sld xmlns:a="http://schemas.openxmlformats.org/drawingml/2006/main" xmlns:r="http://schemas.openxmlformats.org/officeDocument/2006/relationships" xmlns:p="http://schemas.openxmlformats.org/presentationml/2006/main">
   <p:cSld>
@@ -9474,805 +10294,8 @@
         </p:nvSpPr>
         <p:spPr>
           <a:xfrm>
-            <a:off x="345071" y="17138"/>
-            <a:ext cx="10515600" cy="1325563"/>
-          </a:xfrm>
-        </p:spPr>
-        <p:txBody>
-          <a:bodyPr/>
-          <a:lstStyle/>
-          <a:p>
-            <a:r>
-              <a:rPr lang="en-US" b="1" dirty="0"/>
-              <a:t>Pre-post </a:t>
-            </a:r>
-            <a:r>
-              <a:rPr lang="en-US" b="1" dirty="0" err="1"/>
-              <a:t>analysis+seasonality</a:t>
-            </a:r>
-            <a:endParaRPr lang="en-US" b="1" dirty="0"/>
-          </a:p>
-        </p:txBody>
-      </p:sp>
-      <p:sp>
-        <p:nvSpPr>
-          <p:cNvPr id="3" name="Content Placeholder 2"/>
-          <p:cNvSpPr>
-            <a:spLocks noGrp="1"/>
-          </p:cNvSpPr>
-          <p:nvPr>
-            <p:ph idx="1"/>
-          </p:nvPr>
-        </p:nvSpPr>
-        <p:spPr>
-          <a:xfrm>
-            <a:off x="1465306" y="1003475"/>
-            <a:ext cx="9258373" cy="578097"/>
-          </a:xfrm>
-        </p:spPr>
-        <p:txBody>
-          <a:bodyPr>
-            <a:normAutofit/>
-          </a:bodyPr>
-          <a:lstStyle/>
-          <a:p>
-            <a:r>
-              <a:rPr lang="en-US" sz="1600" dirty="0"/>
-              <a:t>Test whether mean number of cases declines post-PCV</a:t>
-            </a:r>
-          </a:p>
-        </p:txBody>
-      </p:sp>
-      <p:sp>
-        <p:nvSpPr>
-          <p:cNvPr id="7" name="TextBox 6"/>
-          <p:cNvSpPr txBox="1"/>
-          <p:nvPr/>
-        </p:nvSpPr>
-        <p:spPr>
-          <a:xfrm>
-            <a:off x="6614556" y="780438"/>
-            <a:ext cx="5473614" cy="830997"/>
-          </a:xfrm>
-          <a:prstGeom prst="rect">
-            <a:avLst/>
-          </a:prstGeom>
-          <a:noFill/>
-        </p:spPr>
-        <p:txBody>
-          <a:bodyPr wrap="none" rtlCol="0">
-            <a:spAutoFit/>
-          </a:bodyPr>
-          <a:lstStyle/>
-          <a:p>
-            <a:r>
-              <a:rPr lang="en-US" sz="2400" dirty="0">
-                <a:solidFill>
-                  <a:srgbClr val="FF0000"/>
-                </a:solidFill>
-              </a:rPr>
-              <a:t>Seasonal model: </a:t>
-            </a:r>
-          </a:p>
-          <a:p>
-            <a:r>
-              <a:rPr lang="en-US" sz="2400" dirty="0">
-                <a:solidFill>
-                  <a:srgbClr val="FF0000"/>
-                </a:solidFill>
-              </a:rPr>
-              <a:t>Log(Pneumonia)=b0 +b1*sin12 +b2*cos12</a:t>
-            </a:r>
-          </a:p>
-        </p:txBody>
-      </p:sp>
-      <p:pic>
-        <p:nvPicPr>
-          <p:cNvPr id="5" name="Graphic 4">
-            <a:extLst>
-              <a:ext uri="{FF2B5EF4-FFF2-40B4-BE49-F238E27FC236}">
-                <a16:creationId xmlns:a16="http://schemas.microsoft.com/office/drawing/2014/main" id="{0511DC29-A692-434A-9E1A-1BCE703A7193}"/>
-              </a:ext>
-            </a:extLst>
-          </p:cNvPr>
-          <p:cNvPicPr>
-            <a:picLocks noChangeAspect="1"/>
-          </p:cNvPicPr>
-          <p:nvPr/>
-        </p:nvPicPr>
-        <p:blipFill>
-          <a:blip r:embed="rId2">
-            <a:extLst>
-              <a:ext uri="{28A0092B-C50C-407E-A947-70E740481C1C}">
-                <a14:useLocalDpi xmlns:a14="http://schemas.microsoft.com/office/drawing/2010/main" val="0"/>
-              </a:ext>
-              <a:ext uri="{96DAC541-7B7A-43D3-8B79-37D633B846F1}">
-                <asvg:svgBlip xmlns:asvg="http://schemas.microsoft.com/office/drawing/2016/SVG/main" r:embed="rId3"/>
-              </a:ext>
-            </a:extLst>
-          </a:blip>
-          <a:stretch>
-            <a:fillRect/>
-          </a:stretch>
-        </p:blipFill>
-        <p:spPr>
-          <a:xfrm>
-            <a:off x="1150014" y="1565738"/>
-            <a:ext cx="9077325" cy="3962400"/>
-          </a:xfrm>
-          <a:prstGeom prst="rect">
-            <a:avLst/>
-          </a:prstGeom>
-        </p:spPr>
-      </p:pic>
-    </p:spTree>
-    <p:extLst>
-      <p:ext uri="{BB962C8B-B14F-4D97-AF65-F5344CB8AC3E}">
-        <p14:creationId xmlns:p14="http://schemas.microsoft.com/office/powerpoint/2010/main" val="2036442616"/>
-      </p:ext>
-    </p:extLst>
-  </p:cSld>
-  <p:clrMapOvr>
-    <a:masterClrMapping/>
-  </p:clrMapOvr>
-  <p:timing>
-    <p:tnLst>
-      <p:par>
-        <p:cTn id="1" dur="indefinite" restart="never" nodeType="tmRoot">
-          <p:childTnLst>
-            <p:seq concurrent="1" nextAc="seek">
-              <p:cTn id="2" dur="indefinite" nodeType="mainSeq">
-                <p:childTnLst>
-                  <p:par>
-                    <p:cTn id="3" fill="hold">
-                      <p:stCondLst>
-                        <p:cond delay="indefinite"/>
-                      </p:stCondLst>
-                      <p:childTnLst>
-                        <p:par>
-                          <p:cTn id="4" fill="hold">
-                            <p:stCondLst>
-                              <p:cond delay="0"/>
-                            </p:stCondLst>
-                            <p:childTnLst>
-                              <p:par>
-                                <p:cTn id="5" presetID="1" presetClass="entr" presetSubtype="0" fill="hold" grpId="0" nodeType="clickEffect">
-                                  <p:stCondLst>
-                                    <p:cond delay="0"/>
-                                  </p:stCondLst>
-                                  <p:childTnLst>
-                                    <p:set>
-                                      <p:cBhvr>
-                                        <p:cTn id="6" dur="1" fill="hold">
-                                          <p:stCondLst>
-                                            <p:cond delay="0"/>
-                                          </p:stCondLst>
-                                        </p:cTn>
-                                        <p:tgtEl>
-                                          <p:spTgt spid="7"/>
-                                        </p:tgtEl>
-                                        <p:attrNameLst>
-                                          <p:attrName>style.visibility</p:attrName>
-                                        </p:attrNameLst>
-                                      </p:cBhvr>
-                                      <p:to>
-                                        <p:strVal val="visible"/>
-                                      </p:to>
-                                    </p:set>
-                                  </p:childTnLst>
-                                </p:cTn>
-                              </p:par>
-                            </p:childTnLst>
-                          </p:cTn>
-                        </p:par>
-                      </p:childTnLst>
-                    </p:cTn>
-                  </p:par>
-                </p:childTnLst>
-              </p:cTn>
-              <p:prevCondLst>
-                <p:cond evt="onPrev" delay="0">
-                  <p:tgtEl>
-                    <p:sldTgt/>
-                  </p:tgtEl>
-                </p:cond>
-              </p:prevCondLst>
-              <p:nextCondLst>
-                <p:cond evt="onNext" delay="0">
-                  <p:tgtEl>
-                    <p:sldTgt/>
-                  </p:tgtEl>
-                </p:cond>
-              </p:nextCondLst>
-            </p:seq>
-          </p:childTnLst>
-        </p:cTn>
-      </p:par>
-    </p:tnLst>
-    <p:bldLst>
-      <p:bldP spid="7" grpId="0"/>
-    </p:bldLst>
-  </p:timing>
-</p:sld>
-</file>
-
-<file path=ppt/slides/slide7.xml><?xml version="1.0" encoding="utf-8"?>
-<p:sld xmlns:a="http://schemas.openxmlformats.org/drawingml/2006/main" xmlns:r="http://schemas.openxmlformats.org/officeDocument/2006/relationships" xmlns:p="http://schemas.openxmlformats.org/presentationml/2006/main">
-  <p:cSld>
-    <p:spTree>
-      <p:nvGrpSpPr>
-        <p:cNvPr id="1" name=""/>
-        <p:cNvGrpSpPr/>
-        <p:nvPr/>
-      </p:nvGrpSpPr>
-      <p:grpSpPr>
-        <a:xfrm>
-          <a:off x="0" y="0"/>
-          <a:ext cx="0" cy="0"/>
-          <a:chOff x="0" y="0"/>
-          <a:chExt cx="0" cy="0"/>
-        </a:xfrm>
-      </p:grpSpPr>
-      <p:sp>
-        <p:nvSpPr>
-          <p:cNvPr id="2" name="Title 1"/>
-          <p:cNvSpPr>
-            <a:spLocks noGrp="1"/>
-          </p:cNvSpPr>
-          <p:nvPr>
-            <p:ph type="title"/>
-          </p:nvPr>
-        </p:nvSpPr>
-        <p:spPr>
-          <a:xfrm>
-            <a:off x="345071" y="17138"/>
-            <a:ext cx="10515600" cy="1325563"/>
-          </a:xfrm>
-        </p:spPr>
-        <p:txBody>
-          <a:bodyPr/>
-          <a:lstStyle/>
-          <a:p>
-            <a:r>
-              <a:rPr lang="en-US" b="1" dirty="0"/>
-              <a:t>Pre-post </a:t>
-            </a:r>
-            <a:r>
-              <a:rPr lang="en-US" b="1" dirty="0" err="1"/>
-              <a:t>analysis+seasonality</a:t>
-            </a:r>
-            <a:endParaRPr lang="en-US" b="1" dirty="0"/>
-          </a:p>
-        </p:txBody>
-      </p:sp>
-      <p:sp>
-        <p:nvSpPr>
-          <p:cNvPr id="3" name="Content Placeholder 2"/>
-          <p:cNvSpPr>
-            <a:spLocks noGrp="1"/>
-          </p:cNvSpPr>
-          <p:nvPr>
-            <p:ph idx="1"/>
-          </p:nvPr>
-        </p:nvSpPr>
-        <p:spPr>
-          <a:xfrm>
-            <a:off x="1465306" y="1003475"/>
-            <a:ext cx="9258373" cy="578097"/>
-          </a:xfrm>
-        </p:spPr>
-        <p:txBody>
-          <a:bodyPr>
-            <a:normAutofit/>
-          </a:bodyPr>
-          <a:lstStyle/>
-          <a:p>
-            <a:r>
-              <a:rPr lang="en-US" sz="1600" dirty="0"/>
-              <a:t>Test whether mean number of cases declines post-PCV</a:t>
-            </a:r>
-          </a:p>
-        </p:txBody>
-      </p:sp>
-      <p:sp>
-        <p:nvSpPr>
-          <p:cNvPr id="7" name="TextBox 6"/>
-          <p:cNvSpPr txBox="1"/>
-          <p:nvPr/>
-        </p:nvSpPr>
-        <p:spPr>
-          <a:xfrm>
-            <a:off x="6614556" y="780438"/>
-            <a:ext cx="5473614" cy="830997"/>
-          </a:xfrm>
-          <a:prstGeom prst="rect">
-            <a:avLst/>
-          </a:prstGeom>
-          <a:noFill/>
-        </p:spPr>
-        <p:txBody>
-          <a:bodyPr wrap="none" rtlCol="0">
-            <a:spAutoFit/>
-          </a:bodyPr>
-          <a:lstStyle/>
-          <a:p>
-            <a:r>
-              <a:rPr lang="en-US" sz="2400" dirty="0">
-                <a:solidFill>
-                  <a:srgbClr val="FF0000"/>
-                </a:solidFill>
-              </a:rPr>
-              <a:t>Seasonal model: </a:t>
-            </a:r>
-          </a:p>
-          <a:p>
-            <a:r>
-              <a:rPr lang="en-US" sz="2400" dirty="0">
-                <a:solidFill>
-                  <a:srgbClr val="FF0000"/>
-                </a:solidFill>
-              </a:rPr>
-              <a:t>Log(Pneumonia)=b0 +b1*sin12 +b2*cos12</a:t>
-            </a:r>
-          </a:p>
-        </p:txBody>
-      </p:sp>
-      <p:pic>
-        <p:nvPicPr>
-          <p:cNvPr id="8" name="Graphic 7">
-            <a:extLst>
-              <a:ext uri="{FF2B5EF4-FFF2-40B4-BE49-F238E27FC236}">
-                <a16:creationId xmlns:a16="http://schemas.microsoft.com/office/drawing/2014/main" id="{8437CBAD-57C7-4BE7-9EDF-96ADD17762CA}"/>
-              </a:ext>
-            </a:extLst>
-          </p:cNvPr>
-          <p:cNvPicPr>
-            <a:picLocks noChangeAspect="1"/>
-          </p:cNvPicPr>
-          <p:nvPr/>
-        </p:nvPicPr>
-        <p:blipFill>
-          <a:blip r:embed="rId2">
-            <a:extLst>
-              <a:ext uri="{28A0092B-C50C-407E-A947-70E740481C1C}">
-                <a14:useLocalDpi xmlns:a14="http://schemas.microsoft.com/office/drawing/2010/main" val="0"/>
-              </a:ext>
-              <a:ext uri="{96DAC541-7B7A-43D3-8B79-37D633B846F1}">
-                <asvg:svgBlip xmlns:asvg="http://schemas.microsoft.com/office/drawing/2016/SVG/main" r:embed="rId3"/>
-              </a:ext>
-            </a:extLst>
-          </a:blip>
-          <a:stretch>
-            <a:fillRect/>
-          </a:stretch>
-        </p:blipFill>
-        <p:spPr>
-          <a:xfrm>
-            <a:off x="1988820" y="1993409"/>
-            <a:ext cx="7848600" cy="4467225"/>
-          </a:xfrm>
-          <a:prstGeom prst="rect">
-            <a:avLst/>
-          </a:prstGeom>
-        </p:spPr>
-      </p:pic>
-    </p:spTree>
-    <p:extLst>
-      <p:ext uri="{BB962C8B-B14F-4D97-AF65-F5344CB8AC3E}">
-        <p14:creationId xmlns:p14="http://schemas.microsoft.com/office/powerpoint/2010/main" val="218524600"/>
-      </p:ext>
-    </p:extLst>
-  </p:cSld>
-  <p:clrMapOvr>
-    <a:masterClrMapping/>
-  </p:clrMapOvr>
-  <p:timing>
-    <p:tnLst>
-      <p:par>
-        <p:cTn id="1" dur="indefinite" restart="never" nodeType="tmRoot">
-          <p:childTnLst>
-            <p:seq concurrent="1" nextAc="seek">
-              <p:cTn id="2" dur="indefinite" nodeType="mainSeq">
-                <p:childTnLst>
-                  <p:par>
-                    <p:cTn id="3" fill="hold">
-                      <p:stCondLst>
-                        <p:cond delay="indefinite"/>
-                      </p:stCondLst>
-                      <p:childTnLst>
-                        <p:par>
-                          <p:cTn id="4" fill="hold">
-                            <p:stCondLst>
-                              <p:cond delay="0"/>
-                            </p:stCondLst>
-                            <p:childTnLst>
-                              <p:par>
-                                <p:cTn id="5" presetID="1" presetClass="entr" presetSubtype="0" fill="hold" grpId="0" nodeType="clickEffect">
-                                  <p:stCondLst>
-                                    <p:cond delay="0"/>
-                                  </p:stCondLst>
-                                  <p:childTnLst>
-                                    <p:set>
-                                      <p:cBhvr>
-                                        <p:cTn id="6" dur="1" fill="hold">
-                                          <p:stCondLst>
-                                            <p:cond delay="0"/>
-                                          </p:stCondLst>
-                                        </p:cTn>
-                                        <p:tgtEl>
-                                          <p:spTgt spid="7"/>
-                                        </p:tgtEl>
-                                        <p:attrNameLst>
-                                          <p:attrName>style.visibility</p:attrName>
-                                        </p:attrNameLst>
-                                      </p:cBhvr>
-                                      <p:to>
-                                        <p:strVal val="visible"/>
-                                      </p:to>
-                                    </p:set>
-                                  </p:childTnLst>
-                                </p:cTn>
-                              </p:par>
-                            </p:childTnLst>
-                          </p:cTn>
-                        </p:par>
-                      </p:childTnLst>
-                    </p:cTn>
-                  </p:par>
-                </p:childTnLst>
-              </p:cTn>
-              <p:prevCondLst>
-                <p:cond evt="onPrev" delay="0">
-                  <p:tgtEl>
-                    <p:sldTgt/>
-                  </p:tgtEl>
-                </p:cond>
-              </p:prevCondLst>
-              <p:nextCondLst>
-                <p:cond evt="onNext" delay="0">
-                  <p:tgtEl>
-                    <p:sldTgt/>
-                  </p:tgtEl>
-                </p:cond>
-              </p:nextCondLst>
-            </p:seq>
-          </p:childTnLst>
-        </p:cTn>
-      </p:par>
-    </p:tnLst>
-    <p:bldLst>
-      <p:bldP spid="7" grpId="0"/>
-    </p:bldLst>
-  </p:timing>
-</p:sld>
-</file>
-
-<file path=ppt/slides/slide8.xml><?xml version="1.0" encoding="utf-8"?>
-<p:sld xmlns:a="http://schemas.openxmlformats.org/drawingml/2006/main" xmlns:r="http://schemas.openxmlformats.org/officeDocument/2006/relationships" xmlns:p="http://schemas.openxmlformats.org/presentationml/2006/main">
-  <p:cSld>
-    <p:spTree>
-      <p:nvGrpSpPr>
-        <p:cNvPr id="1" name=""/>
-        <p:cNvGrpSpPr/>
-        <p:nvPr/>
-      </p:nvGrpSpPr>
-      <p:grpSpPr>
-        <a:xfrm>
-          <a:off x="0" y="0"/>
-          <a:ext cx="0" cy="0"/>
-          <a:chOff x="0" y="0"/>
-          <a:chExt cx="0" cy="0"/>
-        </a:xfrm>
-      </p:grpSpPr>
-      <p:sp>
-        <p:nvSpPr>
-          <p:cNvPr id="2" name="Title 1"/>
-          <p:cNvSpPr>
-            <a:spLocks noGrp="1"/>
-          </p:cNvSpPr>
-          <p:nvPr>
-            <p:ph type="title"/>
-          </p:nvPr>
-        </p:nvSpPr>
-        <p:spPr>
-          <a:xfrm>
-            <a:off x="899253" y="-33040"/>
-            <a:ext cx="10515600" cy="1325563"/>
-          </a:xfrm>
-        </p:spPr>
-        <p:txBody>
-          <a:bodyPr/>
-          <a:lstStyle/>
-          <a:p>
-            <a:r>
-              <a:rPr lang="en-US" b="1" dirty="0"/>
-              <a:t>Pre-post </a:t>
-            </a:r>
-            <a:r>
-              <a:rPr lang="en-US" b="1" dirty="0" err="1"/>
-              <a:t>analysis+seasonality</a:t>
-            </a:r>
-            <a:r>
-              <a:rPr lang="en-US" b="1" dirty="0"/>
-              <a:t> + linear trend</a:t>
-            </a:r>
-          </a:p>
-        </p:txBody>
-      </p:sp>
-      <p:sp>
-        <p:nvSpPr>
-          <p:cNvPr id="3" name="Content Placeholder 2"/>
-          <p:cNvSpPr>
-            <a:spLocks noGrp="1"/>
-          </p:cNvSpPr>
-          <p:nvPr>
-            <p:ph idx="1"/>
-          </p:nvPr>
-        </p:nvSpPr>
-        <p:spPr>
-          <a:xfrm>
-            <a:off x="530124" y="884039"/>
-            <a:ext cx="9258373" cy="578097"/>
-          </a:xfrm>
-        </p:spPr>
-        <p:txBody>
-          <a:bodyPr>
-            <a:normAutofit/>
-          </a:bodyPr>
-          <a:lstStyle/>
-          <a:p>
-            <a:r>
-              <a:rPr lang="en-US" sz="1600" dirty="0"/>
-              <a:t>Test whether mean number of cases declines post-PCV</a:t>
-            </a:r>
-          </a:p>
-        </p:txBody>
-      </p:sp>
-      <p:sp>
-        <p:nvSpPr>
-          <p:cNvPr id="7" name="TextBox 6"/>
-          <p:cNvSpPr txBox="1"/>
-          <p:nvPr/>
-        </p:nvSpPr>
-        <p:spPr>
-          <a:xfrm>
-            <a:off x="5159310" y="1046637"/>
-            <a:ext cx="6851363" cy="830997"/>
-          </a:xfrm>
-          <a:prstGeom prst="rect">
-            <a:avLst/>
-          </a:prstGeom>
-          <a:noFill/>
-        </p:spPr>
-        <p:txBody>
-          <a:bodyPr wrap="none" rtlCol="0">
-            <a:spAutoFit/>
-          </a:bodyPr>
-          <a:lstStyle/>
-          <a:p>
-            <a:r>
-              <a:rPr lang="en-US" sz="2400" dirty="0">
-                <a:solidFill>
-                  <a:srgbClr val="FF0000"/>
-                </a:solidFill>
-              </a:rPr>
-              <a:t>Seasonal model: </a:t>
-            </a:r>
-          </a:p>
-          <a:p>
-            <a:r>
-              <a:rPr lang="en-US" sz="2400" dirty="0">
-                <a:solidFill>
-                  <a:srgbClr val="FF0000"/>
-                </a:solidFill>
-              </a:rPr>
-              <a:t>Log(Pneumonia)=b0 +b1*sin12 +b2*cos12 +b3*trend</a:t>
-            </a:r>
-          </a:p>
-        </p:txBody>
-      </p:sp>
-      <p:pic>
-        <p:nvPicPr>
-          <p:cNvPr id="6" name="Graphic 5">
-            <a:extLst>
-              <a:ext uri="{FF2B5EF4-FFF2-40B4-BE49-F238E27FC236}">
-                <a16:creationId xmlns:a16="http://schemas.microsoft.com/office/drawing/2014/main" id="{9D11DE4B-CA36-4237-9987-8CEEDA127047}"/>
-              </a:ext>
-            </a:extLst>
-          </p:cNvPr>
-          <p:cNvPicPr>
-            <a:picLocks noChangeAspect="1"/>
-          </p:cNvPicPr>
-          <p:nvPr/>
-        </p:nvPicPr>
-        <p:blipFill>
-          <a:blip r:embed="rId2">
-            <a:extLst>
-              <a:ext uri="{28A0092B-C50C-407E-A947-70E740481C1C}">
-                <a14:useLocalDpi xmlns:a14="http://schemas.microsoft.com/office/drawing/2010/main" val="0"/>
-              </a:ext>
-              <a:ext uri="{96DAC541-7B7A-43D3-8B79-37D633B846F1}">
-                <asvg:svgBlip xmlns:asvg="http://schemas.microsoft.com/office/drawing/2016/SVG/main" r:embed="rId3"/>
-              </a:ext>
-            </a:extLst>
-          </a:blip>
-          <a:stretch>
-            <a:fillRect/>
-          </a:stretch>
-        </p:blipFill>
-        <p:spPr>
-          <a:xfrm>
-            <a:off x="1120572" y="1800225"/>
-            <a:ext cx="9801225" cy="5057775"/>
-          </a:xfrm>
-          <a:prstGeom prst="rect">
-            <a:avLst/>
-          </a:prstGeom>
-        </p:spPr>
-      </p:pic>
-      <p:sp>
-        <p:nvSpPr>
-          <p:cNvPr id="8" name="TextBox 7">
-            <a:extLst>
-              <a:ext uri="{FF2B5EF4-FFF2-40B4-BE49-F238E27FC236}">
-                <a16:creationId xmlns:a16="http://schemas.microsoft.com/office/drawing/2014/main" id="{539BF7D8-950B-4259-89F2-941ED1E8FC05}"/>
-              </a:ext>
-            </a:extLst>
-          </p:cNvPr>
-          <p:cNvSpPr txBox="1"/>
-          <p:nvPr/>
-        </p:nvSpPr>
-        <p:spPr>
-          <a:xfrm>
-            <a:off x="7942811" y="4155930"/>
-            <a:ext cx="3233321" cy="646331"/>
-          </a:xfrm>
-          <a:prstGeom prst="rect">
-            <a:avLst/>
-          </a:prstGeom>
-          <a:noFill/>
-        </p:spPr>
-        <p:txBody>
-          <a:bodyPr wrap="none" rtlCol="0">
-            <a:spAutoFit/>
-          </a:bodyPr>
-          <a:lstStyle/>
-          <a:p>
-            <a:r>
-              <a:rPr lang="en-US" dirty="0"/>
-              <a:t>What is your evaluation period? </a:t>
-            </a:r>
-          </a:p>
-          <a:p>
-            <a:r>
-              <a:rPr lang="en-US" dirty="0"/>
-              <a:t>Last 2 years? Last 3 years?</a:t>
-            </a:r>
-          </a:p>
-        </p:txBody>
-      </p:sp>
-    </p:spTree>
-    <p:extLst>
-      <p:ext uri="{BB962C8B-B14F-4D97-AF65-F5344CB8AC3E}">
-        <p14:creationId xmlns:p14="http://schemas.microsoft.com/office/powerpoint/2010/main" val="892244369"/>
-      </p:ext>
-    </p:extLst>
-  </p:cSld>
-  <p:clrMapOvr>
-    <a:masterClrMapping/>
-  </p:clrMapOvr>
-  <p:timing>
-    <p:tnLst>
-      <p:par>
-        <p:cTn id="1" dur="indefinite" restart="never" nodeType="tmRoot">
-          <p:childTnLst>
-            <p:seq concurrent="1" nextAc="seek">
-              <p:cTn id="2" dur="indefinite" nodeType="mainSeq">
-                <p:childTnLst>
-                  <p:par>
-                    <p:cTn id="3" fill="hold">
-                      <p:stCondLst>
-                        <p:cond delay="indefinite"/>
-                      </p:stCondLst>
-                      <p:childTnLst>
-                        <p:par>
-                          <p:cTn id="4" fill="hold">
-                            <p:stCondLst>
-                              <p:cond delay="0"/>
-                            </p:stCondLst>
-                            <p:childTnLst>
-                              <p:par>
-                                <p:cTn id="5" presetID="1" presetClass="entr" presetSubtype="0" fill="hold" grpId="0" nodeType="clickEffect">
-                                  <p:stCondLst>
-                                    <p:cond delay="0"/>
-                                  </p:stCondLst>
-                                  <p:childTnLst>
-                                    <p:set>
-                                      <p:cBhvr>
-                                        <p:cTn id="6" dur="1" fill="hold">
-                                          <p:stCondLst>
-                                            <p:cond delay="0"/>
-                                          </p:stCondLst>
-                                        </p:cTn>
-                                        <p:tgtEl>
-                                          <p:spTgt spid="7"/>
-                                        </p:tgtEl>
-                                        <p:attrNameLst>
-                                          <p:attrName>style.visibility</p:attrName>
-                                        </p:attrNameLst>
-                                      </p:cBhvr>
-                                      <p:to>
-                                        <p:strVal val="visible"/>
-                                      </p:to>
-                                    </p:set>
-                                  </p:childTnLst>
-                                </p:cTn>
-                              </p:par>
-                            </p:childTnLst>
-                          </p:cTn>
-                        </p:par>
-                      </p:childTnLst>
-                    </p:cTn>
-                  </p:par>
-                </p:childTnLst>
-              </p:cTn>
-              <p:prevCondLst>
-                <p:cond evt="onPrev" delay="0">
-                  <p:tgtEl>
-                    <p:sldTgt/>
-                  </p:tgtEl>
-                </p:cond>
-              </p:prevCondLst>
-              <p:nextCondLst>
-                <p:cond evt="onNext" delay="0">
-                  <p:tgtEl>
-                    <p:sldTgt/>
-                  </p:tgtEl>
-                </p:cond>
-              </p:nextCondLst>
-            </p:seq>
-          </p:childTnLst>
-        </p:cTn>
-      </p:par>
-    </p:tnLst>
-    <p:bldLst>
-      <p:bldP spid="7" grpId="0"/>
-    </p:bldLst>
-  </p:timing>
-</p:sld>
-</file>
-
-<file path=ppt/slides/slide9.xml><?xml version="1.0" encoding="utf-8"?>
-<p:sld xmlns:a="http://schemas.openxmlformats.org/drawingml/2006/main" xmlns:r="http://schemas.openxmlformats.org/officeDocument/2006/relationships" xmlns:p="http://schemas.openxmlformats.org/presentationml/2006/main">
-  <p:cSld>
-    <p:spTree>
-      <p:nvGrpSpPr>
-        <p:cNvPr id="1" name=""/>
-        <p:cNvGrpSpPr/>
-        <p:nvPr/>
-      </p:nvGrpSpPr>
-      <p:grpSpPr>
-        <a:xfrm>
-          <a:off x="0" y="0"/>
-          <a:ext cx="0" cy="0"/>
-          <a:chOff x="0" y="0"/>
-          <a:chExt cx="0" cy="0"/>
-        </a:xfrm>
-      </p:grpSpPr>
-      <p:sp>
-        <p:nvSpPr>
-          <p:cNvPr id="2" name="Title 1"/>
-          <p:cNvSpPr>
-            <a:spLocks noGrp="1"/>
-          </p:cNvSpPr>
-          <p:nvPr>
-            <p:ph type="title"/>
-          </p:nvPr>
-        </p:nvSpPr>
-        <p:spPr>
-          <a:xfrm>
-            <a:off x="838200" y="446567"/>
-            <a:ext cx="10515600" cy="1763821"/>
+            <a:off x="0" y="446567"/>
+            <a:ext cx="12192000" cy="1763821"/>
           </a:xfrm>
         </p:spPr>
         <p:txBody>
@@ -10287,8 +10310,8 @@
               </a:spcAft>
             </a:pPr>
             <a:r>
-              <a:rPr lang="en-US" b="1" dirty="0"/>
-              <a:t>Evaluating impact of vaccines from time series</a:t>
+              <a:rPr lang="en-US" sz="4000" b="1" dirty="0"/>
+              <a:t>Example: Evaluating the impact of vaccines from time series</a:t>
             </a:r>
           </a:p>
         </p:txBody>
@@ -10524,7 +10547,7 @@
     </p:spTree>
     <p:extLst>
       <p:ext uri="{BB962C8B-B14F-4D97-AF65-F5344CB8AC3E}">
-        <p14:creationId xmlns:p14="http://schemas.microsoft.com/office/powerpoint/2010/main" val="1526185942"/>
+        <p14:creationId xmlns:p14="http://schemas.microsoft.com/office/powerpoint/2010/main" val="2425801949"/>
       </p:ext>
     </p:extLst>
   </p:cSld>
@@ -10680,6 +10703,639 @@
         </p:cTn>
       </p:par>
     </p:tnLst>
+  </p:timing>
+</p:sld>
+</file>
+
+<file path=ppt/slides/slide7.xml><?xml version="1.0" encoding="utf-8"?>
+<p:sld xmlns:a="http://schemas.openxmlformats.org/drawingml/2006/main" xmlns:r="http://schemas.openxmlformats.org/officeDocument/2006/relationships" xmlns:p="http://schemas.openxmlformats.org/presentationml/2006/main">
+  <p:cSld>
+    <p:spTree>
+      <p:nvGrpSpPr>
+        <p:cNvPr id="1" name=""/>
+        <p:cNvGrpSpPr/>
+        <p:nvPr/>
+      </p:nvGrpSpPr>
+      <p:grpSpPr>
+        <a:xfrm>
+          <a:off x="0" y="0"/>
+          <a:ext cx="0" cy="0"/>
+          <a:chOff x="0" y="0"/>
+          <a:chExt cx="0" cy="0"/>
+        </a:xfrm>
+      </p:grpSpPr>
+      <p:sp>
+        <p:nvSpPr>
+          <p:cNvPr id="2" name="Title 1">
+            <a:extLst>
+              <a:ext uri="{FF2B5EF4-FFF2-40B4-BE49-F238E27FC236}">
+                <a16:creationId xmlns:a16="http://schemas.microsoft.com/office/drawing/2014/main" id="{B3785232-A542-4C7C-88D3-D4D1A2882BC1}"/>
+              </a:ext>
+            </a:extLst>
+          </p:cNvPr>
+          <p:cNvSpPr>
+            <a:spLocks noGrp="1"/>
+          </p:cNvSpPr>
+          <p:nvPr>
+            <p:ph type="title"/>
+          </p:nvPr>
+        </p:nvSpPr>
+        <p:spPr/>
+        <p:txBody>
+          <a:bodyPr/>
+          <a:lstStyle/>
+          <a:p>
+            <a:r>
+              <a:rPr lang="en-US" dirty="0"/>
+              <a:t>Simple trend analysis</a:t>
+            </a:r>
+          </a:p>
+        </p:txBody>
+      </p:sp>
+      <p:sp>
+        <p:nvSpPr>
+          <p:cNvPr id="3" name="Content Placeholder 2">
+            <a:extLst>
+              <a:ext uri="{FF2B5EF4-FFF2-40B4-BE49-F238E27FC236}">
+                <a16:creationId xmlns:a16="http://schemas.microsoft.com/office/drawing/2014/main" id="{8BB7D9E3-1607-43CA-89CD-9C5C4582501D}"/>
+              </a:ext>
+            </a:extLst>
+          </p:cNvPr>
+          <p:cNvSpPr>
+            <a:spLocks noGrp="1"/>
+          </p:cNvSpPr>
+          <p:nvPr>
+            <p:ph idx="1"/>
+          </p:nvPr>
+        </p:nvSpPr>
+        <p:spPr/>
+        <p:txBody>
+          <a:bodyPr/>
+          <a:lstStyle/>
+          <a:p>
+            <a:r>
+              <a:rPr lang="en-US" dirty="0"/>
+              <a:t>Fit a regression model (Poisson regression or negative binomial regression) to data from the pre-vaccine period</a:t>
+            </a:r>
+          </a:p>
+          <a:p>
+            <a:r>
+              <a:rPr lang="en-US" dirty="0"/>
+              <a:t>Extrapolate the model to the post-vaccine period (Counterfactual)</a:t>
+            </a:r>
+          </a:p>
+          <a:p>
+            <a:r>
+              <a:rPr lang="en-US" dirty="0"/>
+              <a:t>Compare the observed data and counterfactual estimates</a:t>
+            </a:r>
+          </a:p>
+        </p:txBody>
+      </p:sp>
+    </p:spTree>
+    <p:extLst>
+      <p:ext uri="{BB962C8B-B14F-4D97-AF65-F5344CB8AC3E}">
+        <p14:creationId xmlns:p14="http://schemas.microsoft.com/office/powerpoint/2010/main" val="1429413841"/>
+      </p:ext>
+    </p:extLst>
+  </p:cSld>
+  <p:clrMapOvr>
+    <a:masterClrMapping/>
+  </p:clrMapOvr>
+</p:sld>
+</file>
+
+<file path=ppt/slides/slide8.xml><?xml version="1.0" encoding="utf-8"?>
+<p:sld xmlns:a="http://schemas.openxmlformats.org/drawingml/2006/main" xmlns:r="http://schemas.openxmlformats.org/officeDocument/2006/relationships" xmlns:p="http://schemas.openxmlformats.org/presentationml/2006/main">
+  <p:cSld>
+    <p:spTree>
+      <p:nvGrpSpPr>
+        <p:cNvPr id="1" name=""/>
+        <p:cNvGrpSpPr/>
+        <p:nvPr/>
+      </p:nvGrpSpPr>
+      <p:grpSpPr>
+        <a:xfrm>
+          <a:off x="0" y="0"/>
+          <a:ext cx="0" cy="0"/>
+          <a:chOff x="0" y="0"/>
+          <a:chExt cx="0" cy="0"/>
+        </a:xfrm>
+      </p:grpSpPr>
+      <p:sp>
+        <p:nvSpPr>
+          <p:cNvPr id="2" name="Title 1"/>
+          <p:cNvSpPr>
+            <a:spLocks noGrp="1"/>
+          </p:cNvSpPr>
+          <p:nvPr>
+            <p:ph type="title"/>
+          </p:nvPr>
+        </p:nvSpPr>
+        <p:spPr>
+          <a:xfrm>
+            <a:off x="345071" y="17138"/>
+            <a:ext cx="10515600" cy="1325563"/>
+          </a:xfrm>
+        </p:spPr>
+        <p:txBody>
+          <a:bodyPr/>
+          <a:lstStyle/>
+          <a:p>
+            <a:r>
+              <a:rPr lang="en-US" b="1" dirty="0"/>
+              <a:t>Pre-post analysis</a:t>
+            </a:r>
+          </a:p>
+        </p:txBody>
+      </p:sp>
+      <p:sp>
+        <p:nvSpPr>
+          <p:cNvPr id="3" name="Content Placeholder 2"/>
+          <p:cNvSpPr>
+            <a:spLocks noGrp="1"/>
+          </p:cNvSpPr>
+          <p:nvPr>
+            <p:ph idx="1"/>
+          </p:nvPr>
+        </p:nvSpPr>
+        <p:spPr>
+          <a:xfrm>
+            <a:off x="1465306" y="1003475"/>
+            <a:ext cx="9258373" cy="578097"/>
+          </a:xfrm>
+        </p:spPr>
+        <p:txBody>
+          <a:bodyPr>
+            <a:normAutofit fontScale="92500" lnSpcReduction="20000"/>
+          </a:bodyPr>
+          <a:lstStyle/>
+          <a:p>
+            <a:r>
+              <a:rPr lang="en-US" sz="1600" dirty="0"/>
+              <a:t>Simplest case: </a:t>
+            </a:r>
+            <a:r>
+              <a:rPr lang="en-US" sz="1600" dirty="0">
+                <a:solidFill>
+                  <a:srgbClr val="FF0000"/>
+                </a:solidFill>
+              </a:rPr>
+              <a:t>stationary</a:t>
+            </a:r>
+            <a:r>
+              <a:rPr lang="en-US" sz="1600" dirty="0"/>
+              <a:t> data ; no trends, no seasonality</a:t>
+            </a:r>
+          </a:p>
+          <a:p>
+            <a:r>
+              <a:rPr lang="en-US" sz="1600" dirty="0"/>
+              <a:t>Test whether mean number of cases declines post-PCV</a:t>
+            </a:r>
+          </a:p>
+        </p:txBody>
+      </p:sp>
+      <p:sp>
+        <p:nvSpPr>
+          <p:cNvPr id="7" name="TextBox 6"/>
+          <p:cNvSpPr txBox="1"/>
+          <p:nvPr/>
+        </p:nvSpPr>
+        <p:spPr>
+          <a:xfrm>
+            <a:off x="8159290" y="679919"/>
+            <a:ext cx="3320396" cy="1200329"/>
+          </a:xfrm>
+          <a:prstGeom prst="rect">
+            <a:avLst/>
+          </a:prstGeom>
+          <a:noFill/>
+        </p:spPr>
+        <p:txBody>
+          <a:bodyPr wrap="none" rtlCol="0">
+            <a:spAutoFit/>
+          </a:bodyPr>
+          <a:lstStyle/>
+          <a:p>
+            <a:r>
+              <a:rPr lang="en-US" sz="2400" dirty="0">
+                <a:solidFill>
+                  <a:srgbClr val="FF0000"/>
+                </a:solidFill>
+              </a:rPr>
+              <a:t>Simple model: </a:t>
+            </a:r>
+          </a:p>
+          <a:p>
+            <a:r>
+              <a:rPr lang="en-US" sz="2400" dirty="0">
+                <a:solidFill>
+                  <a:srgbClr val="FF0000"/>
+                </a:solidFill>
+              </a:rPr>
+              <a:t>Cases ~ Poisson (lambda)</a:t>
+            </a:r>
+          </a:p>
+          <a:p>
+            <a:r>
+              <a:rPr lang="en-US" sz="2400" dirty="0">
+                <a:solidFill>
+                  <a:srgbClr val="FF0000"/>
+                </a:solidFill>
+              </a:rPr>
+              <a:t>Log(lambda)=b0</a:t>
+            </a:r>
+          </a:p>
+        </p:txBody>
+      </p:sp>
+      <p:pic>
+        <p:nvPicPr>
+          <p:cNvPr id="8" name="Graphic 7">
+            <a:extLst>
+              <a:ext uri="{FF2B5EF4-FFF2-40B4-BE49-F238E27FC236}">
+                <a16:creationId xmlns:a16="http://schemas.microsoft.com/office/drawing/2014/main" id="{E5480071-4FB6-417C-878C-F75C6AFD7C90}"/>
+              </a:ext>
+            </a:extLst>
+          </p:cNvPr>
+          <p:cNvPicPr>
+            <a:picLocks noChangeAspect="1"/>
+          </p:cNvPicPr>
+          <p:nvPr/>
+        </p:nvPicPr>
+        <p:blipFill>
+          <a:blip r:embed="rId2">
+            <a:extLst>
+              <a:ext uri="{28A0092B-C50C-407E-A947-70E740481C1C}">
+                <a14:useLocalDpi xmlns:a14="http://schemas.microsoft.com/office/drawing/2010/main" val="0"/>
+              </a:ext>
+              <a:ext uri="{96DAC541-7B7A-43D3-8B79-37D633B846F1}">
+                <asvg:svgBlip xmlns:asvg="http://schemas.microsoft.com/office/drawing/2016/SVG/main" r:embed="rId3"/>
+              </a:ext>
+            </a:extLst>
+          </a:blip>
+          <a:stretch>
+            <a:fillRect/>
+          </a:stretch>
+        </p:blipFill>
+        <p:spPr>
+          <a:xfrm>
+            <a:off x="1465306" y="1666257"/>
+            <a:ext cx="8562975" cy="4257675"/>
+          </a:xfrm>
+          <a:prstGeom prst="rect">
+            <a:avLst/>
+          </a:prstGeom>
+        </p:spPr>
+      </p:pic>
+    </p:spTree>
+    <p:extLst>
+      <p:ext uri="{BB962C8B-B14F-4D97-AF65-F5344CB8AC3E}">
+        <p14:creationId xmlns:p14="http://schemas.microsoft.com/office/powerpoint/2010/main" val="2119683791"/>
+      </p:ext>
+    </p:extLst>
+  </p:cSld>
+  <p:clrMapOvr>
+    <a:masterClrMapping/>
+  </p:clrMapOvr>
+  <p:timing>
+    <p:tnLst>
+      <p:par>
+        <p:cTn id="1" dur="indefinite" restart="never" nodeType="tmRoot">
+          <p:childTnLst>
+            <p:seq concurrent="1" nextAc="seek">
+              <p:cTn id="2" dur="indefinite" nodeType="mainSeq">
+                <p:childTnLst>
+                  <p:par>
+                    <p:cTn id="3" fill="hold">
+                      <p:stCondLst>
+                        <p:cond delay="indefinite"/>
+                      </p:stCondLst>
+                      <p:childTnLst>
+                        <p:par>
+                          <p:cTn id="4" fill="hold">
+                            <p:stCondLst>
+                              <p:cond delay="0"/>
+                            </p:stCondLst>
+                            <p:childTnLst>
+                              <p:par>
+                                <p:cTn id="5" presetID="1" presetClass="entr" presetSubtype="0" fill="hold" grpId="0" nodeType="clickEffect">
+                                  <p:stCondLst>
+                                    <p:cond delay="0"/>
+                                  </p:stCondLst>
+                                  <p:childTnLst>
+                                    <p:set>
+                                      <p:cBhvr>
+                                        <p:cTn id="6" dur="1" fill="hold">
+                                          <p:stCondLst>
+                                            <p:cond delay="0"/>
+                                          </p:stCondLst>
+                                        </p:cTn>
+                                        <p:tgtEl>
+                                          <p:spTgt spid="7"/>
+                                        </p:tgtEl>
+                                        <p:attrNameLst>
+                                          <p:attrName>style.visibility</p:attrName>
+                                        </p:attrNameLst>
+                                      </p:cBhvr>
+                                      <p:to>
+                                        <p:strVal val="visible"/>
+                                      </p:to>
+                                    </p:set>
+                                  </p:childTnLst>
+                                </p:cTn>
+                              </p:par>
+                            </p:childTnLst>
+                          </p:cTn>
+                        </p:par>
+                      </p:childTnLst>
+                    </p:cTn>
+                  </p:par>
+                </p:childTnLst>
+              </p:cTn>
+              <p:prevCondLst>
+                <p:cond evt="onPrev" delay="0">
+                  <p:tgtEl>
+                    <p:sldTgt/>
+                  </p:tgtEl>
+                </p:cond>
+              </p:prevCondLst>
+              <p:nextCondLst>
+                <p:cond evt="onNext" delay="0">
+                  <p:tgtEl>
+                    <p:sldTgt/>
+                  </p:tgtEl>
+                </p:cond>
+              </p:nextCondLst>
+            </p:seq>
+          </p:childTnLst>
+        </p:cTn>
+      </p:par>
+    </p:tnLst>
+    <p:bldLst>
+      <p:bldP spid="7" grpId="0"/>
+    </p:bldLst>
+  </p:timing>
+</p:sld>
+</file>
+
+<file path=ppt/slides/slide9.xml><?xml version="1.0" encoding="utf-8"?>
+<p:sld xmlns:a="http://schemas.openxmlformats.org/drawingml/2006/main" xmlns:r="http://schemas.openxmlformats.org/officeDocument/2006/relationships" xmlns:p="http://schemas.openxmlformats.org/presentationml/2006/main">
+  <p:cSld>
+    <p:spTree>
+      <p:nvGrpSpPr>
+        <p:cNvPr id="1" name=""/>
+        <p:cNvGrpSpPr/>
+        <p:nvPr/>
+      </p:nvGrpSpPr>
+      <p:grpSpPr>
+        <a:xfrm>
+          <a:off x="0" y="0"/>
+          <a:ext cx="0" cy="0"/>
+          <a:chOff x="0" y="0"/>
+          <a:chExt cx="0" cy="0"/>
+        </a:xfrm>
+      </p:grpSpPr>
+      <p:sp>
+        <p:nvSpPr>
+          <p:cNvPr id="2" name="Title 1"/>
+          <p:cNvSpPr>
+            <a:spLocks noGrp="1"/>
+          </p:cNvSpPr>
+          <p:nvPr>
+            <p:ph type="title"/>
+          </p:nvPr>
+        </p:nvSpPr>
+        <p:spPr>
+          <a:xfrm>
+            <a:off x="345071" y="17138"/>
+            <a:ext cx="10515600" cy="1325563"/>
+          </a:xfrm>
+        </p:spPr>
+        <p:txBody>
+          <a:bodyPr/>
+          <a:lstStyle/>
+          <a:p>
+            <a:r>
+              <a:rPr lang="en-US" b="1" dirty="0"/>
+              <a:t>Pre-post </a:t>
+            </a:r>
+            <a:r>
+              <a:rPr lang="en-US" b="1" dirty="0" err="1"/>
+              <a:t>analysis+seasonality</a:t>
+            </a:r>
+            <a:endParaRPr lang="en-US" b="1" dirty="0"/>
+          </a:p>
+        </p:txBody>
+      </p:sp>
+      <p:sp>
+        <p:nvSpPr>
+          <p:cNvPr id="3" name="Content Placeholder 2"/>
+          <p:cNvSpPr>
+            <a:spLocks noGrp="1"/>
+          </p:cNvSpPr>
+          <p:nvPr>
+            <p:ph idx="1"/>
+          </p:nvPr>
+        </p:nvSpPr>
+        <p:spPr>
+          <a:xfrm>
+            <a:off x="1465306" y="1003475"/>
+            <a:ext cx="9258373" cy="578097"/>
+          </a:xfrm>
+        </p:spPr>
+        <p:txBody>
+          <a:bodyPr>
+            <a:normAutofit/>
+          </a:bodyPr>
+          <a:lstStyle/>
+          <a:p>
+            <a:r>
+              <a:rPr lang="en-US" sz="1600" dirty="0"/>
+              <a:t>Test whether mean number of cases declines post-PCV</a:t>
+            </a:r>
+          </a:p>
+        </p:txBody>
+      </p:sp>
+      <p:sp>
+        <p:nvSpPr>
+          <p:cNvPr id="7" name="TextBox 6"/>
+          <p:cNvSpPr txBox="1"/>
+          <p:nvPr/>
+        </p:nvSpPr>
+        <p:spPr>
+          <a:xfrm>
+            <a:off x="6614556" y="780438"/>
+            <a:ext cx="4984698" cy="1200329"/>
+          </a:xfrm>
+          <a:prstGeom prst="rect">
+            <a:avLst/>
+          </a:prstGeom>
+          <a:noFill/>
+        </p:spPr>
+        <p:txBody>
+          <a:bodyPr wrap="none" rtlCol="0">
+            <a:spAutoFit/>
+          </a:bodyPr>
+          <a:lstStyle/>
+          <a:p>
+            <a:r>
+              <a:rPr lang="en-US" sz="2400" dirty="0">
+                <a:solidFill>
+                  <a:srgbClr val="FF0000"/>
+                </a:solidFill>
+              </a:rPr>
+              <a:t>Seasonal model: </a:t>
+            </a:r>
+          </a:p>
+          <a:p>
+            <a:r>
+              <a:rPr lang="en-US" sz="2400" dirty="0">
+                <a:solidFill>
+                  <a:srgbClr val="FF0000"/>
+                </a:solidFill>
+              </a:rPr>
+              <a:t>Cases ~ Poisson (lambda)</a:t>
+            </a:r>
+          </a:p>
+          <a:p>
+            <a:r>
+              <a:rPr lang="en-US" sz="2400" dirty="0">
+                <a:solidFill>
+                  <a:srgbClr val="FF0000"/>
+                </a:solidFill>
+              </a:rPr>
+              <a:t>Log(lambda)=b0 +b1*sin12 +b2*cos12</a:t>
+            </a:r>
+          </a:p>
+        </p:txBody>
+      </p:sp>
+      <p:pic>
+        <p:nvPicPr>
+          <p:cNvPr id="5" name="Graphic 4">
+            <a:extLst>
+              <a:ext uri="{FF2B5EF4-FFF2-40B4-BE49-F238E27FC236}">
+                <a16:creationId xmlns:a16="http://schemas.microsoft.com/office/drawing/2014/main" id="{0511DC29-A692-434A-9E1A-1BCE703A7193}"/>
+              </a:ext>
+            </a:extLst>
+          </p:cNvPr>
+          <p:cNvPicPr>
+            <a:picLocks noChangeAspect="1"/>
+          </p:cNvPicPr>
+          <p:nvPr/>
+        </p:nvPicPr>
+        <p:blipFill>
+          <a:blip r:embed="rId2">
+            <a:extLst>
+              <a:ext uri="{28A0092B-C50C-407E-A947-70E740481C1C}">
+                <a14:useLocalDpi xmlns:a14="http://schemas.microsoft.com/office/drawing/2010/main" val="0"/>
+              </a:ext>
+              <a:ext uri="{96DAC541-7B7A-43D3-8B79-37D633B846F1}">
+                <asvg:svgBlip xmlns:asvg="http://schemas.microsoft.com/office/drawing/2016/SVG/main" r:embed="rId3"/>
+              </a:ext>
+            </a:extLst>
+          </a:blip>
+          <a:stretch>
+            <a:fillRect/>
+          </a:stretch>
+        </p:blipFill>
+        <p:spPr>
+          <a:xfrm>
+            <a:off x="1132761" y="2678546"/>
+            <a:ext cx="9077325" cy="3962400"/>
+          </a:xfrm>
+          <a:prstGeom prst="rect">
+            <a:avLst/>
+          </a:prstGeom>
+        </p:spPr>
+      </p:pic>
+    </p:spTree>
+    <p:extLst>
+      <p:ext uri="{BB962C8B-B14F-4D97-AF65-F5344CB8AC3E}">
+        <p14:creationId xmlns:p14="http://schemas.microsoft.com/office/powerpoint/2010/main" val="2036442616"/>
+      </p:ext>
+    </p:extLst>
+  </p:cSld>
+  <p:clrMapOvr>
+    <a:masterClrMapping/>
+  </p:clrMapOvr>
+  <p:timing>
+    <p:tnLst>
+      <p:par>
+        <p:cTn id="1" dur="indefinite" restart="never" nodeType="tmRoot">
+          <p:childTnLst>
+            <p:seq concurrent="1" nextAc="seek">
+              <p:cTn id="2" dur="indefinite" nodeType="mainSeq">
+                <p:childTnLst>
+                  <p:par>
+                    <p:cTn id="3" fill="hold">
+                      <p:stCondLst>
+                        <p:cond delay="indefinite"/>
+                      </p:stCondLst>
+                      <p:childTnLst>
+                        <p:par>
+                          <p:cTn id="4" fill="hold">
+                            <p:stCondLst>
+                              <p:cond delay="0"/>
+                            </p:stCondLst>
+                            <p:childTnLst>
+                              <p:par>
+                                <p:cTn id="5" presetID="1" presetClass="entr" presetSubtype="0" fill="hold" grpId="0" nodeType="clickEffect">
+                                  <p:stCondLst>
+                                    <p:cond delay="0"/>
+                                  </p:stCondLst>
+                                  <p:childTnLst>
+                                    <p:set>
+                                      <p:cBhvr>
+                                        <p:cTn id="6" dur="1" fill="hold">
+                                          <p:stCondLst>
+                                            <p:cond delay="0"/>
+                                          </p:stCondLst>
+                                        </p:cTn>
+                                        <p:tgtEl>
+                                          <p:spTgt spid="7"/>
+                                        </p:tgtEl>
+                                        <p:attrNameLst>
+                                          <p:attrName>style.visibility</p:attrName>
+                                        </p:attrNameLst>
+                                      </p:cBhvr>
+                                      <p:to>
+                                        <p:strVal val="visible"/>
+                                      </p:to>
+                                    </p:set>
+                                  </p:childTnLst>
+                                </p:cTn>
+                              </p:par>
+                            </p:childTnLst>
+                          </p:cTn>
+                        </p:par>
+                      </p:childTnLst>
+                    </p:cTn>
+                  </p:par>
+                </p:childTnLst>
+              </p:cTn>
+              <p:prevCondLst>
+                <p:cond evt="onPrev" delay="0">
+                  <p:tgtEl>
+                    <p:sldTgt/>
+                  </p:tgtEl>
+                </p:cond>
+              </p:prevCondLst>
+              <p:nextCondLst>
+                <p:cond evt="onNext" delay="0">
+                  <p:tgtEl>
+                    <p:sldTgt/>
+                  </p:tgtEl>
+                </p:cond>
+              </p:nextCondLst>
+            </p:seq>
+          </p:childTnLst>
+        </p:cTn>
+      </p:par>
+    </p:tnLst>
+    <p:bldLst>
+      <p:bldP spid="7" grpId="0"/>
+    </p:bldLst>
   </p:timing>
 </p:sld>
 </file>
